--- a/資料/18237007_がばべん2021資料.pptx
+++ b/資料/18237007_がばべん2021資料.pptx
@@ -11,9 +11,6 @@
     <p:sldId id="260" r:id="rId5"/>
     <p:sldId id="259" r:id="rId6"/>
     <p:sldId id="264" r:id="rId7"/>
-    <p:sldId id="261" r:id="rId8"/>
-    <p:sldId id="262" r:id="rId9"/>
-    <p:sldId id="263" r:id="rId10"/>
   </p:sldIdLst>
   <p:sldSz cx="12192000" cy="6858000"/>
   <p:notesSz cx="6858000" cy="9144000"/>
@@ -267,7 +264,7 @@
           <a:p>
             <a:fld id="{0268F204-14F8-4375-A6F7-3DA7C4DB8FF0}" type="datetimeFigureOut">
               <a:rPr kumimoji="1" lang="ja-JP" altLang="en-US" smtClean="0"/>
-              <a:t>2021/11/4</a:t>
+              <a:t>2022/1/13</a:t>
             </a:fld>
             <a:endParaRPr kumimoji="1" lang="ja-JP" altLang="en-US"/>
           </a:p>
@@ -497,7 +494,7 @@
           <a:p>
             <a:fld id="{0268F204-14F8-4375-A6F7-3DA7C4DB8FF0}" type="datetimeFigureOut">
               <a:rPr kumimoji="1" lang="ja-JP" altLang="en-US" smtClean="0"/>
-              <a:t>2021/11/4</a:t>
+              <a:t>2022/1/13</a:t>
             </a:fld>
             <a:endParaRPr kumimoji="1" lang="ja-JP" altLang="en-US"/>
           </a:p>
@@ -737,7 +734,7 @@
           <a:p>
             <a:fld id="{0268F204-14F8-4375-A6F7-3DA7C4DB8FF0}" type="datetimeFigureOut">
               <a:rPr kumimoji="1" lang="ja-JP" altLang="en-US" smtClean="0"/>
-              <a:t>2021/11/4</a:t>
+              <a:t>2022/1/13</a:t>
             </a:fld>
             <a:endParaRPr kumimoji="1" lang="ja-JP" altLang="en-US"/>
           </a:p>
@@ -967,7 +964,7 @@
           <a:p>
             <a:fld id="{0268F204-14F8-4375-A6F7-3DA7C4DB8FF0}" type="datetimeFigureOut">
               <a:rPr kumimoji="1" lang="ja-JP" altLang="en-US" smtClean="0"/>
-              <a:t>2021/11/4</a:t>
+              <a:t>2022/1/13</a:t>
             </a:fld>
             <a:endParaRPr kumimoji="1" lang="ja-JP" altLang="en-US"/>
           </a:p>
@@ -1242,7 +1239,7 @@
           <a:p>
             <a:fld id="{0268F204-14F8-4375-A6F7-3DA7C4DB8FF0}" type="datetimeFigureOut">
               <a:rPr kumimoji="1" lang="ja-JP" altLang="en-US" smtClean="0"/>
-              <a:t>2021/11/4</a:t>
+              <a:t>2022/1/13</a:t>
             </a:fld>
             <a:endParaRPr kumimoji="1" lang="ja-JP" altLang="en-US"/>
           </a:p>
@@ -1571,7 +1568,7 @@
           <a:p>
             <a:fld id="{0268F204-14F8-4375-A6F7-3DA7C4DB8FF0}" type="datetimeFigureOut">
               <a:rPr kumimoji="1" lang="ja-JP" altLang="en-US" smtClean="0"/>
-              <a:t>2021/11/4</a:t>
+              <a:t>2022/1/13</a:t>
             </a:fld>
             <a:endParaRPr kumimoji="1" lang="ja-JP" altLang="en-US"/>
           </a:p>
@@ -2047,7 +2044,7 @@
           <a:p>
             <a:fld id="{0268F204-14F8-4375-A6F7-3DA7C4DB8FF0}" type="datetimeFigureOut">
               <a:rPr kumimoji="1" lang="ja-JP" altLang="en-US" smtClean="0"/>
-              <a:t>2021/11/4</a:t>
+              <a:t>2022/1/13</a:t>
             </a:fld>
             <a:endParaRPr kumimoji="1" lang="ja-JP" altLang="en-US"/>
           </a:p>
@@ -2188,7 +2185,7 @@
           <a:p>
             <a:fld id="{0268F204-14F8-4375-A6F7-3DA7C4DB8FF0}" type="datetimeFigureOut">
               <a:rPr kumimoji="1" lang="ja-JP" altLang="en-US" smtClean="0"/>
-              <a:t>2021/11/4</a:t>
+              <a:t>2022/1/13</a:t>
             </a:fld>
             <a:endParaRPr kumimoji="1" lang="ja-JP" altLang="en-US"/>
           </a:p>
@@ -2301,7 +2298,7 @@
           <a:p>
             <a:fld id="{0268F204-14F8-4375-A6F7-3DA7C4DB8FF0}" type="datetimeFigureOut">
               <a:rPr kumimoji="1" lang="ja-JP" altLang="en-US" smtClean="0"/>
-              <a:t>2021/11/4</a:t>
+              <a:t>2022/1/13</a:t>
             </a:fld>
             <a:endParaRPr kumimoji="1" lang="ja-JP" altLang="en-US"/>
           </a:p>
@@ -2644,7 +2641,7 @@
           <a:p>
             <a:fld id="{0268F204-14F8-4375-A6F7-3DA7C4DB8FF0}" type="datetimeFigureOut">
               <a:rPr kumimoji="1" lang="ja-JP" altLang="en-US" smtClean="0"/>
-              <a:t>2021/11/4</a:t>
+              <a:t>2022/1/13</a:t>
             </a:fld>
             <a:endParaRPr kumimoji="1" lang="ja-JP" altLang="en-US"/>
           </a:p>
@@ -2932,7 +2929,7 @@
           <a:p>
             <a:fld id="{0268F204-14F8-4375-A6F7-3DA7C4DB8FF0}" type="datetimeFigureOut">
               <a:rPr kumimoji="1" lang="ja-JP" altLang="en-US" smtClean="0"/>
-              <a:t>2021/11/4</a:t>
+              <a:t>2022/1/13</a:t>
             </a:fld>
             <a:endParaRPr kumimoji="1" lang="ja-JP" altLang="en-US"/>
           </a:p>
@@ -3205,7 +3202,7 @@
           <a:p>
             <a:fld id="{0268F204-14F8-4375-A6F7-3DA7C4DB8FF0}" type="datetimeFigureOut">
               <a:rPr kumimoji="1" lang="ja-JP" altLang="en-US" smtClean="0"/>
-              <a:t>2021/11/4</a:t>
+              <a:t>2022/1/13</a:t>
             </a:fld>
             <a:endParaRPr kumimoji="1" lang="ja-JP" altLang="en-US"/>
           </a:p>
@@ -5853,7 +5850,7 @@
           <a:p>
             <a:r>
               <a:rPr lang="ja-JP" altLang="en-US" sz="3200" b="1" dirty="0"/>
-              <a:t>やるべきこと</a:t>
+              <a:t>収入源</a:t>
             </a:r>
             <a:endParaRPr kumimoji="1" lang="ja-JP" altLang="en-US" sz="3200" b="1" dirty="0"/>
           </a:p>
@@ -5861,135 +5858,24 @@
       </p:sp>
       <p:sp>
         <p:nvSpPr>
-          <p:cNvPr id="15" name="コンテンツ プレースホルダー 14">
-            <a:extLst>
-              <a:ext uri="{FF2B5EF4-FFF2-40B4-BE49-F238E27FC236}">
-                <a16:creationId xmlns:a16="http://schemas.microsoft.com/office/drawing/2014/main" id="{9772E61B-63B0-496A-93C9-D03F6C967610}"/>
-              </a:ext>
-            </a:extLst>
-          </p:cNvPr>
-          <p:cNvSpPr>
-            <a:spLocks noGrp="1"/>
-          </p:cNvSpPr>
-          <p:nvPr>
-            <p:ph idx="1"/>
-          </p:nvPr>
+          <p:cNvPr id="5" name="四角形: 角を丸くする 4">
+            <a:extLst>
+              <a:ext uri="{FF2B5EF4-FFF2-40B4-BE49-F238E27FC236}">
+                <a16:creationId xmlns:a16="http://schemas.microsoft.com/office/drawing/2014/main" id="{95D895A8-80B6-485F-A88B-5169E5C2F866}"/>
+              </a:ext>
+            </a:extLst>
+          </p:cNvPr>
+          <p:cNvSpPr/>
+          <p:nvPr/>
         </p:nvSpPr>
         <p:spPr>
           <a:xfrm>
-            <a:off x="838200" y="1113184"/>
-            <a:ext cx="10515600" cy="5063779"/>
+            <a:off x="984069" y="1341120"/>
+            <a:ext cx="10093234" cy="748058"/>
           </a:xfrm>
-        </p:spPr>
-        <p:txBody>
-          <a:bodyPr>
-            <a:normAutofit/>
-          </a:bodyPr>
-          <a:lstStyle/>
-          <a:p>
-            <a:r>
-              <a:rPr lang="ja-JP" altLang="en-US" sz="1600" dirty="0"/>
-              <a:t>強みと弱みを正確に理解できている会社は少ない　→　有料でコンサルティングを受けられるようにする</a:t>
-            </a:r>
-            <a:endParaRPr lang="en-US" altLang="ja-JP" sz="1600"/>
-          </a:p>
-          <a:p>
-            <a:endParaRPr lang="en-US" altLang="ja-JP" sz="1600"/>
-          </a:p>
-        </p:txBody>
-      </p:sp>
-    </p:spTree>
-    <p:extLst>
-      <p:ext uri="{BB962C8B-B14F-4D97-AF65-F5344CB8AC3E}">
-        <p14:creationId xmlns:p14="http://schemas.microsoft.com/office/powerpoint/2010/main" val="3434230261"/>
-      </p:ext>
-    </p:extLst>
-  </p:cSld>
-  <p:clrMapOvr>
-    <a:masterClrMapping/>
-  </p:clrMapOvr>
-</p:sld>
-</file>
-
-<file path=ppt/slides/slide7.xml><?xml version="1.0" encoding="utf-8"?>
-<p:sld xmlns:a="http://schemas.openxmlformats.org/drawingml/2006/main" xmlns:r="http://schemas.openxmlformats.org/officeDocument/2006/relationships" xmlns:p="http://schemas.openxmlformats.org/presentationml/2006/main">
-  <p:cSld>
-    <p:spTree>
-      <p:nvGrpSpPr>
-        <p:cNvPr id="1" name=""/>
-        <p:cNvGrpSpPr/>
-        <p:nvPr/>
-      </p:nvGrpSpPr>
-      <p:grpSpPr>
-        <a:xfrm>
-          <a:off x="0" y="0"/>
-          <a:ext cx="0" cy="0"/>
-          <a:chOff x="0" y="0"/>
-          <a:chExt cx="0" cy="0"/>
-        </a:xfrm>
-      </p:grpSpPr>
-      <p:sp>
-        <p:nvSpPr>
-          <p:cNvPr id="2" name="タイトル 1">
-            <a:extLst>
-              <a:ext uri="{FF2B5EF4-FFF2-40B4-BE49-F238E27FC236}">
-                <a16:creationId xmlns:a16="http://schemas.microsoft.com/office/drawing/2014/main" id="{D1FDFCA5-0E05-42A6-9669-97150A68CD32}"/>
-              </a:ext>
-            </a:extLst>
-          </p:cNvPr>
-          <p:cNvSpPr>
-            <a:spLocks noGrp="1"/>
-          </p:cNvSpPr>
-          <p:nvPr>
-            <p:ph type="title"/>
-          </p:nvPr>
-        </p:nvSpPr>
-        <p:spPr>
-          <a:xfrm>
-            <a:off x="630381" y="223809"/>
-            <a:ext cx="10515600" cy="748058"/>
-          </a:xfrm>
-        </p:spPr>
-        <p:txBody>
-          <a:bodyPr>
-            <a:normAutofit/>
-          </a:bodyPr>
-          <a:lstStyle/>
-          <a:p>
-            <a:r>
-              <a:rPr lang="ja-JP" altLang="en-US" sz="3200" b="1" dirty="0"/>
-              <a:t>モック</a:t>
-            </a:r>
-            <a:endParaRPr kumimoji="1" lang="ja-JP" altLang="en-US" sz="3200" b="1" dirty="0"/>
-          </a:p>
-        </p:txBody>
-      </p:sp>
-      <p:sp>
-        <p:nvSpPr>
-          <p:cNvPr id="3" name="正方形/長方形 2">
-            <a:extLst>
-              <a:ext uri="{FF2B5EF4-FFF2-40B4-BE49-F238E27FC236}">
-                <a16:creationId xmlns:a16="http://schemas.microsoft.com/office/drawing/2014/main" id="{F1679E86-3B9D-47A0-8B77-74D610B63900}"/>
-              </a:ext>
-            </a:extLst>
-          </p:cNvPr>
-          <p:cNvSpPr/>
-          <p:nvPr/>
-        </p:nvSpPr>
-        <p:spPr>
-          <a:xfrm>
-            <a:off x="723207" y="971866"/>
-            <a:ext cx="5372793" cy="5794693"/>
-          </a:xfrm>
-          <a:prstGeom prst="rect">
+          <a:prstGeom prst="roundRect">
             <a:avLst/>
           </a:prstGeom>
-          <a:noFill/>
-          <a:ln w="3175">
-            <a:solidFill>
-              <a:schemeClr val="tx1"/>
-            </a:solidFill>
-          </a:ln>
         </p:spPr>
         <p:style>
           <a:lnRef idx="2">
@@ -6011,17 +5897,35 @@
           <a:bodyPr rtlCol="0" anchor="ctr"/>
           <a:lstStyle/>
           <a:p>
-            <a:pPr algn="ctr"/>
-            <a:endParaRPr kumimoji="1" lang="ja-JP" altLang="en-US" dirty="0"/>
-          </a:p>
-        </p:txBody>
-      </p:sp>
-      <p:sp>
-        <p:nvSpPr>
-          <p:cNvPr id="4" name="正方形/長方形 3">
-            <a:extLst>
-              <a:ext uri="{FF2B5EF4-FFF2-40B4-BE49-F238E27FC236}">
-                <a16:creationId xmlns:a16="http://schemas.microsoft.com/office/drawing/2014/main" id="{C5C4DF17-89CD-47A3-A019-5488313167F6}"/>
+            <a:r>
+              <a:rPr kumimoji="1" lang="ja-JP" altLang="en-US" dirty="0"/>
+              <a:t>マッチングサービスの利用料　</a:t>
+            </a:r>
+            <a:r>
+              <a:rPr kumimoji="1" lang="en-US" altLang="ja-JP" dirty="0"/>
+              <a:t>1</a:t>
+            </a:r>
+            <a:r>
+              <a:rPr kumimoji="1" lang="ja-JP" altLang="en-US" dirty="0"/>
+              <a:t>万円</a:t>
+            </a:r>
+            <a:r>
+              <a:rPr kumimoji="1" lang="en-US" altLang="ja-JP" dirty="0"/>
+              <a:t>/1</a:t>
+            </a:r>
+            <a:r>
+              <a:rPr kumimoji="1" lang="ja-JP" altLang="en-US" dirty="0"/>
+              <a:t>か月</a:t>
+            </a:r>
+          </a:p>
+        </p:txBody>
+      </p:sp>
+      <p:sp>
+        <p:nvSpPr>
+          <p:cNvPr id="7" name="四角形: 角を丸くする 6">
+            <a:extLst>
+              <a:ext uri="{FF2B5EF4-FFF2-40B4-BE49-F238E27FC236}">
+                <a16:creationId xmlns:a16="http://schemas.microsoft.com/office/drawing/2014/main" id="{9E888B3D-FC4F-4F2F-B573-04D1B6F75F6D}"/>
               </a:ext>
             </a:extLst>
           </p:cNvPr>
@@ -6030,15 +5934,12 @@
         </p:nvSpPr>
         <p:spPr>
           <a:xfrm>
-            <a:off x="786941" y="1055715"/>
-            <a:ext cx="914400" cy="282634"/>
+            <a:off x="984069" y="2469514"/>
+            <a:ext cx="10093234" cy="748058"/>
           </a:xfrm>
-          <a:prstGeom prst="rect">
+          <a:prstGeom prst="roundRect">
             <a:avLst/>
           </a:prstGeom>
-          <a:solidFill>
-            <a:schemeClr val="tx1"/>
-          </a:solidFill>
         </p:spPr>
         <p:style>
           <a:lnRef idx="2">
@@ -6060,4988 +5961,38 @@
           <a:bodyPr rtlCol="0" anchor="ctr"/>
           <a:lstStyle/>
           <a:p>
-            <a:pPr algn="ctr"/>
-            <a:r>
-              <a:rPr kumimoji="1" lang="ja-JP" altLang="en-US" sz="1400" dirty="0"/>
-              <a:t>ロゴ</a:t>
-            </a:r>
-          </a:p>
-        </p:txBody>
-      </p:sp>
-      <p:sp>
-        <p:nvSpPr>
-          <p:cNvPr id="33" name="正方形/長方形 32">
-            <a:extLst>
-              <a:ext uri="{FF2B5EF4-FFF2-40B4-BE49-F238E27FC236}">
-                <a16:creationId xmlns:a16="http://schemas.microsoft.com/office/drawing/2014/main" id="{08885E6F-7516-493B-A086-059960A38654}"/>
-              </a:ext>
-            </a:extLst>
-          </p:cNvPr>
-          <p:cNvSpPr/>
-          <p:nvPr/>
-        </p:nvSpPr>
-        <p:spPr>
-          <a:xfrm>
-            <a:off x="1701341" y="1811909"/>
-            <a:ext cx="3219794" cy="3267168"/>
-          </a:xfrm>
-          <a:prstGeom prst="rect">
-            <a:avLst/>
-          </a:prstGeom>
-          <a:solidFill>
-            <a:schemeClr val="bg1"/>
-          </a:solidFill>
-        </p:spPr>
-        <p:style>
-          <a:lnRef idx="2">
-            <a:schemeClr val="accent1">
-              <a:shade val="50000"/>
-            </a:schemeClr>
-          </a:lnRef>
-          <a:fillRef idx="1">
-            <a:schemeClr val="accent1"/>
-          </a:fillRef>
-          <a:effectRef idx="0">
-            <a:schemeClr val="accent1"/>
-          </a:effectRef>
-          <a:fontRef idx="minor">
-            <a:schemeClr val="lt1"/>
-          </a:fontRef>
-        </p:style>
-        <p:txBody>
-          <a:bodyPr rtlCol="0" anchor="ctr"/>
-          <a:lstStyle/>
-          <a:p>
-            <a:pPr algn="ctr"/>
-            <a:endParaRPr kumimoji="1" lang="ja-JP" altLang="en-US"/>
-          </a:p>
-        </p:txBody>
-      </p:sp>
-      <p:sp>
-        <p:nvSpPr>
-          <p:cNvPr id="36" name="正方形/長方形 35">
-            <a:extLst>
-              <a:ext uri="{FF2B5EF4-FFF2-40B4-BE49-F238E27FC236}">
-                <a16:creationId xmlns:a16="http://schemas.microsoft.com/office/drawing/2014/main" id="{50125ECD-3C7A-4840-B597-A96C7012B19F}"/>
-              </a:ext>
-            </a:extLst>
-          </p:cNvPr>
-          <p:cNvSpPr/>
-          <p:nvPr/>
-        </p:nvSpPr>
-        <p:spPr>
-          <a:xfrm>
-            <a:off x="2686394" y="4278845"/>
-            <a:ext cx="1162399" cy="293318"/>
-          </a:xfrm>
-          <a:prstGeom prst="rect">
-            <a:avLst/>
-          </a:prstGeom>
-          <a:solidFill>
-            <a:schemeClr val="accent1">
-              <a:lumMod val="50000"/>
-            </a:schemeClr>
-          </a:solidFill>
-        </p:spPr>
-        <p:style>
-          <a:lnRef idx="2">
-            <a:schemeClr val="accent1">
-              <a:shade val="50000"/>
-            </a:schemeClr>
-          </a:lnRef>
-          <a:fillRef idx="1">
-            <a:schemeClr val="accent1"/>
-          </a:fillRef>
-          <a:effectRef idx="0">
-            <a:schemeClr val="accent1"/>
-          </a:effectRef>
-          <a:fontRef idx="minor">
-            <a:schemeClr val="lt1"/>
-          </a:fontRef>
-        </p:style>
-        <p:txBody>
-          <a:bodyPr rtlCol="0" anchor="ctr"/>
-          <a:lstStyle/>
-          <a:p>
-            <a:pPr algn="ctr"/>
-            <a:r>
-              <a:rPr lang="ja-JP" altLang="en-US" sz="1000" b="1" dirty="0">
-                <a:solidFill>
-                  <a:schemeClr val="bg1"/>
-                </a:solidFill>
-              </a:rPr>
-              <a:t>新規登録</a:t>
-            </a:r>
-            <a:endParaRPr kumimoji="1" lang="ja-JP" altLang="en-US" sz="1000" b="1" dirty="0">
-              <a:solidFill>
-                <a:schemeClr val="bg1"/>
-              </a:solidFill>
-            </a:endParaRPr>
-          </a:p>
-        </p:txBody>
-      </p:sp>
-      <p:grpSp>
-        <p:nvGrpSpPr>
-          <p:cNvPr id="182" name="グループ化 181">
-            <a:extLst>
-              <a:ext uri="{FF2B5EF4-FFF2-40B4-BE49-F238E27FC236}">
-                <a16:creationId xmlns:a16="http://schemas.microsoft.com/office/drawing/2014/main" id="{C0C80CAC-424F-4AC9-9584-8CADFB7780BB}"/>
-              </a:ext>
-            </a:extLst>
-          </p:cNvPr>
-          <p:cNvGrpSpPr/>
-          <p:nvPr/>
-        </p:nvGrpSpPr>
-        <p:grpSpPr>
-          <a:xfrm>
-            <a:off x="2359142" y="2308304"/>
-            <a:ext cx="2114139" cy="293318"/>
-            <a:chOff x="2398477" y="2058919"/>
-            <a:chExt cx="2114139" cy="293318"/>
-          </a:xfrm>
-        </p:grpSpPr>
-        <p:sp>
-          <p:nvSpPr>
-            <p:cNvPr id="37" name="テキスト ボックス 36">
-              <a:extLst>
-                <a:ext uri="{FF2B5EF4-FFF2-40B4-BE49-F238E27FC236}">
-                  <a16:creationId xmlns:a16="http://schemas.microsoft.com/office/drawing/2014/main" id="{1940AE67-10C7-42F4-89A4-8116A4D7DE49}"/>
-                </a:ext>
-              </a:extLst>
-            </p:cNvPr>
-            <p:cNvSpPr txBox="1"/>
-            <p:nvPr/>
-          </p:nvSpPr>
-          <p:spPr>
-            <a:xfrm>
-              <a:off x="2398477" y="2082467"/>
-              <a:ext cx="569387" cy="246221"/>
-            </a:xfrm>
-            <a:prstGeom prst="rect">
-              <a:avLst/>
-            </a:prstGeom>
-            <a:noFill/>
-          </p:spPr>
-          <p:txBody>
-            <a:bodyPr wrap="none" rtlCol="0">
-              <a:spAutoFit/>
-            </a:bodyPr>
-            <a:lstStyle/>
-            <a:p>
-              <a:r>
-                <a:rPr lang="ja-JP" altLang="en-US" sz="1000" dirty="0"/>
-                <a:t>会社名</a:t>
-              </a:r>
-              <a:endParaRPr kumimoji="1" lang="ja-JP" altLang="en-US" sz="1000" dirty="0"/>
-            </a:p>
-          </p:txBody>
-        </p:sp>
-        <p:sp>
-          <p:nvSpPr>
-            <p:cNvPr id="39" name="正方形/長方形 38">
-              <a:extLst>
-                <a:ext uri="{FF2B5EF4-FFF2-40B4-BE49-F238E27FC236}">
-                  <a16:creationId xmlns:a16="http://schemas.microsoft.com/office/drawing/2014/main" id="{49B20A13-83B8-4468-A759-D48BB5B6F134}"/>
-                </a:ext>
-              </a:extLst>
-            </p:cNvPr>
-            <p:cNvSpPr/>
-            <p:nvPr/>
-          </p:nvSpPr>
-          <p:spPr>
-            <a:xfrm>
-              <a:off x="2962290" y="2058919"/>
-              <a:ext cx="1550326" cy="293318"/>
-            </a:xfrm>
-            <a:prstGeom prst="rect">
-              <a:avLst/>
-            </a:prstGeom>
-            <a:solidFill>
-              <a:schemeClr val="bg1"/>
-            </a:solidFill>
-          </p:spPr>
-          <p:style>
-            <a:lnRef idx="2">
-              <a:schemeClr val="accent1">
-                <a:shade val="50000"/>
-              </a:schemeClr>
-            </a:lnRef>
-            <a:fillRef idx="1">
-              <a:schemeClr val="accent1"/>
-            </a:fillRef>
-            <a:effectRef idx="0">
-              <a:schemeClr val="accent1"/>
-            </a:effectRef>
-            <a:fontRef idx="minor">
-              <a:schemeClr val="lt1"/>
-            </a:fontRef>
-          </p:style>
-          <p:txBody>
-            <a:bodyPr rtlCol="0" anchor="ctr"/>
-            <a:lstStyle/>
-            <a:p>
-              <a:pPr algn="ctr"/>
-              <a:endParaRPr kumimoji="1" lang="ja-JP" altLang="en-US"/>
-            </a:p>
-          </p:txBody>
-        </p:sp>
-      </p:grpSp>
-      <p:sp>
-        <p:nvSpPr>
-          <p:cNvPr id="123" name="正方形/長方形 122">
-            <a:extLst>
-              <a:ext uri="{FF2B5EF4-FFF2-40B4-BE49-F238E27FC236}">
-                <a16:creationId xmlns:a16="http://schemas.microsoft.com/office/drawing/2014/main" id="{10ACD6F4-5C74-4A53-A074-471E17F22670}"/>
-              </a:ext>
-            </a:extLst>
-          </p:cNvPr>
-          <p:cNvSpPr/>
-          <p:nvPr/>
-        </p:nvSpPr>
-        <p:spPr>
-          <a:xfrm>
-            <a:off x="6347038" y="971866"/>
-            <a:ext cx="5372793" cy="5794693"/>
-          </a:xfrm>
-          <a:prstGeom prst="rect">
-            <a:avLst/>
-          </a:prstGeom>
-          <a:noFill/>
-          <a:ln w="3175">
-            <a:solidFill>
-              <a:schemeClr val="tx1"/>
-            </a:solidFill>
-          </a:ln>
-        </p:spPr>
-        <p:style>
-          <a:lnRef idx="2">
-            <a:schemeClr val="accent1">
-              <a:shade val="50000"/>
-            </a:schemeClr>
-          </a:lnRef>
-          <a:fillRef idx="1">
-            <a:schemeClr val="accent1"/>
-          </a:fillRef>
-          <a:effectRef idx="0">
-            <a:schemeClr val="accent1"/>
-          </a:effectRef>
-          <a:fontRef idx="minor">
-            <a:schemeClr val="lt1"/>
-          </a:fontRef>
-        </p:style>
-        <p:txBody>
-          <a:bodyPr rtlCol="0" anchor="ctr"/>
-          <a:lstStyle/>
-          <a:p>
-            <a:pPr algn="ctr"/>
+            <a:r>
+              <a:rPr lang="ja-JP" altLang="en-US" dirty="0"/>
+              <a:t>コンサルティング</a:t>
+            </a:r>
+            <a:r>
+              <a:rPr lang="en-US" altLang="ja-JP" dirty="0"/>
+              <a:t>(</a:t>
+            </a:r>
+            <a:r>
+              <a:rPr lang="ja-JP" altLang="en-US" dirty="0"/>
+              <a:t>外部と提携</a:t>
+            </a:r>
+            <a:r>
+              <a:rPr lang="en-US" altLang="ja-JP" dirty="0"/>
+              <a:t>)</a:t>
+            </a:r>
+            <a:r>
+              <a:rPr kumimoji="1" lang="ja-JP" altLang="en-US" dirty="0"/>
+              <a:t>　紹介手数料</a:t>
+            </a:r>
+            <a:r>
+              <a:rPr kumimoji="1" lang="en-US" altLang="ja-JP" dirty="0"/>
+              <a:t>20%</a:t>
+            </a:r>
             <a:endParaRPr kumimoji="1" lang="ja-JP" altLang="en-US" dirty="0"/>
-          </a:p>
-        </p:txBody>
-      </p:sp>
-      <p:sp>
-        <p:nvSpPr>
-          <p:cNvPr id="124" name="正方形/長方形 123">
-            <a:extLst>
-              <a:ext uri="{FF2B5EF4-FFF2-40B4-BE49-F238E27FC236}">
-                <a16:creationId xmlns:a16="http://schemas.microsoft.com/office/drawing/2014/main" id="{7D1F1DF3-8DD0-4C63-AA38-25CEA1B440F2}"/>
-              </a:ext>
-            </a:extLst>
-          </p:cNvPr>
-          <p:cNvSpPr/>
-          <p:nvPr/>
-        </p:nvSpPr>
-        <p:spPr>
-          <a:xfrm>
-            <a:off x="6410772" y="1055715"/>
-            <a:ext cx="914400" cy="282634"/>
-          </a:xfrm>
-          <a:prstGeom prst="rect">
-            <a:avLst/>
-          </a:prstGeom>
-          <a:solidFill>
-            <a:schemeClr val="tx1"/>
-          </a:solidFill>
-        </p:spPr>
-        <p:style>
-          <a:lnRef idx="2">
-            <a:schemeClr val="accent1">
-              <a:shade val="50000"/>
-            </a:schemeClr>
-          </a:lnRef>
-          <a:fillRef idx="1">
-            <a:schemeClr val="accent1"/>
-          </a:fillRef>
-          <a:effectRef idx="0">
-            <a:schemeClr val="accent1"/>
-          </a:effectRef>
-          <a:fontRef idx="minor">
-            <a:schemeClr val="lt1"/>
-          </a:fontRef>
-        </p:style>
-        <p:txBody>
-          <a:bodyPr rtlCol="0" anchor="ctr"/>
-          <a:lstStyle/>
-          <a:p>
-            <a:pPr algn="ctr"/>
-            <a:r>
-              <a:rPr kumimoji="1" lang="ja-JP" altLang="en-US" sz="1400" dirty="0"/>
-              <a:t>ロゴ</a:t>
-            </a:r>
-          </a:p>
-        </p:txBody>
-      </p:sp>
-      <p:grpSp>
-        <p:nvGrpSpPr>
-          <p:cNvPr id="183" name="グループ化 182">
-            <a:extLst>
-              <a:ext uri="{FF2B5EF4-FFF2-40B4-BE49-F238E27FC236}">
-                <a16:creationId xmlns:a16="http://schemas.microsoft.com/office/drawing/2014/main" id="{B34D51DA-3DE7-4AA8-BC23-FE2554DCD90F}"/>
-              </a:ext>
-            </a:extLst>
-          </p:cNvPr>
-          <p:cNvGrpSpPr/>
-          <p:nvPr/>
-        </p:nvGrpSpPr>
-        <p:grpSpPr>
-          <a:xfrm>
-            <a:off x="2498009" y="2758315"/>
-            <a:ext cx="1975272" cy="293318"/>
-            <a:chOff x="2537344" y="2058919"/>
-            <a:chExt cx="1975272" cy="293318"/>
-          </a:xfrm>
-        </p:grpSpPr>
-        <p:sp>
-          <p:nvSpPr>
-            <p:cNvPr id="184" name="テキスト ボックス 183">
-              <a:extLst>
-                <a:ext uri="{FF2B5EF4-FFF2-40B4-BE49-F238E27FC236}">
-                  <a16:creationId xmlns:a16="http://schemas.microsoft.com/office/drawing/2014/main" id="{B5DE5AB3-EEE9-4292-B90D-C33CEE3F0B5C}"/>
-                </a:ext>
-              </a:extLst>
-            </p:cNvPr>
-            <p:cNvSpPr txBox="1"/>
-            <p:nvPr/>
-          </p:nvSpPr>
-          <p:spPr>
-            <a:xfrm>
-              <a:off x="2537344" y="2092727"/>
-              <a:ext cx="441146" cy="246221"/>
-            </a:xfrm>
-            <a:prstGeom prst="rect">
-              <a:avLst/>
-            </a:prstGeom>
-            <a:noFill/>
-          </p:spPr>
-          <p:txBody>
-            <a:bodyPr wrap="none" rtlCol="0">
-              <a:spAutoFit/>
-            </a:bodyPr>
-            <a:lstStyle/>
-            <a:p>
-              <a:r>
-                <a:rPr kumimoji="1" lang="ja-JP" altLang="en-US" sz="1000" dirty="0"/>
-                <a:t>氏名</a:t>
-              </a:r>
-            </a:p>
-          </p:txBody>
-        </p:sp>
-        <p:sp>
-          <p:nvSpPr>
-            <p:cNvPr id="185" name="正方形/長方形 184">
-              <a:extLst>
-                <a:ext uri="{FF2B5EF4-FFF2-40B4-BE49-F238E27FC236}">
-                  <a16:creationId xmlns:a16="http://schemas.microsoft.com/office/drawing/2014/main" id="{83B16A0C-4A58-4D4D-8CC3-E984B068CD0F}"/>
-                </a:ext>
-              </a:extLst>
-            </p:cNvPr>
-            <p:cNvSpPr/>
-            <p:nvPr/>
-          </p:nvSpPr>
-          <p:spPr>
-            <a:xfrm>
-              <a:off x="2962290" y="2058919"/>
-              <a:ext cx="1550326" cy="293318"/>
-            </a:xfrm>
-            <a:prstGeom prst="rect">
-              <a:avLst/>
-            </a:prstGeom>
-            <a:solidFill>
-              <a:schemeClr val="bg1"/>
-            </a:solidFill>
-          </p:spPr>
-          <p:style>
-            <a:lnRef idx="2">
-              <a:schemeClr val="accent1">
-                <a:shade val="50000"/>
-              </a:schemeClr>
-            </a:lnRef>
-            <a:fillRef idx="1">
-              <a:schemeClr val="accent1"/>
-            </a:fillRef>
-            <a:effectRef idx="0">
-              <a:schemeClr val="accent1"/>
-            </a:effectRef>
-            <a:fontRef idx="minor">
-              <a:schemeClr val="lt1"/>
-            </a:fontRef>
-          </p:style>
-          <p:txBody>
-            <a:bodyPr rtlCol="0" anchor="ctr"/>
-            <a:lstStyle/>
-            <a:p>
-              <a:pPr algn="ctr"/>
-              <a:endParaRPr kumimoji="1" lang="ja-JP" altLang="en-US"/>
-            </a:p>
-          </p:txBody>
-        </p:sp>
-      </p:grpSp>
-      <p:grpSp>
-        <p:nvGrpSpPr>
-          <p:cNvPr id="186" name="グループ化 185">
-            <a:extLst>
-              <a:ext uri="{FF2B5EF4-FFF2-40B4-BE49-F238E27FC236}">
-                <a16:creationId xmlns:a16="http://schemas.microsoft.com/office/drawing/2014/main" id="{C30237FD-A1B5-4819-A837-28D2EF35D159}"/>
-              </a:ext>
-            </a:extLst>
-          </p:cNvPr>
-          <p:cNvGrpSpPr/>
-          <p:nvPr/>
-        </p:nvGrpSpPr>
-        <p:grpSpPr>
-          <a:xfrm>
-            <a:off x="1840607" y="3208326"/>
-            <a:ext cx="2632674" cy="293318"/>
-            <a:chOff x="1879942" y="2058919"/>
-            <a:chExt cx="2632674" cy="293318"/>
-          </a:xfrm>
-        </p:grpSpPr>
-        <p:sp>
-          <p:nvSpPr>
-            <p:cNvPr id="187" name="テキスト ボックス 186">
-              <a:extLst>
-                <a:ext uri="{FF2B5EF4-FFF2-40B4-BE49-F238E27FC236}">
-                  <a16:creationId xmlns:a16="http://schemas.microsoft.com/office/drawing/2014/main" id="{8C6B8A8F-E87E-4A8E-8A60-88B4F5BDB117}"/>
-                </a:ext>
-              </a:extLst>
-            </p:cNvPr>
-            <p:cNvSpPr txBox="1"/>
-            <p:nvPr/>
-          </p:nvSpPr>
-          <p:spPr>
-            <a:xfrm>
-              <a:off x="1879942" y="2106016"/>
-              <a:ext cx="1082348" cy="246221"/>
-            </a:xfrm>
-            <a:prstGeom prst="rect">
-              <a:avLst/>
-            </a:prstGeom>
-            <a:noFill/>
-          </p:spPr>
-          <p:txBody>
-            <a:bodyPr wrap="none" rtlCol="0">
-              <a:spAutoFit/>
-            </a:bodyPr>
-            <a:lstStyle/>
-            <a:p>
-              <a:r>
-                <a:rPr kumimoji="1" lang="ja-JP" altLang="en-US" sz="1000" dirty="0"/>
-                <a:t>メールアドレス</a:t>
-              </a:r>
-            </a:p>
-          </p:txBody>
-        </p:sp>
-        <p:sp>
-          <p:nvSpPr>
-            <p:cNvPr id="188" name="正方形/長方形 187">
-              <a:extLst>
-                <a:ext uri="{FF2B5EF4-FFF2-40B4-BE49-F238E27FC236}">
-                  <a16:creationId xmlns:a16="http://schemas.microsoft.com/office/drawing/2014/main" id="{E0D1A193-BE43-41E2-8007-83508B77C029}"/>
-                </a:ext>
-              </a:extLst>
-            </p:cNvPr>
-            <p:cNvSpPr/>
-            <p:nvPr/>
-          </p:nvSpPr>
-          <p:spPr>
-            <a:xfrm>
-              <a:off x="2962290" y="2058919"/>
-              <a:ext cx="1550326" cy="293318"/>
-            </a:xfrm>
-            <a:prstGeom prst="rect">
-              <a:avLst/>
-            </a:prstGeom>
-            <a:solidFill>
-              <a:schemeClr val="bg1"/>
-            </a:solidFill>
-          </p:spPr>
-          <p:style>
-            <a:lnRef idx="2">
-              <a:schemeClr val="accent1">
-                <a:shade val="50000"/>
-              </a:schemeClr>
-            </a:lnRef>
-            <a:fillRef idx="1">
-              <a:schemeClr val="accent1"/>
-            </a:fillRef>
-            <a:effectRef idx="0">
-              <a:schemeClr val="accent1"/>
-            </a:effectRef>
-            <a:fontRef idx="minor">
-              <a:schemeClr val="lt1"/>
-            </a:fontRef>
-          </p:style>
-          <p:txBody>
-            <a:bodyPr rtlCol="0" anchor="ctr"/>
-            <a:lstStyle/>
-            <a:p>
-              <a:pPr algn="ctr"/>
-              <a:endParaRPr kumimoji="1" lang="ja-JP" altLang="en-US"/>
-            </a:p>
-          </p:txBody>
-        </p:sp>
-      </p:grpSp>
-      <p:grpSp>
-        <p:nvGrpSpPr>
-          <p:cNvPr id="189" name="グループ化 188">
-            <a:extLst>
-              <a:ext uri="{FF2B5EF4-FFF2-40B4-BE49-F238E27FC236}">
-                <a16:creationId xmlns:a16="http://schemas.microsoft.com/office/drawing/2014/main" id="{2370A17B-3B6B-4263-A51B-1447962210FE}"/>
-              </a:ext>
-            </a:extLst>
-          </p:cNvPr>
-          <p:cNvGrpSpPr/>
-          <p:nvPr/>
-        </p:nvGrpSpPr>
-        <p:grpSpPr>
-          <a:xfrm>
-            <a:off x="2113288" y="3683574"/>
-            <a:ext cx="2359993" cy="293318"/>
-            <a:chOff x="2152623" y="2058919"/>
-            <a:chExt cx="2359993" cy="293318"/>
-          </a:xfrm>
-        </p:grpSpPr>
-        <p:sp>
-          <p:nvSpPr>
-            <p:cNvPr id="190" name="テキスト ボックス 189">
-              <a:extLst>
-                <a:ext uri="{FF2B5EF4-FFF2-40B4-BE49-F238E27FC236}">
-                  <a16:creationId xmlns:a16="http://schemas.microsoft.com/office/drawing/2014/main" id="{D5C8A659-1417-420E-915F-9DD2CAD448DF}"/>
-                </a:ext>
-              </a:extLst>
-            </p:cNvPr>
-            <p:cNvSpPr txBox="1"/>
-            <p:nvPr/>
-          </p:nvSpPr>
-          <p:spPr>
-            <a:xfrm>
-              <a:off x="2152623" y="2090710"/>
-              <a:ext cx="825867" cy="246221"/>
-            </a:xfrm>
-            <a:prstGeom prst="rect">
-              <a:avLst/>
-            </a:prstGeom>
-            <a:noFill/>
-          </p:spPr>
-          <p:txBody>
-            <a:bodyPr wrap="none" rtlCol="0">
-              <a:spAutoFit/>
-            </a:bodyPr>
-            <a:lstStyle/>
-            <a:p>
-              <a:r>
-                <a:rPr lang="ja-JP" altLang="en-US" sz="1000" dirty="0"/>
-                <a:t>パスワード</a:t>
-              </a:r>
-              <a:endParaRPr kumimoji="1" lang="ja-JP" altLang="en-US" sz="1000" dirty="0"/>
-            </a:p>
-          </p:txBody>
-        </p:sp>
-        <p:sp>
-          <p:nvSpPr>
-            <p:cNvPr id="191" name="正方形/長方形 190">
-              <a:extLst>
-                <a:ext uri="{FF2B5EF4-FFF2-40B4-BE49-F238E27FC236}">
-                  <a16:creationId xmlns:a16="http://schemas.microsoft.com/office/drawing/2014/main" id="{6F88148C-91D4-4B83-9808-2B23EF5D4091}"/>
-                </a:ext>
-              </a:extLst>
-            </p:cNvPr>
-            <p:cNvSpPr/>
-            <p:nvPr/>
-          </p:nvSpPr>
-          <p:spPr>
-            <a:xfrm>
-              <a:off x="2962290" y="2058919"/>
-              <a:ext cx="1550326" cy="293318"/>
-            </a:xfrm>
-            <a:prstGeom prst="rect">
-              <a:avLst/>
-            </a:prstGeom>
-            <a:solidFill>
-              <a:schemeClr val="bg1"/>
-            </a:solidFill>
-          </p:spPr>
-          <p:style>
-            <a:lnRef idx="2">
-              <a:schemeClr val="accent1">
-                <a:shade val="50000"/>
-              </a:schemeClr>
-            </a:lnRef>
-            <a:fillRef idx="1">
-              <a:schemeClr val="accent1"/>
-            </a:fillRef>
-            <a:effectRef idx="0">
-              <a:schemeClr val="accent1"/>
-            </a:effectRef>
-            <a:fontRef idx="minor">
-              <a:schemeClr val="lt1"/>
-            </a:fontRef>
-          </p:style>
-          <p:txBody>
-            <a:bodyPr rtlCol="0" anchor="ctr"/>
-            <a:lstStyle/>
-            <a:p>
-              <a:pPr algn="ctr"/>
-              <a:endParaRPr kumimoji="1" lang="ja-JP" altLang="en-US"/>
-            </a:p>
-          </p:txBody>
-        </p:sp>
-      </p:grpSp>
-      <p:sp>
-        <p:nvSpPr>
-          <p:cNvPr id="192" name="正方形/長方形 191">
-            <a:extLst>
-              <a:ext uri="{FF2B5EF4-FFF2-40B4-BE49-F238E27FC236}">
-                <a16:creationId xmlns:a16="http://schemas.microsoft.com/office/drawing/2014/main" id="{BB85530C-1C3C-4605-8A05-488866F79B4C}"/>
-              </a:ext>
-            </a:extLst>
-          </p:cNvPr>
-          <p:cNvSpPr/>
-          <p:nvPr/>
-        </p:nvSpPr>
-        <p:spPr>
-          <a:xfrm>
-            <a:off x="7390017" y="1811907"/>
-            <a:ext cx="3219794" cy="4206507"/>
-          </a:xfrm>
-          <a:prstGeom prst="rect">
-            <a:avLst/>
-          </a:prstGeom>
-          <a:solidFill>
-            <a:schemeClr val="bg1"/>
-          </a:solidFill>
-        </p:spPr>
-        <p:style>
-          <a:lnRef idx="2">
-            <a:schemeClr val="accent1">
-              <a:shade val="50000"/>
-            </a:schemeClr>
-          </a:lnRef>
-          <a:fillRef idx="1">
-            <a:schemeClr val="accent1"/>
-          </a:fillRef>
-          <a:effectRef idx="0">
-            <a:schemeClr val="accent1"/>
-          </a:effectRef>
-          <a:fontRef idx="minor">
-            <a:schemeClr val="lt1"/>
-          </a:fontRef>
-        </p:style>
-        <p:txBody>
-          <a:bodyPr rtlCol="0" anchor="ctr"/>
-          <a:lstStyle/>
-          <a:p>
-            <a:pPr algn="ctr"/>
-            <a:endParaRPr kumimoji="1" lang="ja-JP" altLang="en-US"/>
-          </a:p>
-        </p:txBody>
-      </p:sp>
-      <p:sp>
-        <p:nvSpPr>
-          <p:cNvPr id="193" name="正方形/長方形 192">
-            <a:extLst>
-              <a:ext uri="{FF2B5EF4-FFF2-40B4-BE49-F238E27FC236}">
-                <a16:creationId xmlns:a16="http://schemas.microsoft.com/office/drawing/2014/main" id="{D416C597-D878-424A-93C9-62321F3AE20F}"/>
-              </a:ext>
-            </a:extLst>
-          </p:cNvPr>
-          <p:cNvSpPr/>
-          <p:nvPr/>
-        </p:nvSpPr>
-        <p:spPr>
-          <a:xfrm>
-            <a:off x="8452234" y="5087645"/>
-            <a:ext cx="1162399" cy="293318"/>
-          </a:xfrm>
-          <a:prstGeom prst="rect">
-            <a:avLst/>
-          </a:prstGeom>
-          <a:solidFill>
-            <a:schemeClr val="accent1">
-              <a:lumMod val="50000"/>
-            </a:schemeClr>
-          </a:solidFill>
-        </p:spPr>
-        <p:style>
-          <a:lnRef idx="2">
-            <a:schemeClr val="accent1">
-              <a:shade val="50000"/>
-            </a:schemeClr>
-          </a:lnRef>
-          <a:fillRef idx="1">
-            <a:schemeClr val="accent1"/>
-          </a:fillRef>
-          <a:effectRef idx="0">
-            <a:schemeClr val="accent1"/>
-          </a:effectRef>
-          <a:fontRef idx="minor">
-            <a:schemeClr val="lt1"/>
-          </a:fontRef>
-        </p:style>
-        <p:txBody>
-          <a:bodyPr rtlCol="0" anchor="ctr"/>
-          <a:lstStyle/>
-          <a:p>
-            <a:pPr algn="ctr"/>
-            <a:r>
-              <a:rPr lang="ja-JP" altLang="en-US" sz="1000" b="1" dirty="0">
-                <a:solidFill>
-                  <a:schemeClr val="bg1"/>
-                </a:solidFill>
-              </a:rPr>
-              <a:t>登録</a:t>
-            </a:r>
-            <a:endParaRPr kumimoji="1" lang="ja-JP" altLang="en-US" sz="1000" b="1" dirty="0">
-              <a:solidFill>
-                <a:schemeClr val="bg1"/>
-              </a:solidFill>
-            </a:endParaRPr>
-          </a:p>
-        </p:txBody>
-      </p:sp>
-      <p:grpSp>
-        <p:nvGrpSpPr>
-          <p:cNvPr id="194" name="グループ化 193">
-            <a:extLst>
-              <a:ext uri="{FF2B5EF4-FFF2-40B4-BE49-F238E27FC236}">
-                <a16:creationId xmlns:a16="http://schemas.microsoft.com/office/drawing/2014/main" id="{82BB3360-5ACF-48EC-9B66-F05FA0621FD9}"/>
-              </a:ext>
-            </a:extLst>
-          </p:cNvPr>
-          <p:cNvGrpSpPr/>
-          <p:nvPr/>
-        </p:nvGrpSpPr>
-        <p:grpSpPr>
-          <a:xfrm>
-            <a:off x="7914004" y="2308304"/>
-            <a:ext cx="2247953" cy="293318"/>
-            <a:chOff x="2264663" y="2058919"/>
-            <a:chExt cx="2247953" cy="293318"/>
-          </a:xfrm>
-        </p:grpSpPr>
-        <p:sp>
-          <p:nvSpPr>
-            <p:cNvPr id="195" name="テキスト ボックス 194">
-              <a:extLst>
-                <a:ext uri="{FF2B5EF4-FFF2-40B4-BE49-F238E27FC236}">
-                  <a16:creationId xmlns:a16="http://schemas.microsoft.com/office/drawing/2014/main" id="{E9A988F1-5090-43F8-8908-EC35EA18C25D}"/>
-                </a:ext>
-              </a:extLst>
-            </p:cNvPr>
-            <p:cNvSpPr txBox="1"/>
-            <p:nvPr/>
-          </p:nvSpPr>
-          <p:spPr>
-            <a:xfrm>
-              <a:off x="2264663" y="2073446"/>
-              <a:ext cx="697627" cy="246221"/>
-            </a:xfrm>
-            <a:prstGeom prst="rect">
-              <a:avLst/>
-            </a:prstGeom>
-            <a:noFill/>
-          </p:spPr>
-          <p:txBody>
-            <a:bodyPr wrap="none" rtlCol="0">
-              <a:spAutoFit/>
-            </a:bodyPr>
-            <a:lstStyle/>
-            <a:p>
-              <a:r>
-                <a:rPr kumimoji="1" lang="ja-JP" altLang="en-US" sz="1000" dirty="0"/>
-                <a:t>事業内容</a:t>
-              </a:r>
-            </a:p>
-          </p:txBody>
-        </p:sp>
-        <p:sp>
-          <p:nvSpPr>
-            <p:cNvPr id="196" name="正方形/長方形 195">
-              <a:extLst>
-                <a:ext uri="{FF2B5EF4-FFF2-40B4-BE49-F238E27FC236}">
-                  <a16:creationId xmlns:a16="http://schemas.microsoft.com/office/drawing/2014/main" id="{F50C6231-EEFD-4A7F-B5BB-9628513A3557}"/>
-                </a:ext>
-              </a:extLst>
-            </p:cNvPr>
-            <p:cNvSpPr/>
-            <p:nvPr/>
-          </p:nvSpPr>
-          <p:spPr>
-            <a:xfrm>
-              <a:off x="2962290" y="2058919"/>
-              <a:ext cx="1550326" cy="293318"/>
-            </a:xfrm>
-            <a:prstGeom prst="rect">
-              <a:avLst/>
-            </a:prstGeom>
-            <a:solidFill>
-              <a:schemeClr val="bg1"/>
-            </a:solidFill>
-          </p:spPr>
-          <p:style>
-            <a:lnRef idx="2">
-              <a:schemeClr val="accent1">
-                <a:shade val="50000"/>
-              </a:schemeClr>
-            </a:lnRef>
-            <a:fillRef idx="1">
-              <a:schemeClr val="accent1"/>
-            </a:fillRef>
-            <a:effectRef idx="0">
-              <a:schemeClr val="accent1"/>
-            </a:effectRef>
-            <a:fontRef idx="minor">
-              <a:schemeClr val="lt1"/>
-            </a:fontRef>
-          </p:style>
-          <p:txBody>
-            <a:bodyPr rtlCol="0" anchor="ctr"/>
-            <a:lstStyle/>
-            <a:p>
-              <a:pPr algn="ctr"/>
-              <a:endParaRPr kumimoji="1" lang="ja-JP" altLang="en-US"/>
-            </a:p>
-          </p:txBody>
-        </p:sp>
-      </p:grpSp>
-      <p:grpSp>
-        <p:nvGrpSpPr>
-          <p:cNvPr id="197" name="グループ化 196">
-            <a:extLst>
-              <a:ext uri="{FF2B5EF4-FFF2-40B4-BE49-F238E27FC236}">
-                <a16:creationId xmlns:a16="http://schemas.microsoft.com/office/drawing/2014/main" id="{D0F1EDE8-7D77-4F93-A212-F8505364DA60}"/>
-              </a:ext>
-            </a:extLst>
-          </p:cNvPr>
-          <p:cNvGrpSpPr/>
-          <p:nvPr/>
-        </p:nvGrpSpPr>
-        <p:grpSpPr>
-          <a:xfrm>
-            <a:off x="8042244" y="2758315"/>
-            <a:ext cx="2119713" cy="293318"/>
-            <a:chOff x="2392903" y="2058919"/>
-            <a:chExt cx="2119713" cy="293318"/>
-          </a:xfrm>
-        </p:grpSpPr>
-        <p:sp>
-          <p:nvSpPr>
-            <p:cNvPr id="198" name="テキスト ボックス 197">
-              <a:extLst>
-                <a:ext uri="{FF2B5EF4-FFF2-40B4-BE49-F238E27FC236}">
-                  <a16:creationId xmlns:a16="http://schemas.microsoft.com/office/drawing/2014/main" id="{ADC00EA4-AC3C-4B73-ACD9-FF4859CA99C1}"/>
-                </a:ext>
-              </a:extLst>
-            </p:cNvPr>
-            <p:cNvSpPr txBox="1"/>
-            <p:nvPr/>
-          </p:nvSpPr>
-          <p:spPr>
-            <a:xfrm>
-              <a:off x="2392903" y="2102775"/>
-              <a:ext cx="569387" cy="246221"/>
-            </a:xfrm>
-            <a:prstGeom prst="rect">
-              <a:avLst/>
-            </a:prstGeom>
-            <a:noFill/>
-          </p:spPr>
-          <p:txBody>
-            <a:bodyPr wrap="none" rtlCol="0">
-              <a:spAutoFit/>
-            </a:bodyPr>
-            <a:lstStyle/>
-            <a:p>
-              <a:r>
-                <a:rPr kumimoji="1" lang="ja-JP" altLang="en-US" sz="1000" dirty="0"/>
-                <a:t>資本金</a:t>
-              </a:r>
-            </a:p>
-          </p:txBody>
-        </p:sp>
-        <p:sp>
-          <p:nvSpPr>
-            <p:cNvPr id="199" name="正方形/長方形 198">
-              <a:extLst>
-                <a:ext uri="{FF2B5EF4-FFF2-40B4-BE49-F238E27FC236}">
-                  <a16:creationId xmlns:a16="http://schemas.microsoft.com/office/drawing/2014/main" id="{1B2822CD-D981-4259-B740-17EECDA2DF4A}"/>
-                </a:ext>
-              </a:extLst>
-            </p:cNvPr>
-            <p:cNvSpPr/>
-            <p:nvPr/>
-          </p:nvSpPr>
-          <p:spPr>
-            <a:xfrm>
-              <a:off x="2962290" y="2058919"/>
-              <a:ext cx="1550326" cy="293318"/>
-            </a:xfrm>
-            <a:prstGeom prst="rect">
-              <a:avLst/>
-            </a:prstGeom>
-            <a:solidFill>
-              <a:schemeClr val="bg1"/>
-            </a:solidFill>
-          </p:spPr>
-          <p:style>
-            <a:lnRef idx="2">
-              <a:schemeClr val="accent1">
-                <a:shade val="50000"/>
-              </a:schemeClr>
-            </a:lnRef>
-            <a:fillRef idx="1">
-              <a:schemeClr val="accent1"/>
-            </a:fillRef>
-            <a:effectRef idx="0">
-              <a:schemeClr val="accent1"/>
-            </a:effectRef>
-            <a:fontRef idx="minor">
-              <a:schemeClr val="lt1"/>
-            </a:fontRef>
-          </p:style>
-          <p:txBody>
-            <a:bodyPr rtlCol="0" anchor="ctr"/>
-            <a:lstStyle/>
-            <a:p>
-              <a:pPr algn="ctr"/>
-              <a:endParaRPr kumimoji="1" lang="ja-JP" altLang="en-US"/>
-            </a:p>
-          </p:txBody>
-        </p:sp>
-      </p:grpSp>
-      <p:grpSp>
-        <p:nvGrpSpPr>
-          <p:cNvPr id="200" name="グループ化 199">
-            <a:extLst>
-              <a:ext uri="{FF2B5EF4-FFF2-40B4-BE49-F238E27FC236}">
-                <a16:creationId xmlns:a16="http://schemas.microsoft.com/office/drawing/2014/main" id="{1BE8CF37-7D66-4C9D-840B-E409AB153CFB}"/>
-              </a:ext>
-            </a:extLst>
-          </p:cNvPr>
-          <p:cNvGrpSpPr/>
-          <p:nvPr/>
-        </p:nvGrpSpPr>
-        <p:grpSpPr>
-          <a:xfrm>
-            <a:off x="7930204" y="3208326"/>
-            <a:ext cx="2231753" cy="293318"/>
-            <a:chOff x="2280863" y="2058919"/>
-            <a:chExt cx="2231753" cy="293318"/>
-          </a:xfrm>
-        </p:grpSpPr>
-        <p:sp>
-          <p:nvSpPr>
-            <p:cNvPr id="201" name="テキスト ボックス 200">
-              <a:extLst>
-                <a:ext uri="{FF2B5EF4-FFF2-40B4-BE49-F238E27FC236}">
-                  <a16:creationId xmlns:a16="http://schemas.microsoft.com/office/drawing/2014/main" id="{2F57DCCC-9282-40B5-9783-9BEE11268569}"/>
-                </a:ext>
-              </a:extLst>
-            </p:cNvPr>
-            <p:cNvSpPr txBox="1"/>
-            <p:nvPr/>
-          </p:nvSpPr>
-          <p:spPr>
-            <a:xfrm>
-              <a:off x="2280863" y="2080746"/>
-              <a:ext cx="697627" cy="246221"/>
-            </a:xfrm>
-            <a:prstGeom prst="rect">
-              <a:avLst/>
-            </a:prstGeom>
-            <a:noFill/>
-          </p:spPr>
-          <p:txBody>
-            <a:bodyPr wrap="none" rtlCol="0">
-              <a:spAutoFit/>
-            </a:bodyPr>
-            <a:lstStyle/>
-            <a:p>
-              <a:r>
-                <a:rPr kumimoji="1" lang="ja-JP" altLang="en-US" sz="1000" dirty="0"/>
-                <a:t>売り上げ</a:t>
-              </a:r>
-            </a:p>
-          </p:txBody>
-        </p:sp>
-        <p:sp>
-          <p:nvSpPr>
-            <p:cNvPr id="202" name="正方形/長方形 201">
-              <a:extLst>
-                <a:ext uri="{FF2B5EF4-FFF2-40B4-BE49-F238E27FC236}">
-                  <a16:creationId xmlns:a16="http://schemas.microsoft.com/office/drawing/2014/main" id="{5BA0D4D9-2CCC-44CC-9DE8-CCD2080FEF19}"/>
-                </a:ext>
-              </a:extLst>
-            </p:cNvPr>
-            <p:cNvSpPr/>
-            <p:nvPr/>
-          </p:nvSpPr>
-          <p:spPr>
-            <a:xfrm>
-              <a:off x="2962290" y="2058919"/>
-              <a:ext cx="1550326" cy="293318"/>
-            </a:xfrm>
-            <a:prstGeom prst="rect">
-              <a:avLst/>
-            </a:prstGeom>
-            <a:solidFill>
-              <a:schemeClr val="bg1"/>
-            </a:solidFill>
-          </p:spPr>
-          <p:style>
-            <a:lnRef idx="2">
-              <a:schemeClr val="accent1">
-                <a:shade val="50000"/>
-              </a:schemeClr>
-            </a:lnRef>
-            <a:fillRef idx="1">
-              <a:schemeClr val="accent1"/>
-            </a:fillRef>
-            <a:effectRef idx="0">
-              <a:schemeClr val="accent1"/>
-            </a:effectRef>
-            <a:fontRef idx="minor">
-              <a:schemeClr val="lt1"/>
-            </a:fontRef>
-          </p:style>
-          <p:txBody>
-            <a:bodyPr rtlCol="0" anchor="ctr"/>
-            <a:lstStyle/>
-            <a:p>
-              <a:pPr algn="ctr"/>
-              <a:endParaRPr kumimoji="1" lang="ja-JP" altLang="en-US"/>
-            </a:p>
-          </p:txBody>
-        </p:sp>
-      </p:grpSp>
-      <p:grpSp>
-        <p:nvGrpSpPr>
-          <p:cNvPr id="203" name="グループ化 202">
-            <a:extLst>
-              <a:ext uri="{FF2B5EF4-FFF2-40B4-BE49-F238E27FC236}">
-                <a16:creationId xmlns:a16="http://schemas.microsoft.com/office/drawing/2014/main" id="{2E3AA80A-9FDA-4CA8-BC6D-0F05EBADD089}"/>
-              </a:ext>
-            </a:extLst>
-          </p:cNvPr>
-          <p:cNvGrpSpPr/>
-          <p:nvPr/>
-        </p:nvGrpSpPr>
-        <p:grpSpPr>
-          <a:xfrm>
-            <a:off x="8039001" y="3683574"/>
-            <a:ext cx="2122956" cy="293318"/>
-            <a:chOff x="2389660" y="2058919"/>
-            <a:chExt cx="2122956" cy="293318"/>
-          </a:xfrm>
-        </p:grpSpPr>
-        <p:sp>
-          <p:nvSpPr>
-            <p:cNvPr id="204" name="テキスト ボックス 203">
-              <a:extLst>
-                <a:ext uri="{FF2B5EF4-FFF2-40B4-BE49-F238E27FC236}">
-                  <a16:creationId xmlns:a16="http://schemas.microsoft.com/office/drawing/2014/main" id="{789FB84F-B573-4516-AE94-44ED3E9D0777}"/>
-                </a:ext>
-              </a:extLst>
-            </p:cNvPr>
-            <p:cNvSpPr txBox="1"/>
-            <p:nvPr/>
-          </p:nvSpPr>
-          <p:spPr>
-            <a:xfrm>
-              <a:off x="2389660" y="2090710"/>
-              <a:ext cx="569387" cy="246221"/>
-            </a:xfrm>
-            <a:prstGeom prst="rect">
-              <a:avLst/>
-            </a:prstGeom>
-            <a:noFill/>
-          </p:spPr>
-          <p:txBody>
-            <a:bodyPr wrap="none" rtlCol="0">
-              <a:spAutoFit/>
-            </a:bodyPr>
-            <a:lstStyle/>
-            <a:p>
-              <a:r>
-                <a:rPr lang="ja-JP" altLang="en-US" sz="1000" dirty="0"/>
-                <a:t>社員数</a:t>
-              </a:r>
-              <a:endParaRPr kumimoji="1" lang="ja-JP" altLang="en-US" sz="1000" dirty="0"/>
-            </a:p>
-          </p:txBody>
-        </p:sp>
-        <p:sp>
-          <p:nvSpPr>
-            <p:cNvPr id="205" name="正方形/長方形 204">
-              <a:extLst>
-                <a:ext uri="{FF2B5EF4-FFF2-40B4-BE49-F238E27FC236}">
-                  <a16:creationId xmlns:a16="http://schemas.microsoft.com/office/drawing/2014/main" id="{D52C3DB8-C202-4FFD-8F66-7B77A5718D45}"/>
-                </a:ext>
-              </a:extLst>
-            </p:cNvPr>
-            <p:cNvSpPr/>
-            <p:nvPr/>
-          </p:nvSpPr>
-          <p:spPr>
-            <a:xfrm>
-              <a:off x="2962290" y="2058919"/>
-              <a:ext cx="1550326" cy="293318"/>
-            </a:xfrm>
-            <a:prstGeom prst="rect">
-              <a:avLst/>
-            </a:prstGeom>
-            <a:solidFill>
-              <a:schemeClr val="bg1"/>
-            </a:solidFill>
-          </p:spPr>
-          <p:style>
-            <a:lnRef idx="2">
-              <a:schemeClr val="accent1">
-                <a:shade val="50000"/>
-              </a:schemeClr>
-            </a:lnRef>
-            <a:fillRef idx="1">
-              <a:schemeClr val="accent1"/>
-            </a:fillRef>
-            <a:effectRef idx="0">
-              <a:schemeClr val="accent1"/>
-            </a:effectRef>
-            <a:fontRef idx="minor">
-              <a:schemeClr val="lt1"/>
-            </a:fontRef>
-          </p:style>
-          <p:txBody>
-            <a:bodyPr rtlCol="0" anchor="ctr"/>
-            <a:lstStyle/>
-            <a:p>
-              <a:pPr algn="ctr"/>
-              <a:endParaRPr kumimoji="1" lang="ja-JP" altLang="en-US"/>
-            </a:p>
-          </p:txBody>
-        </p:sp>
-      </p:grpSp>
-      <p:grpSp>
-        <p:nvGrpSpPr>
-          <p:cNvPr id="206" name="グループ化 205">
-            <a:extLst>
-              <a:ext uri="{FF2B5EF4-FFF2-40B4-BE49-F238E27FC236}">
-                <a16:creationId xmlns:a16="http://schemas.microsoft.com/office/drawing/2014/main" id="{973A7678-6407-4330-A7A7-18EB1587B180}"/>
-              </a:ext>
-            </a:extLst>
-          </p:cNvPr>
-          <p:cNvGrpSpPr/>
-          <p:nvPr/>
-        </p:nvGrpSpPr>
-        <p:grpSpPr>
-          <a:xfrm>
-            <a:off x="8163777" y="4134842"/>
-            <a:ext cx="1998180" cy="293318"/>
-            <a:chOff x="2514436" y="2058919"/>
-            <a:chExt cx="1998180" cy="293318"/>
-          </a:xfrm>
-        </p:grpSpPr>
-        <p:sp>
-          <p:nvSpPr>
-            <p:cNvPr id="207" name="テキスト ボックス 206">
-              <a:extLst>
-                <a:ext uri="{FF2B5EF4-FFF2-40B4-BE49-F238E27FC236}">
-                  <a16:creationId xmlns:a16="http://schemas.microsoft.com/office/drawing/2014/main" id="{FEF02052-AAE7-402E-A7CE-A0B13BDBB5D9}"/>
-                </a:ext>
-              </a:extLst>
-            </p:cNvPr>
-            <p:cNvSpPr txBox="1"/>
-            <p:nvPr/>
-          </p:nvSpPr>
-          <p:spPr>
-            <a:xfrm>
-              <a:off x="2514436" y="2074170"/>
-              <a:ext cx="441146" cy="246221"/>
-            </a:xfrm>
-            <a:prstGeom prst="rect">
-              <a:avLst/>
-            </a:prstGeom>
-            <a:noFill/>
-          </p:spPr>
-          <p:txBody>
-            <a:bodyPr wrap="none" rtlCol="0">
-              <a:spAutoFit/>
-            </a:bodyPr>
-            <a:lstStyle/>
-            <a:p>
-              <a:r>
-                <a:rPr lang="ja-JP" altLang="en-US" sz="1000" dirty="0"/>
-                <a:t>強み</a:t>
-              </a:r>
-              <a:endParaRPr kumimoji="1" lang="ja-JP" altLang="en-US" sz="1000" dirty="0"/>
-            </a:p>
-          </p:txBody>
-        </p:sp>
-        <p:sp>
-          <p:nvSpPr>
-            <p:cNvPr id="208" name="正方形/長方形 207">
-              <a:extLst>
-                <a:ext uri="{FF2B5EF4-FFF2-40B4-BE49-F238E27FC236}">
-                  <a16:creationId xmlns:a16="http://schemas.microsoft.com/office/drawing/2014/main" id="{865A821A-1439-41AB-AC97-CC1FD6201C0F}"/>
-                </a:ext>
-              </a:extLst>
-            </p:cNvPr>
-            <p:cNvSpPr/>
-            <p:nvPr/>
-          </p:nvSpPr>
-          <p:spPr>
-            <a:xfrm>
-              <a:off x="2962290" y="2058919"/>
-              <a:ext cx="1550326" cy="293318"/>
-            </a:xfrm>
-            <a:prstGeom prst="rect">
-              <a:avLst/>
-            </a:prstGeom>
-            <a:solidFill>
-              <a:schemeClr val="bg1"/>
-            </a:solidFill>
-          </p:spPr>
-          <p:style>
-            <a:lnRef idx="2">
-              <a:schemeClr val="accent1">
-                <a:shade val="50000"/>
-              </a:schemeClr>
-            </a:lnRef>
-            <a:fillRef idx="1">
-              <a:schemeClr val="accent1"/>
-            </a:fillRef>
-            <a:effectRef idx="0">
-              <a:schemeClr val="accent1"/>
-            </a:effectRef>
-            <a:fontRef idx="minor">
-              <a:schemeClr val="lt1"/>
-            </a:fontRef>
-          </p:style>
-          <p:txBody>
-            <a:bodyPr rtlCol="0" anchor="ctr"/>
-            <a:lstStyle/>
-            <a:p>
-              <a:pPr algn="ctr"/>
-              <a:endParaRPr kumimoji="1" lang="ja-JP" altLang="en-US"/>
-            </a:p>
-          </p:txBody>
-        </p:sp>
-      </p:grpSp>
-      <p:grpSp>
-        <p:nvGrpSpPr>
-          <p:cNvPr id="209" name="グループ化 208">
-            <a:extLst>
-              <a:ext uri="{FF2B5EF4-FFF2-40B4-BE49-F238E27FC236}">
-                <a16:creationId xmlns:a16="http://schemas.microsoft.com/office/drawing/2014/main" id="{BA600392-0F79-4487-BA10-54A052864153}"/>
-              </a:ext>
-            </a:extLst>
-          </p:cNvPr>
-          <p:cNvGrpSpPr/>
-          <p:nvPr/>
-        </p:nvGrpSpPr>
-        <p:grpSpPr>
-          <a:xfrm>
-            <a:off x="8149806" y="4610090"/>
-            <a:ext cx="2012151" cy="293318"/>
-            <a:chOff x="2500465" y="2058919"/>
-            <a:chExt cx="2012151" cy="293318"/>
-          </a:xfrm>
-        </p:grpSpPr>
-        <p:sp>
-          <p:nvSpPr>
-            <p:cNvPr id="210" name="テキスト ボックス 209">
-              <a:extLst>
-                <a:ext uri="{FF2B5EF4-FFF2-40B4-BE49-F238E27FC236}">
-                  <a16:creationId xmlns:a16="http://schemas.microsoft.com/office/drawing/2014/main" id="{E4325BEB-0945-4957-B38A-4347410728BA}"/>
-                </a:ext>
-              </a:extLst>
-            </p:cNvPr>
-            <p:cNvSpPr txBox="1"/>
-            <p:nvPr/>
-          </p:nvSpPr>
-          <p:spPr>
-            <a:xfrm>
-              <a:off x="2500465" y="2082467"/>
-              <a:ext cx="441146" cy="246221"/>
-            </a:xfrm>
-            <a:prstGeom prst="rect">
-              <a:avLst/>
-            </a:prstGeom>
-            <a:noFill/>
-          </p:spPr>
-          <p:txBody>
-            <a:bodyPr wrap="none" rtlCol="0">
-              <a:spAutoFit/>
-            </a:bodyPr>
-            <a:lstStyle/>
-            <a:p>
-              <a:r>
-                <a:rPr kumimoji="1" lang="ja-JP" altLang="en-US" sz="1000" dirty="0"/>
-                <a:t>弱み</a:t>
-              </a:r>
-            </a:p>
-          </p:txBody>
-        </p:sp>
-        <p:sp>
-          <p:nvSpPr>
-            <p:cNvPr id="211" name="正方形/長方形 210">
-              <a:extLst>
-                <a:ext uri="{FF2B5EF4-FFF2-40B4-BE49-F238E27FC236}">
-                  <a16:creationId xmlns:a16="http://schemas.microsoft.com/office/drawing/2014/main" id="{3EE4AF87-5E9C-46B5-BA68-7CB848D8E7FA}"/>
-                </a:ext>
-              </a:extLst>
-            </p:cNvPr>
-            <p:cNvSpPr/>
-            <p:nvPr/>
-          </p:nvSpPr>
-          <p:spPr>
-            <a:xfrm>
-              <a:off x="2962290" y="2058919"/>
-              <a:ext cx="1550326" cy="293318"/>
-            </a:xfrm>
-            <a:prstGeom prst="rect">
-              <a:avLst/>
-            </a:prstGeom>
-            <a:solidFill>
-              <a:schemeClr val="bg1"/>
-            </a:solidFill>
-          </p:spPr>
-          <p:style>
-            <a:lnRef idx="2">
-              <a:schemeClr val="accent1">
-                <a:shade val="50000"/>
-              </a:schemeClr>
-            </a:lnRef>
-            <a:fillRef idx="1">
-              <a:schemeClr val="accent1"/>
-            </a:fillRef>
-            <a:effectRef idx="0">
-              <a:schemeClr val="accent1"/>
-            </a:effectRef>
-            <a:fontRef idx="minor">
-              <a:schemeClr val="lt1"/>
-            </a:fontRef>
-          </p:style>
-          <p:txBody>
-            <a:bodyPr rtlCol="0" anchor="ctr"/>
-            <a:lstStyle/>
-            <a:p>
-              <a:pPr algn="ctr"/>
-              <a:endParaRPr kumimoji="1" lang="ja-JP" altLang="en-US"/>
-            </a:p>
-          </p:txBody>
-        </p:sp>
-      </p:grpSp>
-      <p:sp>
-        <p:nvSpPr>
-          <p:cNvPr id="213" name="正方形/長方形 212">
-            <a:extLst>
-              <a:ext uri="{FF2B5EF4-FFF2-40B4-BE49-F238E27FC236}">
-                <a16:creationId xmlns:a16="http://schemas.microsoft.com/office/drawing/2014/main" id="{2CCAD889-E21E-4D33-A4FB-9CF3161EC5ED}"/>
-              </a:ext>
-            </a:extLst>
-          </p:cNvPr>
-          <p:cNvSpPr/>
-          <p:nvPr/>
-        </p:nvSpPr>
-        <p:spPr>
-          <a:xfrm>
-            <a:off x="8452233" y="5507067"/>
-            <a:ext cx="1162399" cy="293318"/>
-          </a:xfrm>
-          <a:prstGeom prst="rect">
-            <a:avLst/>
-          </a:prstGeom>
-          <a:solidFill>
-            <a:schemeClr val="bg2">
-              <a:lumMod val="90000"/>
-            </a:schemeClr>
-          </a:solidFill>
-          <a:ln>
-            <a:solidFill>
-              <a:schemeClr val="bg2">
-                <a:lumMod val="90000"/>
-              </a:schemeClr>
-            </a:solidFill>
-          </a:ln>
-        </p:spPr>
-        <p:style>
-          <a:lnRef idx="2">
-            <a:schemeClr val="accent1">
-              <a:shade val="50000"/>
-            </a:schemeClr>
-          </a:lnRef>
-          <a:fillRef idx="1">
-            <a:schemeClr val="accent1"/>
-          </a:fillRef>
-          <a:effectRef idx="0">
-            <a:schemeClr val="accent1"/>
-          </a:effectRef>
-          <a:fontRef idx="minor">
-            <a:schemeClr val="lt1"/>
-          </a:fontRef>
-        </p:style>
-        <p:txBody>
-          <a:bodyPr rtlCol="0" anchor="ctr"/>
-          <a:lstStyle/>
-          <a:p>
-            <a:pPr algn="ctr"/>
-            <a:r>
-              <a:rPr lang="ja-JP" altLang="en-US" sz="1000" b="1" dirty="0">
-                <a:solidFill>
-                  <a:schemeClr val="bg1"/>
-                </a:solidFill>
-              </a:rPr>
-              <a:t>あとで登録</a:t>
-            </a:r>
-            <a:endParaRPr kumimoji="1" lang="ja-JP" altLang="en-US" sz="1000" b="1" dirty="0">
-              <a:solidFill>
-                <a:schemeClr val="bg1"/>
-              </a:solidFill>
-            </a:endParaRPr>
           </a:p>
         </p:txBody>
       </p:sp>
     </p:spTree>
     <p:extLst>
       <p:ext uri="{BB962C8B-B14F-4D97-AF65-F5344CB8AC3E}">
-        <p14:creationId xmlns:p14="http://schemas.microsoft.com/office/powerpoint/2010/main" val="1350934610"/>
-      </p:ext>
-    </p:extLst>
-  </p:cSld>
-  <p:clrMapOvr>
-    <a:masterClrMapping/>
-  </p:clrMapOvr>
-</p:sld>
-</file>
-
-<file path=ppt/slides/slide8.xml><?xml version="1.0" encoding="utf-8"?>
-<p:sld xmlns:a="http://schemas.openxmlformats.org/drawingml/2006/main" xmlns:r="http://schemas.openxmlformats.org/officeDocument/2006/relationships" xmlns:p="http://schemas.openxmlformats.org/presentationml/2006/main">
-  <p:cSld>
-    <p:spTree>
-      <p:nvGrpSpPr>
-        <p:cNvPr id="1" name=""/>
-        <p:cNvGrpSpPr/>
-        <p:nvPr/>
-      </p:nvGrpSpPr>
-      <p:grpSpPr>
-        <a:xfrm>
-          <a:off x="0" y="0"/>
-          <a:ext cx="0" cy="0"/>
-          <a:chOff x="0" y="0"/>
-          <a:chExt cx="0" cy="0"/>
-        </a:xfrm>
-      </p:grpSpPr>
-      <p:sp>
-        <p:nvSpPr>
-          <p:cNvPr id="2" name="タイトル 1">
-            <a:extLst>
-              <a:ext uri="{FF2B5EF4-FFF2-40B4-BE49-F238E27FC236}">
-                <a16:creationId xmlns:a16="http://schemas.microsoft.com/office/drawing/2014/main" id="{D1FDFCA5-0E05-42A6-9669-97150A68CD32}"/>
-              </a:ext>
-            </a:extLst>
-          </p:cNvPr>
-          <p:cNvSpPr>
-            <a:spLocks noGrp="1"/>
-          </p:cNvSpPr>
-          <p:nvPr>
-            <p:ph type="title"/>
-          </p:nvPr>
-        </p:nvSpPr>
-        <p:spPr>
-          <a:xfrm>
-            <a:off x="630381" y="223809"/>
-            <a:ext cx="10515600" cy="748058"/>
-          </a:xfrm>
-        </p:spPr>
-        <p:txBody>
-          <a:bodyPr>
-            <a:normAutofit/>
-          </a:bodyPr>
-          <a:lstStyle/>
-          <a:p>
-            <a:r>
-              <a:rPr lang="ja-JP" altLang="en-US" sz="3200" b="1" dirty="0"/>
-              <a:t>モック</a:t>
-            </a:r>
-            <a:endParaRPr kumimoji="1" lang="ja-JP" altLang="en-US" sz="3200" b="1" dirty="0"/>
-          </a:p>
-        </p:txBody>
-      </p:sp>
-      <p:sp>
-        <p:nvSpPr>
-          <p:cNvPr id="3" name="正方形/長方形 2">
-            <a:extLst>
-              <a:ext uri="{FF2B5EF4-FFF2-40B4-BE49-F238E27FC236}">
-                <a16:creationId xmlns:a16="http://schemas.microsoft.com/office/drawing/2014/main" id="{F1679E86-3B9D-47A0-8B77-74D610B63900}"/>
-              </a:ext>
-            </a:extLst>
-          </p:cNvPr>
-          <p:cNvSpPr/>
-          <p:nvPr/>
-        </p:nvSpPr>
-        <p:spPr>
-          <a:xfrm>
-            <a:off x="723207" y="971866"/>
-            <a:ext cx="5372793" cy="5794693"/>
-          </a:xfrm>
-          <a:prstGeom prst="rect">
-            <a:avLst/>
-          </a:prstGeom>
-          <a:noFill/>
-          <a:ln w="3175">
-            <a:solidFill>
-              <a:schemeClr val="tx1"/>
-            </a:solidFill>
-          </a:ln>
-        </p:spPr>
-        <p:style>
-          <a:lnRef idx="2">
-            <a:schemeClr val="accent1">
-              <a:shade val="50000"/>
-            </a:schemeClr>
-          </a:lnRef>
-          <a:fillRef idx="1">
-            <a:schemeClr val="accent1"/>
-          </a:fillRef>
-          <a:effectRef idx="0">
-            <a:schemeClr val="accent1"/>
-          </a:effectRef>
-          <a:fontRef idx="minor">
-            <a:schemeClr val="lt1"/>
-          </a:fontRef>
-        </p:style>
-        <p:txBody>
-          <a:bodyPr rtlCol="0" anchor="ctr"/>
-          <a:lstStyle/>
-          <a:p>
-            <a:pPr algn="ctr"/>
-            <a:endParaRPr kumimoji="1" lang="ja-JP" altLang="en-US" dirty="0"/>
-          </a:p>
-        </p:txBody>
-      </p:sp>
-      <p:sp>
-        <p:nvSpPr>
-          <p:cNvPr id="4" name="正方形/長方形 3">
-            <a:extLst>
-              <a:ext uri="{FF2B5EF4-FFF2-40B4-BE49-F238E27FC236}">
-                <a16:creationId xmlns:a16="http://schemas.microsoft.com/office/drawing/2014/main" id="{C5C4DF17-89CD-47A3-A019-5488313167F6}"/>
-              </a:ext>
-            </a:extLst>
-          </p:cNvPr>
-          <p:cNvSpPr/>
-          <p:nvPr/>
-        </p:nvSpPr>
-        <p:spPr>
-          <a:xfrm>
-            <a:off x="786941" y="1055715"/>
-            <a:ext cx="914400" cy="282634"/>
-          </a:xfrm>
-          <a:prstGeom prst="rect">
-            <a:avLst/>
-          </a:prstGeom>
-          <a:solidFill>
-            <a:schemeClr val="tx1"/>
-          </a:solidFill>
-        </p:spPr>
-        <p:style>
-          <a:lnRef idx="2">
-            <a:schemeClr val="accent1">
-              <a:shade val="50000"/>
-            </a:schemeClr>
-          </a:lnRef>
-          <a:fillRef idx="1">
-            <a:schemeClr val="accent1"/>
-          </a:fillRef>
-          <a:effectRef idx="0">
-            <a:schemeClr val="accent1"/>
-          </a:effectRef>
-          <a:fontRef idx="minor">
-            <a:schemeClr val="lt1"/>
-          </a:fontRef>
-        </p:style>
-        <p:txBody>
-          <a:bodyPr rtlCol="0" anchor="ctr"/>
-          <a:lstStyle/>
-          <a:p>
-            <a:pPr algn="ctr"/>
-            <a:r>
-              <a:rPr kumimoji="1" lang="ja-JP" altLang="en-US" sz="1400" dirty="0"/>
-              <a:t>ロゴ</a:t>
-            </a:r>
-          </a:p>
-        </p:txBody>
-      </p:sp>
-      <p:sp>
-        <p:nvSpPr>
-          <p:cNvPr id="5" name="テキスト ボックス 4">
-            <a:extLst>
-              <a:ext uri="{FF2B5EF4-FFF2-40B4-BE49-F238E27FC236}">
-                <a16:creationId xmlns:a16="http://schemas.microsoft.com/office/drawing/2014/main" id="{C7D548B0-1E98-46DE-B7D4-DC653D0DE8D3}"/>
-              </a:ext>
-            </a:extLst>
-          </p:cNvPr>
-          <p:cNvSpPr txBox="1"/>
-          <p:nvPr/>
-        </p:nvSpPr>
-        <p:spPr>
-          <a:xfrm>
-            <a:off x="3409603" y="1079622"/>
-            <a:ext cx="2646878" cy="276999"/>
-          </a:xfrm>
-          <a:prstGeom prst="rect">
-            <a:avLst/>
-          </a:prstGeom>
-          <a:noFill/>
-        </p:spPr>
-        <p:txBody>
-          <a:bodyPr wrap="none" rtlCol="0">
-            <a:spAutoFit/>
-          </a:bodyPr>
-          <a:lstStyle/>
-          <a:p>
-            <a:r>
-              <a:rPr kumimoji="1" lang="ja-JP" altLang="en-US" sz="1200" u="sng" dirty="0"/>
-              <a:t>マッチング</a:t>
-            </a:r>
-            <a:r>
-              <a:rPr kumimoji="1" lang="ja-JP" altLang="en-US" sz="1200" dirty="0"/>
-              <a:t>　チャット　マイページ</a:t>
-            </a:r>
-          </a:p>
-        </p:txBody>
-      </p:sp>
-      <p:grpSp>
-        <p:nvGrpSpPr>
-          <p:cNvPr id="16" name="グループ化 15">
-            <a:extLst>
-              <a:ext uri="{FF2B5EF4-FFF2-40B4-BE49-F238E27FC236}">
-                <a16:creationId xmlns:a16="http://schemas.microsoft.com/office/drawing/2014/main" id="{E9C079D3-AEF7-4C1E-B682-78025780D49B}"/>
-              </a:ext>
-            </a:extLst>
-          </p:cNvPr>
-          <p:cNvGrpSpPr/>
-          <p:nvPr/>
-        </p:nvGrpSpPr>
-        <p:grpSpPr>
-          <a:xfrm>
-            <a:off x="2626822" y="1974351"/>
-            <a:ext cx="3341716" cy="1463130"/>
-            <a:chOff x="2111433" y="1595954"/>
-            <a:chExt cx="3341716" cy="1463130"/>
-          </a:xfrm>
-        </p:grpSpPr>
-        <p:sp>
-          <p:nvSpPr>
-            <p:cNvPr id="6" name="正方形/長方形 5">
-              <a:extLst>
-                <a:ext uri="{FF2B5EF4-FFF2-40B4-BE49-F238E27FC236}">
-                  <a16:creationId xmlns:a16="http://schemas.microsoft.com/office/drawing/2014/main" id="{5D8C665C-DC6A-4E6A-9D79-960136B96BA7}"/>
-                </a:ext>
-              </a:extLst>
-            </p:cNvPr>
-            <p:cNvSpPr/>
-            <p:nvPr/>
-          </p:nvSpPr>
-          <p:spPr>
-            <a:xfrm>
-              <a:off x="2111433" y="1595954"/>
-              <a:ext cx="3341716" cy="1463130"/>
-            </a:xfrm>
-            <a:prstGeom prst="rect">
-              <a:avLst/>
-            </a:prstGeom>
-            <a:solidFill>
-              <a:schemeClr val="bg1"/>
-            </a:solidFill>
-          </p:spPr>
-          <p:style>
-            <a:lnRef idx="2">
-              <a:schemeClr val="accent1">
-                <a:shade val="50000"/>
-              </a:schemeClr>
-            </a:lnRef>
-            <a:fillRef idx="1">
-              <a:schemeClr val="accent1"/>
-            </a:fillRef>
-            <a:effectRef idx="0">
-              <a:schemeClr val="accent1"/>
-            </a:effectRef>
-            <a:fontRef idx="minor">
-              <a:schemeClr val="lt1"/>
-            </a:fontRef>
-          </p:style>
-          <p:txBody>
-            <a:bodyPr rtlCol="0" anchor="ctr"/>
-            <a:lstStyle/>
-            <a:p>
-              <a:pPr algn="ctr"/>
-              <a:endParaRPr kumimoji="1" lang="ja-JP" altLang="en-US"/>
-            </a:p>
-          </p:txBody>
-        </p:sp>
-        <p:sp>
-          <p:nvSpPr>
-            <p:cNvPr id="8" name="テキスト ボックス 7">
-              <a:extLst>
-                <a:ext uri="{FF2B5EF4-FFF2-40B4-BE49-F238E27FC236}">
-                  <a16:creationId xmlns:a16="http://schemas.microsoft.com/office/drawing/2014/main" id="{9492F3A6-1F61-4060-9AC2-A0835F84470F}"/>
-                </a:ext>
-              </a:extLst>
-            </p:cNvPr>
-            <p:cNvSpPr txBox="1"/>
-            <p:nvPr/>
-          </p:nvSpPr>
-          <p:spPr>
-            <a:xfrm>
-              <a:off x="2111433" y="1686584"/>
-              <a:ext cx="1620957" cy="307777"/>
-            </a:xfrm>
-            <a:prstGeom prst="rect">
-              <a:avLst/>
-            </a:prstGeom>
-            <a:noFill/>
-          </p:spPr>
-          <p:txBody>
-            <a:bodyPr wrap="none" rtlCol="0">
-              <a:spAutoFit/>
-            </a:bodyPr>
-            <a:lstStyle/>
-            <a:p>
-              <a:r>
-                <a:rPr kumimoji="1" lang="ja-JP" altLang="en-US" sz="1400" dirty="0"/>
-                <a:t>株式会社〇〇〇〇</a:t>
-              </a:r>
-            </a:p>
-          </p:txBody>
-        </p:sp>
-        <p:sp>
-          <p:nvSpPr>
-            <p:cNvPr id="10" name="正方形/長方形 9">
-              <a:extLst>
-                <a:ext uri="{FF2B5EF4-FFF2-40B4-BE49-F238E27FC236}">
-                  <a16:creationId xmlns:a16="http://schemas.microsoft.com/office/drawing/2014/main" id="{BF7AD603-F2BC-4CC8-A90E-7BA674838C76}"/>
-                </a:ext>
-              </a:extLst>
-            </p:cNvPr>
-            <p:cNvSpPr/>
-            <p:nvPr/>
-          </p:nvSpPr>
-          <p:spPr>
-            <a:xfrm>
-              <a:off x="2219499" y="2398964"/>
-              <a:ext cx="864524" cy="220183"/>
-            </a:xfrm>
-            <a:prstGeom prst="rect">
-              <a:avLst/>
-            </a:prstGeom>
-          </p:spPr>
-          <p:style>
-            <a:lnRef idx="2">
-              <a:schemeClr val="accent1">
-                <a:shade val="50000"/>
-              </a:schemeClr>
-            </a:lnRef>
-            <a:fillRef idx="1">
-              <a:schemeClr val="accent1"/>
-            </a:fillRef>
-            <a:effectRef idx="0">
-              <a:schemeClr val="accent1"/>
-            </a:effectRef>
-            <a:fontRef idx="minor">
-              <a:schemeClr val="lt1"/>
-            </a:fontRef>
-          </p:style>
-          <p:txBody>
-            <a:bodyPr rtlCol="0" anchor="ctr"/>
-            <a:lstStyle/>
-            <a:p>
-              <a:pPr algn="ctr"/>
-              <a:r>
-                <a:rPr kumimoji="1" lang="ja-JP" altLang="en-US" sz="1000" dirty="0"/>
-                <a:t>強み</a:t>
-              </a:r>
-            </a:p>
-          </p:txBody>
-        </p:sp>
-        <p:sp>
-          <p:nvSpPr>
-            <p:cNvPr id="11" name="正方形/長方形 10">
-              <a:extLst>
-                <a:ext uri="{FF2B5EF4-FFF2-40B4-BE49-F238E27FC236}">
-                  <a16:creationId xmlns:a16="http://schemas.microsoft.com/office/drawing/2014/main" id="{9C1560A1-A172-481F-B781-20949BFB6A27}"/>
-                </a:ext>
-              </a:extLst>
-            </p:cNvPr>
-            <p:cNvSpPr/>
-            <p:nvPr/>
-          </p:nvSpPr>
-          <p:spPr>
-            <a:xfrm>
-              <a:off x="2219499" y="2710873"/>
-              <a:ext cx="864524" cy="220183"/>
-            </a:xfrm>
-            <a:prstGeom prst="rect">
-              <a:avLst/>
-            </a:prstGeom>
-            <a:solidFill>
-              <a:schemeClr val="accent2">
-                <a:lumMod val="75000"/>
-              </a:schemeClr>
-            </a:solidFill>
-            <a:ln>
-              <a:solidFill>
-                <a:schemeClr val="accent2">
-                  <a:lumMod val="60000"/>
-                  <a:lumOff val="40000"/>
-                </a:schemeClr>
-              </a:solidFill>
-            </a:ln>
-          </p:spPr>
-          <p:style>
-            <a:lnRef idx="2">
-              <a:schemeClr val="accent1">
-                <a:shade val="50000"/>
-              </a:schemeClr>
-            </a:lnRef>
-            <a:fillRef idx="1">
-              <a:schemeClr val="accent1"/>
-            </a:fillRef>
-            <a:effectRef idx="0">
-              <a:schemeClr val="accent1"/>
-            </a:effectRef>
-            <a:fontRef idx="minor">
-              <a:schemeClr val="lt1"/>
-            </a:fontRef>
-          </p:style>
-          <p:txBody>
-            <a:bodyPr rtlCol="0" anchor="ctr"/>
-            <a:lstStyle/>
-            <a:p>
-              <a:pPr algn="ctr"/>
-              <a:r>
-                <a:rPr lang="ja-JP" altLang="en-US" sz="1000" dirty="0"/>
-                <a:t>弱</a:t>
-              </a:r>
-              <a:r>
-                <a:rPr kumimoji="1" lang="ja-JP" altLang="en-US" sz="1000" dirty="0"/>
-                <a:t>み</a:t>
-              </a:r>
-            </a:p>
-          </p:txBody>
-        </p:sp>
-        <p:sp>
-          <p:nvSpPr>
-            <p:cNvPr id="13" name="テキスト ボックス 12">
-              <a:extLst>
-                <a:ext uri="{FF2B5EF4-FFF2-40B4-BE49-F238E27FC236}">
-                  <a16:creationId xmlns:a16="http://schemas.microsoft.com/office/drawing/2014/main" id="{6DF5D054-2319-40BA-82A2-6953AB0688DD}"/>
-                </a:ext>
-              </a:extLst>
-            </p:cNvPr>
-            <p:cNvSpPr txBox="1"/>
-            <p:nvPr/>
-          </p:nvSpPr>
-          <p:spPr>
-            <a:xfrm>
-              <a:off x="2111433" y="1970026"/>
-              <a:ext cx="3258589" cy="400110"/>
-            </a:xfrm>
-            <a:prstGeom prst="rect">
-              <a:avLst/>
-            </a:prstGeom>
-            <a:noFill/>
-          </p:spPr>
-          <p:txBody>
-            <a:bodyPr wrap="square" rtlCol="0">
-              <a:spAutoFit/>
-            </a:bodyPr>
-            <a:lstStyle/>
-            <a:p>
-              <a:r>
-                <a:rPr kumimoji="1" lang="ja-JP" altLang="en-US" sz="1000" dirty="0"/>
-                <a:t>事業内容：事業内容テキストが入ります。事業内容テキストが入ります。</a:t>
-              </a:r>
-            </a:p>
-          </p:txBody>
-        </p:sp>
-        <p:sp>
-          <p:nvSpPr>
-            <p:cNvPr id="14" name="テキスト ボックス 13">
-              <a:extLst>
-                <a:ext uri="{FF2B5EF4-FFF2-40B4-BE49-F238E27FC236}">
-                  <a16:creationId xmlns:a16="http://schemas.microsoft.com/office/drawing/2014/main" id="{A4B395B9-6529-4111-80FD-7A60C3671997}"/>
-                </a:ext>
-              </a:extLst>
-            </p:cNvPr>
-            <p:cNvSpPr txBox="1"/>
-            <p:nvPr/>
-          </p:nvSpPr>
-          <p:spPr>
-            <a:xfrm>
-              <a:off x="3062976" y="2370228"/>
-              <a:ext cx="1338828" cy="246221"/>
-            </a:xfrm>
-            <a:prstGeom prst="rect">
-              <a:avLst/>
-            </a:prstGeom>
-            <a:noFill/>
-          </p:spPr>
-          <p:txBody>
-            <a:bodyPr wrap="none" rtlCol="0">
-              <a:spAutoFit/>
-            </a:bodyPr>
-            <a:lstStyle/>
-            <a:p>
-              <a:r>
-                <a:rPr lang="ja-JP" altLang="en-US" sz="1000" dirty="0"/>
-                <a:t>採用ブランディング</a:t>
-              </a:r>
-              <a:endParaRPr kumimoji="1" lang="ja-JP" altLang="en-US" sz="1000" dirty="0"/>
-            </a:p>
-          </p:txBody>
-        </p:sp>
-        <p:sp>
-          <p:nvSpPr>
-            <p:cNvPr id="15" name="テキスト ボックス 14">
-              <a:extLst>
-                <a:ext uri="{FF2B5EF4-FFF2-40B4-BE49-F238E27FC236}">
-                  <a16:creationId xmlns:a16="http://schemas.microsoft.com/office/drawing/2014/main" id="{7870D554-8A32-4CD6-9F7C-E4D5511344A0}"/>
-                </a:ext>
-              </a:extLst>
-            </p:cNvPr>
-            <p:cNvSpPr txBox="1"/>
-            <p:nvPr/>
-          </p:nvSpPr>
-          <p:spPr>
-            <a:xfrm>
-              <a:off x="3071313" y="2741650"/>
-              <a:ext cx="441146" cy="246221"/>
-            </a:xfrm>
-            <a:prstGeom prst="rect">
-              <a:avLst/>
-            </a:prstGeom>
-            <a:noFill/>
-          </p:spPr>
-          <p:txBody>
-            <a:bodyPr wrap="none" rtlCol="0">
-              <a:spAutoFit/>
-            </a:bodyPr>
-            <a:lstStyle/>
-            <a:p>
-              <a:r>
-                <a:rPr lang="ja-JP" altLang="en-US" sz="1000" dirty="0"/>
-                <a:t>営業</a:t>
-              </a:r>
-              <a:endParaRPr kumimoji="1" lang="ja-JP" altLang="en-US" sz="1000" dirty="0"/>
-            </a:p>
-          </p:txBody>
-        </p:sp>
-      </p:grpSp>
-      <p:grpSp>
-        <p:nvGrpSpPr>
-          <p:cNvPr id="17" name="グループ化 16">
-            <a:extLst>
-              <a:ext uri="{FF2B5EF4-FFF2-40B4-BE49-F238E27FC236}">
-                <a16:creationId xmlns:a16="http://schemas.microsoft.com/office/drawing/2014/main" id="{D2B2597A-7FF8-497A-9C9C-3055068885E0}"/>
-              </a:ext>
-            </a:extLst>
-          </p:cNvPr>
-          <p:cNvGrpSpPr/>
-          <p:nvPr/>
-        </p:nvGrpSpPr>
-        <p:grpSpPr>
-          <a:xfrm>
-            <a:off x="2626822" y="3574504"/>
-            <a:ext cx="3341716" cy="1463130"/>
-            <a:chOff x="2111433" y="1595954"/>
-            <a:chExt cx="3341716" cy="1463130"/>
-          </a:xfrm>
-        </p:grpSpPr>
-        <p:sp>
-          <p:nvSpPr>
-            <p:cNvPr id="18" name="正方形/長方形 17">
-              <a:extLst>
-                <a:ext uri="{FF2B5EF4-FFF2-40B4-BE49-F238E27FC236}">
-                  <a16:creationId xmlns:a16="http://schemas.microsoft.com/office/drawing/2014/main" id="{2344368B-8FC5-4D4C-A302-50F458E95301}"/>
-                </a:ext>
-              </a:extLst>
-            </p:cNvPr>
-            <p:cNvSpPr/>
-            <p:nvPr/>
-          </p:nvSpPr>
-          <p:spPr>
-            <a:xfrm>
-              <a:off x="2111433" y="1595954"/>
-              <a:ext cx="3341716" cy="1463130"/>
-            </a:xfrm>
-            <a:prstGeom prst="rect">
-              <a:avLst/>
-            </a:prstGeom>
-            <a:solidFill>
-              <a:schemeClr val="bg1"/>
-            </a:solidFill>
-          </p:spPr>
-          <p:style>
-            <a:lnRef idx="2">
-              <a:schemeClr val="accent1">
-                <a:shade val="50000"/>
-              </a:schemeClr>
-            </a:lnRef>
-            <a:fillRef idx="1">
-              <a:schemeClr val="accent1"/>
-            </a:fillRef>
-            <a:effectRef idx="0">
-              <a:schemeClr val="accent1"/>
-            </a:effectRef>
-            <a:fontRef idx="minor">
-              <a:schemeClr val="lt1"/>
-            </a:fontRef>
-          </p:style>
-          <p:txBody>
-            <a:bodyPr rtlCol="0" anchor="ctr"/>
-            <a:lstStyle/>
-            <a:p>
-              <a:pPr algn="ctr"/>
-              <a:endParaRPr kumimoji="1" lang="ja-JP" altLang="en-US"/>
-            </a:p>
-          </p:txBody>
-        </p:sp>
-        <p:sp>
-          <p:nvSpPr>
-            <p:cNvPr id="19" name="テキスト ボックス 18">
-              <a:extLst>
-                <a:ext uri="{FF2B5EF4-FFF2-40B4-BE49-F238E27FC236}">
-                  <a16:creationId xmlns:a16="http://schemas.microsoft.com/office/drawing/2014/main" id="{B2EA6F94-905C-456E-A1F2-4D0AD5EEDE97}"/>
-                </a:ext>
-              </a:extLst>
-            </p:cNvPr>
-            <p:cNvSpPr txBox="1"/>
-            <p:nvPr/>
-          </p:nvSpPr>
-          <p:spPr>
-            <a:xfrm>
-              <a:off x="2111433" y="1686584"/>
-              <a:ext cx="1620957" cy="307777"/>
-            </a:xfrm>
-            <a:prstGeom prst="rect">
-              <a:avLst/>
-            </a:prstGeom>
-            <a:noFill/>
-          </p:spPr>
-          <p:txBody>
-            <a:bodyPr wrap="none" rtlCol="0">
-              <a:spAutoFit/>
-            </a:bodyPr>
-            <a:lstStyle/>
-            <a:p>
-              <a:r>
-                <a:rPr kumimoji="1" lang="ja-JP" altLang="en-US" sz="1400" dirty="0"/>
-                <a:t>株式会社〇〇〇〇</a:t>
-              </a:r>
-            </a:p>
-          </p:txBody>
-        </p:sp>
-        <p:sp>
-          <p:nvSpPr>
-            <p:cNvPr id="20" name="正方形/長方形 19">
-              <a:extLst>
-                <a:ext uri="{FF2B5EF4-FFF2-40B4-BE49-F238E27FC236}">
-                  <a16:creationId xmlns:a16="http://schemas.microsoft.com/office/drawing/2014/main" id="{2D6D0C9A-27C6-44CF-A91D-6C8D99A3F2BC}"/>
-                </a:ext>
-              </a:extLst>
-            </p:cNvPr>
-            <p:cNvSpPr/>
-            <p:nvPr/>
-          </p:nvSpPr>
-          <p:spPr>
-            <a:xfrm>
-              <a:off x="2219499" y="2398964"/>
-              <a:ext cx="864524" cy="220183"/>
-            </a:xfrm>
-            <a:prstGeom prst="rect">
-              <a:avLst/>
-            </a:prstGeom>
-          </p:spPr>
-          <p:style>
-            <a:lnRef idx="2">
-              <a:schemeClr val="accent1">
-                <a:shade val="50000"/>
-              </a:schemeClr>
-            </a:lnRef>
-            <a:fillRef idx="1">
-              <a:schemeClr val="accent1"/>
-            </a:fillRef>
-            <a:effectRef idx="0">
-              <a:schemeClr val="accent1"/>
-            </a:effectRef>
-            <a:fontRef idx="minor">
-              <a:schemeClr val="lt1"/>
-            </a:fontRef>
-          </p:style>
-          <p:txBody>
-            <a:bodyPr rtlCol="0" anchor="ctr"/>
-            <a:lstStyle/>
-            <a:p>
-              <a:pPr algn="ctr"/>
-              <a:r>
-                <a:rPr kumimoji="1" lang="ja-JP" altLang="en-US" sz="1000" dirty="0"/>
-                <a:t>強み</a:t>
-              </a:r>
-            </a:p>
-          </p:txBody>
-        </p:sp>
-        <p:sp>
-          <p:nvSpPr>
-            <p:cNvPr id="21" name="正方形/長方形 20">
-              <a:extLst>
-                <a:ext uri="{FF2B5EF4-FFF2-40B4-BE49-F238E27FC236}">
-                  <a16:creationId xmlns:a16="http://schemas.microsoft.com/office/drawing/2014/main" id="{220A708D-443F-4596-B379-316CC58FEFCA}"/>
-                </a:ext>
-              </a:extLst>
-            </p:cNvPr>
-            <p:cNvSpPr/>
-            <p:nvPr/>
-          </p:nvSpPr>
-          <p:spPr>
-            <a:xfrm>
-              <a:off x="2219499" y="2710873"/>
-              <a:ext cx="864524" cy="220183"/>
-            </a:xfrm>
-            <a:prstGeom prst="rect">
-              <a:avLst/>
-            </a:prstGeom>
-            <a:solidFill>
-              <a:schemeClr val="accent2">
-                <a:lumMod val="75000"/>
-              </a:schemeClr>
-            </a:solidFill>
-            <a:ln>
-              <a:solidFill>
-                <a:schemeClr val="accent2">
-                  <a:lumMod val="60000"/>
-                  <a:lumOff val="40000"/>
-                </a:schemeClr>
-              </a:solidFill>
-            </a:ln>
-          </p:spPr>
-          <p:style>
-            <a:lnRef idx="2">
-              <a:schemeClr val="accent1">
-                <a:shade val="50000"/>
-              </a:schemeClr>
-            </a:lnRef>
-            <a:fillRef idx="1">
-              <a:schemeClr val="accent1"/>
-            </a:fillRef>
-            <a:effectRef idx="0">
-              <a:schemeClr val="accent1"/>
-            </a:effectRef>
-            <a:fontRef idx="minor">
-              <a:schemeClr val="lt1"/>
-            </a:fontRef>
-          </p:style>
-          <p:txBody>
-            <a:bodyPr rtlCol="0" anchor="ctr"/>
-            <a:lstStyle/>
-            <a:p>
-              <a:pPr algn="ctr"/>
-              <a:r>
-                <a:rPr lang="ja-JP" altLang="en-US" sz="1000" dirty="0"/>
-                <a:t>弱</a:t>
-              </a:r>
-              <a:r>
-                <a:rPr kumimoji="1" lang="ja-JP" altLang="en-US" sz="1000" dirty="0"/>
-                <a:t>み</a:t>
-              </a:r>
-            </a:p>
-          </p:txBody>
-        </p:sp>
-        <p:sp>
-          <p:nvSpPr>
-            <p:cNvPr id="22" name="テキスト ボックス 21">
-              <a:extLst>
-                <a:ext uri="{FF2B5EF4-FFF2-40B4-BE49-F238E27FC236}">
-                  <a16:creationId xmlns:a16="http://schemas.microsoft.com/office/drawing/2014/main" id="{06D6CDE1-2FF2-4CDF-97CF-F0FFD1A6A91F}"/>
-                </a:ext>
-              </a:extLst>
-            </p:cNvPr>
-            <p:cNvSpPr txBox="1"/>
-            <p:nvPr/>
-          </p:nvSpPr>
-          <p:spPr>
-            <a:xfrm>
-              <a:off x="2111433" y="1970026"/>
-              <a:ext cx="3258589" cy="400110"/>
-            </a:xfrm>
-            <a:prstGeom prst="rect">
-              <a:avLst/>
-            </a:prstGeom>
-            <a:noFill/>
-          </p:spPr>
-          <p:txBody>
-            <a:bodyPr wrap="square" rtlCol="0">
-              <a:spAutoFit/>
-            </a:bodyPr>
-            <a:lstStyle/>
-            <a:p>
-              <a:r>
-                <a:rPr kumimoji="1" lang="ja-JP" altLang="en-US" sz="1000" dirty="0"/>
-                <a:t>事業内容：事業内容テキストが入ります。事業内容テキストが入ります。</a:t>
-              </a:r>
-            </a:p>
-          </p:txBody>
-        </p:sp>
-        <p:sp>
-          <p:nvSpPr>
-            <p:cNvPr id="23" name="テキスト ボックス 22">
-              <a:extLst>
-                <a:ext uri="{FF2B5EF4-FFF2-40B4-BE49-F238E27FC236}">
-                  <a16:creationId xmlns:a16="http://schemas.microsoft.com/office/drawing/2014/main" id="{E22433B8-00AE-42B3-87A3-DFD8878A5704}"/>
-                </a:ext>
-              </a:extLst>
-            </p:cNvPr>
-            <p:cNvSpPr txBox="1"/>
-            <p:nvPr/>
-          </p:nvSpPr>
-          <p:spPr>
-            <a:xfrm>
-              <a:off x="3062976" y="2370228"/>
-              <a:ext cx="1082348" cy="246221"/>
-            </a:xfrm>
-            <a:prstGeom prst="rect">
-              <a:avLst/>
-            </a:prstGeom>
-            <a:noFill/>
-          </p:spPr>
-          <p:txBody>
-            <a:bodyPr wrap="none" rtlCol="0">
-              <a:spAutoFit/>
-            </a:bodyPr>
-            <a:lstStyle/>
-            <a:p>
-              <a:r>
-                <a:rPr lang="ja-JP" altLang="en-US" sz="1000" dirty="0"/>
-                <a:t>営業、商品企画</a:t>
-              </a:r>
-              <a:endParaRPr kumimoji="1" lang="ja-JP" altLang="en-US" sz="1000" dirty="0"/>
-            </a:p>
-          </p:txBody>
-        </p:sp>
-        <p:sp>
-          <p:nvSpPr>
-            <p:cNvPr id="24" name="テキスト ボックス 23">
-              <a:extLst>
-                <a:ext uri="{FF2B5EF4-FFF2-40B4-BE49-F238E27FC236}">
-                  <a16:creationId xmlns:a16="http://schemas.microsoft.com/office/drawing/2014/main" id="{5ABCAE80-E46D-48D4-A894-6494C15140B9}"/>
-                </a:ext>
-              </a:extLst>
-            </p:cNvPr>
-            <p:cNvSpPr txBox="1"/>
-            <p:nvPr/>
-          </p:nvSpPr>
-          <p:spPr>
-            <a:xfrm>
-              <a:off x="3071313" y="2741650"/>
-              <a:ext cx="697627" cy="246221"/>
-            </a:xfrm>
-            <a:prstGeom prst="rect">
-              <a:avLst/>
-            </a:prstGeom>
-            <a:noFill/>
-          </p:spPr>
-          <p:txBody>
-            <a:bodyPr wrap="none" rtlCol="0">
-              <a:spAutoFit/>
-            </a:bodyPr>
-            <a:lstStyle/>
-            <a:p>
-              <a:r>
-                <a:rPr kumimoji="1" lang="ja-JP" altLang="en-US" sz="1000" dirty="0"/>
-                <a:t>組織開発</a:t>
-              </a:r>
-            </a:p>
-          </p:txBody>
-        </p:sp>
-      </p:grpSp>
-      <p:grpSp>
-        <p:nvGrpSpPr>
-          <p:cNvPr id="25" name="グループ化 24">
-            <a:extLst>
-              <a:ext uri="{FF2B5EF4-FFF2-40B4-BE49-F238E27FC236}">
-                <a16:creationId xmlns:a16="http://schemas.microsoft.com/office/drawing/2014/main" id="{5F5A75B4-673F-4A76-86C9-8FE045ADCB28}"/>
-              </a:ext>
-            </a:extLst>
-          </p:cNvPr>
-          <p:cNvGrpSpPr/>
-          <p:nvPr/>
-        </p:nvGrpSpPr>
-        <p:grpSpPr>
-          <a:xfrm>
-            <a:off x="2630978" y="5171060"/>
-            <a:ext cx="3341716" cy="1463130"/>
-            <a:chOff x="2111433" y="1595954"/>
-            <a:chExt cx="3341716" cy="1463130"/>
-          </a:xfrm>
-        </p:grpSpPr>
-        <p:sp>
-          <p:nvSpPr>
-            <p:cNvPr id="26" name="正方形/長方形 25">
-              <a:extLst>
-                <a:ext uri="{FF2B5EF4-FFF2-40B4-BE49-F238E27FC236}">
-                  <a16:creationId xmlns:a16="http://schemas.microsoft.com/office/drawing/2014/main" id="{707BAAC5-E245-4497-BB73-C0A387DDD82B}"/>
-                </a:ext>
-              </a:extLst>
-            </p:cNvPr>
-            <p:cNvSpPr/>
-            <p:nvPr/>
-          </p:nvSpPr>
-          <p:spPr>
-            <a:xfrm>
-              <a:off x="2111433" y="1595954"/>
-              <a:ext cx="3341716" cy="1463130"/>
-            </a:xfrm>
-            <a:prstGeom prst="rect">
-              <a:avLst/>
-            </a:prstGeom>
-            <a:solidFill>
-              <a:schemeClr val="bg1"/>
-            </a:solidFill>
-          </p:spPr>
-          <p:style>
-            <a:lnRef idx="2">
-              <a:schemeClr val="accent1">
-                <a:shade val="50000"/>
-              </a:schemeClr>
-            </a:lnRef>
-            <a:fillRef idx="1">
-              <a:schemeClr val="accent1"/>
-            </a:fillRef>
-            <a:effectRef idx="0">
-              <a:schemeClr val="accent1"/>
-            </a:effectRef>
-            <a:fontRef idx="minor">
-              <a:schemeClr val="lt1"/>
-            </a:fontRef>
-          </p:style>
-          <p:txBody>
-            <a:bodyPr rtlCol="0" anchor="ctr"/>
-            <a:lstStyle/>
-            <a:p>
-              <a:pPr algn="ctr"/>
-              <a:endParaRPr kumimoji="1" lang="ja-JP" altLang="en-US"/>
-            </a:p>
-          </p:txBody>
-        </p:sp>
-        <p:sp>
-          <p:nvSpPr>
-            <p:cNvPr id="27" name="テキスト ボックス 26">
-              <a:extLst>
-                <a:ext uri="{FF2B5EF4-FFF2-40B4-BE49-F238E27FC236}">
-                  <a16:creationId xmlns:a16="http://schemas.microsoft.com/office/drawing/2014/main" id="{D10D8236-59A8-4591-8850-D5C0F2231154}"/>
-                </a:ext>
-              </a:extLst>
-            </p:cNvPr>
-            <p:cNvSpPr txBox="1"/>
-            <p:nvPr/>
-          </p:nvSpPr>
-          <p:spPr>
-            <a:xfrm>
-              <a:off x="2111433" y="1686584"/>
-              <a:ext cx="1620957" cy="307777"/>
-            </a:xfrm>
-            <a:prstGeom prst="rect">
-              <a:avLst/>
-            </a:prstGeom>
-            <a:noFill/>
-          </p:spPr>
-          <p:txBody>
-            <a:bodyPr wrap="none" rtlCol="0">
-              <a:spAutoFit/>
-            </a:bodyPr>
-            <a:lstStyle/>
-            <a:p>
-              <a:r>
-                <a:rPr kumimoji="1" lang="ja-JP" altLang="en-US" sz="1400" dirty="0"/>
-                <a:t>株式会社〇〇〇〇</a:t>
-              </a:r>
-            </a:p>
-          </p:txBody>
-        </p:sp>
-        <p:sp>
-          <p:nvSpPr>
-            <p:cNvPr id="28" name="正方形/長方形 27">
-              <a:extLst>
-                <a:ext uri="{FF2B5EF4-FFF2-40B4-BE49-F238E27FC236}">
-                  <a16:creationId xmlns:a16="http://schemas.microsoft.com/office/drawing/2014/main" id="{EF2C9F89-BCD8-4594-95E0-3A87770275FE}"/>
-                </a:ext>
-              </a:extLst>
-            </p:cNvPr>
-            <p:cNvSpPr/>
-            <p:nvPr/>
-          </p:nvSpPr>
-          <p:spPr>
-            <a:xfrm>
-              <a:off x="2219499" y="2398964"/>
-              <a:ext cx="864524" cy="220183"/>
-            </a:xfrm>
-            <a:prstGeom prst="rect">
-              <a:avLst/>
-            </a:prstGeom>
-          </p:spPr>
-          <p:style>
-            <a:lnRef idx="2">
-              <a:schemeClr val="accent1">
-                <a:shade val="50000"/>
-              </a:schemeClr>
-            </a:lnRef>
-            <a:fillRef idx="1">
-              <a:schemeClr val="accent1"/>
-            </a:fillRef>
-            <a:effectRef idx="0">
-              <a:schemeClr val="accent1"/>
-            </a:effectRef>
-            <a:fontRef idx="minor">
-              <a:schemeClr val="lt1"/>
-            </a:fontRef>
-          </p:style>
-          <p:txBody>
-            <a:bodyPr rtlCol="0" anchor="ctr"/>
-            <a:lstStyle/>
-            <a:p>
-              <a:pPr algn="ctr"/>
-              <a:r>
-                <a:rPr kumimoji="1" lang="ja-JP" altLang="en-US" sz="1000" dirty="0"/>
-                <a:t>強み</a:t>
-              </a:r>
-            </a:p>
-          </p:txBody>
-        </p:sp>
-        <p:sp>
-          <p:nvSpPr>
-            <p:cNvPr id="29" name="正方形/長方形 28">
-              <a:extLst>
-                <a:ext uri="{FF2B5EF4-FFF2-40B4-BE49-F238E27FC236}">
-                  <a16:creationId xmlns:a16="http://schemas.microsoft.com/office/drawing/2014/main" id="{C59B8A29-57E5-4290-A6CC-A6916DFB8FB0}"/>
-                </a:ext>
-              </a:extLst>
-            </p:cNvPr>
-            <p:cNvSpPr/>
-            <p:nvPr/>
-          </p:nvSpPr>
-          <p:spPr>
-            <a:xfrm>
-              <a:off x="2219499" y="2710873"/>
-              <a:ext cx="864524" cy="220183"/>
-            </a:xfrm>
-            <a:prstGeom prst="rect">
-              <a:avLst/>
-            </a:prstGeom>
-            <a:solidFill>
-              <a:schemeClr val="accent2">
-                <a:lumMod val="75000"/>
-              </a:schemeClr>
-            </a:solidFill>
-            <a:ln>
-              <a:solidFill>
-                <a:schemeClr val="accent2">
-                  <a:lumMod val="60000"/>
-                  <a:lumOff val="40000"/>
-                </a:schemeClr>
-              </a:solidFill>
-            </a:ln>
-          </p:spPr>
-          <p:style>
-            <a:lnRef idx="2">
-              <a:schemeClr val="accent1">
-                <a:shade val="50000"/>
-              </a:schemeClr>
-            </a:lnRef>
-            <a:fillRef idx="1">
-              <a:schemeClr val="accent1"/>
-            </a:fillRef>
-            <a:effectRef idx="0">
-              <a:schemeClr val="accent1"/>
-            </a:effectRef>
-            <a:fontRef idx="minor">
-              <a:schemeClr val="lt1"/>
-            </a:fontRef>
-          </p:style>
-          <p:txBody>
-            <a:bodyPr rtlCol="0" anchor="ctr"/>
-            <a:lstStyle/>
-            <a:p>
-              <a:pPr algn="ctr"/>
-              <a:r>
-                <a:rPr lang="ja-JP" altLang="en-US" sz="1000" dirty="0"/>
-                <a:t>弱</a:t>
-              </a:r>
-              <a:r>
-                <a:rPr kumimoji="1" lang="ja-JP" altLang="en-US" sz="1000" dirty="0"/>
-                <a:t>み</a:t>
-              </a:r>
-            </a:p>
-          </p:txBody>
-        </p:sp>
-        <p:sp>
-          <p:nvSpPr>
-            <p:cNvPr id="30" name="テキスト ボックス 29">
-              <a:extLst>
-                <a:ext uri="{FF2B5EF4-FFF2-40B4-BE49-F238E27FC236}">
-                  <a16:creationId xmlns:a16="http://schemas.microsoft.com/office/drawing/2014/main" id="{E6677701-F88D-4EEF-B438-3D4012F6B776}"/>
-                </a:ext>
-              </a:extLst>
-            </p:cNvPr>
-            <p:cNvSpPr txBox="1"/>
-            <p:nvPr/>
-          </p:nvSpPr>
-          <p:spPr>
-            <a:xfrm>
-              <a:off x="2111433" y="1970026"/>
-              <a:ext cx="3258589" cy="400110"/>
-            </a:xfrm>
-            <a:prstGeom prst="rect">
-              <a:avLst/>
-            </a:prstGeom>
-            <a:noFill/>
-          </p:spPr>
-          <p:txBody>
-            <a:bodyPr wrap="square" rtlCol="0">
-              <a:spAutoFit/>
-            </a:bodyPr>
-            <a:lstStyle/>
-            <a:p>
-              <a:r>
-                <a:rPr kumimoji="1" lang="ja-JP" altLang="en-US" sz="1000" dirty="0"/>
-                <a:t>事業内容：事業内容テキストが入ります。事業内容テキストが入ります。</a:t>
-              </a:r>
-            </a:p>
-          </p:txBody>
-        </p:sp>
-        <p:sp>
-          <p:nvSpPr>
-            <p:cNvPr id="31" name="テキスト ボックス 30">
-              <a:extLst>
-                <a:ext uri="{FF2B5EF4-FFF2-40B4-BE49-F238E27FC236}">
-                  <a16:creationId xmlns:a16="http://schemas.microsoft.com/office/drawing/2014/main" id="{320E09E0-B63F-4D6D-8303-786541808393}"/>
-                </a:ext>
-              </a:extLst>
-            </p:cNvPr>
-            <p:cNvSpPr txBox="1"/>
-            <p:nvPr/>
-          </p:nvSpPr>
-          <p:spPr>
-            <a:xfrm>
-              <a:off x="3062976" y="2370228"/>
-              <a:ext cx="1912703" cy="246221"/>
-            </a:xfrm>
-            <a:prstGeom prst="rect">
-              <a:avLst/>
-            </a:prstGeom>
-            <a:noFill/>
-          </p:spPr>
-          <p:txBody>
-            <a:bodyPr wrap="none" rtlCol="0">
-              <a:spAutoFit/>
-            </a:bodyPr>
-            <a:lstStyle/>
-            <a:p>
-              <a:r>
-                <a:rPr lang="en-US" altLang="ja-JP" sz="1000" dirty="0"/>
-                <a:t>Web</a:t>
-              </a:r>
-              <a:r>
-                <a:rPr lang="ja-JP" altLang="en-US" sz="1000" dirty="0"/>
-                <a:t>マーケティング、</a:t>
-              </a:r>
-              <a:r>
-                <a:rPr lang="en-US" altLang="ja-JP" sz="1000" dirty="0"/>
-                <a:t>HP</a:t>
-              </a:r>
-              <a:r>
-                <a:rPr lang="ja-JP" altLang="en-US" sz="1000" dirty="0"/>
-                <a:t>制作</a:t>
-              </a:r>
-              <a:endParaRPr kumimoji="1" lang="ja-JP" altLang="en-US" sz="1000" dirty="0"/>
-            </a:p>
-          </p:txBody>
-        </p:sp>
-        <p:sp>
-          <p:nvSpPr>
-            <p:cNvPr id="32" name="テキスト ボックス 31">
-              <a:extLst>
-                <a:ext uri="{FF2B5EF4-FFF2-40B4-BE49-F238E27FC236}">
-                  <a16:creationId xmlns:a16="http://schemas.microsoft.com/office/drawing/2014/main" id="{4F786DCB-F5B7-4916-9B6C-F4EFFB12A1D5}"/>
-                </a:ext>
-              </a:extLst>
-            </p:cNvPr>
-            <p:cNvSpPr txBox="1"/>
-            <p:nvPr/>
-          </p:nvSpPr>
-          <p:spPr>
-            <a:xfrm>
-              <a:off x="3071313" y="2741650"/>
-              <a:ext cx="441146" cy="246221"/>
-            </a:xfrm>
-            <a:prstGeom prst="rect">
-              <a:avLst/>
-            </a:prstGeom>
-            <a:noFill/>
-          </p:spPr>
-          <p:txBody>
-            <a:bodyPr wrap="none" rtlCol="0">
-              <a:spAutoFit/>
-            </a:bodyPr>
-            <a:lstStyle/>
-            <a:p>
-              <a:r>
-                <a:rPr kumimoji="1" lang="ja-JP" altLang="en-US" sz="1000" dirty="0"/>
-                <a:t>広告</a:t>
-              </a:r>
-            </a:p>
-          </p:txBody>
-        </p:sp>
-      </p:grpSp>
-      <p:sp>
-        <p:nvSpPr>
-          <p:cNvPr id="33" name="正方形/長方形 32">
-            <a:extLst>
-              <a:ext uri="{FF2B5EF4-FFF2-40B4-BE49-F238E27FC236}">
-                <a16:creationId xmlns:a16="http://schemas.microsoft.com/office/drawing/2014/main" id="{08885E6F-7516-493B-A086-059960A38654}"/>
-              </a:ext>
-            </a:extLst>
-          </p:cNvPr>
-          <p:cNvSpPr/>
-          <p:nvPr/>
-        </p:nvSpPr>
-        <p:spPr>
-          <a:xfrm>
-            <a:off x="794198" y="1606512"/>
-            <a:ext cx="1705162" cy="3418101"/>
-          </a:xfrm>
-          <a:prstGeom prst="rect">
-            <a:avLst/>
-          </a:prstGeom>
-          <a:solidFill>
-            <a:schemeClr val="bg1"/>
-          </a:solidFill>
-        </p:spPr>
-        <p:style>
-          <a:lnRef idx="2">
-            <a:schemeClr val="accent1">
-              <a:shade val="50000"/>
-            </a:schemeClr>
-          </a:lnRef>
-          <a:fillRef idx="1">
-            <a:schemeClr val="accent1"/>
-          </a:fillRef>
-          <a:effectRef idx="0">
-            <a:schemeClr val="accent1"/>
-          </a:effectRef>
-          <a:fontRef idx="minor">
-            <a:schemeClr val="lt1"/>
-          </a:fontRef>
-        </p:style>
-        <p:txBody>
-          <a:bodyPr rtlCol="0" anchor="ctr"/>
-          <a:lstStyle/>
-          <a:p>
-            <a:pPr algn="ctr"/>
-            <a:endParaRPr kumimoji="1" lang="ja-JP" altLang="en-US"/>
-          </a:p>
-        </p:txBody>
-      </p:sp>
-      <p:sp>
-        <p:nvSpPr>
-          <p:cNvPr id="35" name="テキスト ボックス 34">
-            <a:extLst>
-              <a:ext uri="{FF2B5EF4-FFF2-40B4-BE49-F238E27FC236}">
-                <a16:creationId xmlns:a16="http://schemas.microsoft.com/office/drawing/2014/main" id="{40BC8256-B755-4440-818F-1FDCC29CDF3A}"/>
-              </a:ext>
-            </a:extLst>
-          </p:cNvPr>
-          <p:cNvSpPr txBox="1"/>
-          <p:nvPr/>
-        </p:nvSpPr>
-        <p:spPr>
-          <a:xfrm>
-            <a:off x="2503516" y="1523490"/>
-            <a:ext cx="2723823" cy="369332"/>
-          </a:xfrm>
-          <a:prstGeom prst="rect">
-            <a:avLst/>
-          </a:prstGeom>
-          <a:noFill/>
-        </p:spPr>
-        <p:txBody>
-          <a:bodyPr wrap="none" rtlCol="0">
-            <a:spAutoFit/>
-          </a:bodyPr>
-          <a:lstStyle/>
-          <a:p>
-            <a:r>
-              <a:rPr kumimoji="1" lang="ja-JP" altLang="en-US" dirty="0"/>
-              <a:t>あなたにおススメの企業</a:t>
-            </a:r>
-          </a:p>
-        </p:txBody>
-      </p:sp>
-      <p:sp>
-        <p:nvSpPr>
-          <p:cNvPr id="36" name="正方形/長方形 35">
-            <a:extLst>
-              <a:ext uri="{FF2B5EF4-FFF2-40B4-BE49-F238E27FC236}">
-                <a16:creationId xmlns:a16="http://schemas.microsoft.com/office/drawing/2014/main" id="{50125ECD-3C7A-4840-B597-A96C7012B19F}"/>
-              </a:ext>
-            </a:extLst>
-          </p:cNvPr>
-          <p:cNvSpPr/>
-          <p:nvPr/>
-        </p:nvSpPr>
-        <p:spPr>
-          <a:xfrm>
-            <a:off x="1736831" y="4651907"/>
-            <a:ext cx="673333" cy="236627"/>
-          </a:xfrm>
-          <a:prstGeom prst="rect">
-            <a:avLst/>
-          </a:prstGeom>
-          <a:solidFill>
-            <a:schemeClr val="accent1">
-              <a:lumMod val="50000"/>
-            </a:schemeClr>
-          </a:solidFill>
-        </p:spPr>
-        <p:style>
-          <a:lnRef idx="2">
-            <a:schemeClr val="accent1">
-              <a:shade val="50000"/>
-            </a:schemeClr>
-          </a:lnRef>
-          <a:fillRef idx="1">
-            <a:schemeClr val="accent1"/>
-          </a:fillRef>
-          <a:effectRef idx="0">
-            <a:schemeClr val="accent1"/>
-          </a:effectRef>
-          <a:fontRef idx="minor">
-            <a:schemeClr val="lt1"/>
-          </a:fontRef>
-        </p:style>
-        <p:txBody>
-          <a:bodyPr rtlCol="0" anchor="ctr"/>
-          <a:lstStyle/>
-          <a:p>
-            <a:pPr algn="ctr"/>
-            <a:r>
-              <a:rPr kumimoji="1" lang="ja-JP" altLang="en-US" sz="1000" b="1" dirty="0">
-                <a:solidFill>
-                  <a:schemeClr val="bg1"/>
-                </a:solidFill>
-              </a:rPr>
-              <a:t>検索</a:t>
-            </a:r>
-          </a:p>
-        </p:txBody>
-      </p:sp>
-      <p:sp>
-        <p:nvSpPr>
-          <p:cNvPr id="37" name="テキスト ボックス 36">
-            <a:extLst>
-              <a:ext uri="{FF2B5EF4-FFF2-40B4-BE49-F238E27FC236}">
-                <a16:creationId xmlns:a16="http://schemas.microsoft.com/office/drawing/2014/main" id="{1940AE67-10C7-42F4-89A4-8116A4D7DE49}"/>
-              </a:ext>
-            </a:extLst>
-          </p:cNvPr>
-          <p:cNvSpPr txBox="1"/>
-          <p:nvPr/>
-        </p:nvSpPr>
-        <p:spPr>
-          <a:xfrm>
-            <a:off x="765104" y="1646601"/>
-            <a:ext cx="697627" cy="246221"/>
-          </a:xfrm>
-          <a:prstGeom prst="rect">
-            <a:avLst/>
-          </a:prstGeom>
-          <a:noFill/>
-        </p:spPr>
-        <p:txBody>
-          <a:bodyPr wrap="none" rtlCol="0">
-            <a:spAutoFit/>
-          </a:bodyPr>
-          <a:lstStyle/>
-          <a:p>
-            <a:r>
-              <a:rPr kumimoji="1" lang="ja-JP" altLang="en-US" sz="1000" dirty="0"/>
-              <a:t>検索条件</a:t>
-            </a:r>
-          </a:p>
-        </p:txBody>
-      </p:sp>
-      <p:sp>
-        <p:nvSpPr>
-          <p:cNvPr id="39" name="正方形/長方形 38">
-            <a:extLst>
-              <a:ext uri="{FF2B5EF4-FFF2-40B4-BE49-F238E27FC236}">
-                <a16:creationId xmlns:a16="http://schemas.microsoft.com/office/drawing/2014/main" id="{49B20A13-83B8-4468-A759-D48BB5B6F134}"/>
-              </a:ext>
-            </a:extLst>
-          </p:cNvPr>
-          <p:cNvSpPr/>
-          <p:nvPr/>
-        </p:nvSpPr>
-        <p:spPr>
-          <a:xfrm>
-            <a:off x="859839" y="1907757"/>
-            <a:ext cx="1550326" cy="293318"/>
-          </a:xfrm>
-          <a:prstGeom prst="rect">
-            <a:avLst/>
-          </a:prstGeom>
-          <a:solidFill>
-            <a:schemeClr val="bg1"/>
-          </a:solidFill>
-        </p:spPr>
-        <p:style>
-          <a:lnRef idx="2">
-            <a:schemeClr val="accent1">
-              <a:shade val="50000"/>
-            </a:schemeClr>
-          </a:lnRef>
-          <a:fillRef idx="1">
-            <a:schemeClr val="accent1"/>
-          </a:fillRef>
-          <a:effectRef idx="0">
-            <a:schemeClr val="accent1"/>
-          </a:effectRef>
-          <a:fontRef idx="minor">
-            <a:schemeClr val="lt1"/>
-          </a:fontRef>
-        </p:style>
-        <p:txBody>
-          <a:bodyPr rtlCol="0" anchor="ctr"/>
-          <a:lstStyle/>
-          <a:p>
-            <a:pPr algn="ctr"/>
-            <a:endParaRPr kumimoji="1" lang="ja-JP" altLang="en-US"/>
-          </a:p>
-        </p:txBody>
-      </p:sp>
-      <p:sp>
-        <p:nvSpPr>
-          <p:cNvPr id="38" name="テキスト ボックス 37">
-            <a:extLst>
-              <a:ext uri="{FF2B5EF4-FFF2-40B4-BE49-F238E27FC236}">
-                <a16:creationId xmlns:a16="http://schemas.microsoft.com/office/drawing/2014/main" id="{70686AEE-9D3F-4AB4-BEDF-A83657B51227}"/>
-              </a:ext>
-            </a:extLst>
-          </p:cNvPr>
-          <p:cNvSpPr txBox="1"/>
-          <p:nvPr/>
-        </p:nvSpPr>
-        <p:spPr>
-          <a:xfrm>
-            <a:off x="765104" y="1931305"/>
-            <a:ext cx="1338828" cy="246221"/>
-          </a:xfrm>
-          <a:prstGeom prst="rect">
-            <a:avLst/>
-          </a:prstGeom>
-          <a:noFill/>
-        </p:spPr>
-        <p:txBody>
-          <a:bodyPr wrap="none" rtlCol="0">
-            <a:spAutoFit/>
-          </a:bodyPr>
-          <a:lstStyle/>
-          <a:p>
-            <a:r>
-              <a:rPr lang="ja-JP" altLang="en-US" sz="1000" dirty="0"/>
-              <a:t>入力してください。</a:t>
-            </a:r>
-            <a:endParaRPr kumimoji="1" lang="ja-JP" altLang="en-US" sz="1000" dirty="0"/>
-          </a:p>
-        </p:txBody>
-      </p:sp>
-      <p:grpSp>
-        <p:nvGrpSpPr>
-          <p:cNvPr id="43" name="グループ化 42">
-            <a:extLst>
-              <a:ext uri="{FF2B5EF4-FFF2-40B4-BE49-F238E27FC236}">
-                <a16:creationId xmlns:a16="http://schemas.microsoft.com/office/drawing/2014/main" id="{15044B68-E4D0-412C-A362-D592C6EC9E89}"/>
-              </a:ext>
-            </a:extLst>
-          </p:cNvPr>
-          <p:cNvGrpSpPr/>
-          <p:nvPr/>
-        </p:nvGrpSpPr>
-        <p:grpSpPr>
-          <a:xfrm>
-            <a:off x="856186" y="2255585"/>
-            <a:ext cx="540899" cy="246221"/>
-            <a:chOff x="856186" y="2255585"/>
-            <a:chExt cx="540899" cy="246221"/>
-          </a:xfrm>
-        </p:grpSpPr>
-        <p:sp>
-          <p:nvSpPr>
-            <p:cNvPr id="41" name="正方形/長方形 40">
-              <a:extLst>
-                <a:ext uri="{FF2B5EF4-FFF2-40B4-BE49-F238E27FC236}">
-                  <a16:creationId xmlns:a16="http://schemas.microsoft.com/office/drawing/2014/main" id="{2C691349-D6DE-4B4B-9EC6-ABF5DC224FE2}"/>
-                </a:ext>
-              </a:extLst>
-            </p:cNvPr>
-            <p:cNvSpPr/>
-            <p:nvPr/>
-          </p:nvSpPr>
-          <p:spPr>
-            <a:xfrm>
-              <a:off x="856186" y="2321917"/>
-              <a:ext cx="99753" cy="99753"/>
-            </a:xfrm>
-            <a:prstGeom prst="rect">
-              <a:avLst/>
-            </a:prstGeom>
-            <a:solidFill>
-              <a:schemeClr val="bg1"/>
-            </a:solidFill>
-            <a:ln>
-              <a:solidFill>
-                <a:schemeClr val="accent1">
-                  <a:lumMod val="50000"/>
-                </a:schemeClr>
-              </a:solidFill>
-            </a:ln>
-          </p:spPr>
-          <p:style>
-            <a:lnRef idx="2">
-              <a:schemeClr val="accent1">
-                <a:shade val="50000"/>
-              </a:schemeClr>
-            </a:lnRef>
-            <a:fillRef idx="1">
-              <a:schemeClr val="accent1"/>
-            </a:fillRef>
-            <a:effectRef idx="0">
-              <a:schemeClr val="accent1"/>
-            </a:effectRef>
-            <a:fontRef idx="minor">
-              <a:schemeClr val="lt1"/>
-            </a:fontRef>
-          </p:style>
-          <p:txBody>
-            <a:bodyPr rtlCol="0" anchor="ctr"/>
-            <a:lstStyle/>
-            <a:p>
-              <a:pPr algn="ctr"/>
-              <a:endParaRPr kumimoji="1" lang="ja-JP" altLang="en-US"/>
-            </a:p>
-          </p:txBody>
-        </p:sp>
-        <p:sp>
-          <p:nvSpPr>
-            <p:cNvPr id="42" name="テキスト ボックス 41">
-              <a:extLst>
-                <a:ext uri="{FF2B5EF4-FFF2-40B4-BE49-F238E27FC236}">
-                  <a16:creationId xmlns:a16="http://schemas.microsoft.com/office/drawing/2014/main" id="{8A969086-D4F5-4EA5-8742-7DA9537D6626}"/>
-                </a:ext>
-              </a:extLst>
-            </p:cNvPr>
-            <p:cNvSpPr txBox="1"/>
-            <p:nvPr/>
-          </p:nvSpPr>
-          <p:spPr>
-            <a:xfrm>
-              <a:off x="955939" y="2255585"/>
-              <a:ext cx="441146" cy="246221"/>
-            </a:xfrm>
-            <a:prstGeom prst="rect">
-              <a:avLst/>
-            </a:prstGeom>
-            <a:noFill/>
-          </p:spPr>
-          <p:txBody>
-            <a:bodyPr wrap="none" rtlCol="0">
-              <a:spAutoFit/>
-            </a:bodyPr>
-            <a:lstStyle/>
-            <a:p>
-              <a:r>
-                <a:rPr kumimoji="1" lang="ja-JP" altLang="en-US" sz="1000" dirty="0"/>
-                <a:t>採用</a:t>
-              </a:r>
-            </a:p>
-          </p:txBody>
-        </p:sp>
-      </p:grpSp>
-      <p:grpSp>
-        <p:nvGrpSpPr>
-          <p:cNvPr id="45" name="グループ化 44">
-            <a:extLst>
-              <a:ext uri="{FF2B5EF4-FFF2-40B4-BE49-F238E27FC236}">
-                <a16:creationId xmlns:a16="http://schemas.microsoft.com/office/drawing/2014/main" id="{E7FE7A25-D75C-4179-A4D1-D4CC5F47A391}"/>
-              </a:ext>
-            </a:extLst>
-          </p:cNvPr>
-          <p:cNvGrpSpPr/>
-          <p:nvPr/>
-        </p:nvGrpSpPr>
-        <p:grpSpPr>
-          <a:xfrm>
-            <a:off x="851746" y="2480040"/>
-            <a:ext cx="540899" cy="246221"/>
-            <a:chOff x="856186" y="2255585"/>
-            <a:chExt cx="540899" cy="246221"/>
-          </a:xfrm>
-        </p:grpSpPr>
-        <p:sp>
-          <p:nvSpPr>
-            <p:cNvPr id="46" name="正方形/長方形 45">
-              <a:extLst>
-                <a:ext uri="{FF2B5EF4-FFF2-40B4-BE49-F238E27FC236}">
-                  <a16:creationId xmlns:a16="http://schemas.microsoft.com/office/drawing/2014/main" id="{7A2744E7-8518-4C4F-8DCA-ACB26D8E1F01}"/>
-                </a:ext>
-              </a:extLst>
-            </p:cNvPr>
-            <p:cNvSpPr/>
-            <p:nvPr/>
-          </p:nvSpPr>
-          <p:spPr>
-            <a:xfrm>
-              <a:off x="856186" y="2321917"/>
-              <a:ext cx="99753" cy="99753"/>
-            </a:xfrm>
-            <a:prstGeom prst="rect">
-              <a:avLst/>
-            </a:prstGeom>
-            <a:solidFill>
-              <a:schemeClr val="bg1"/>
-            </a:solidFill>
-            <a:ln>
-              <a:solidFill>
-                <a:schemeClr val="accent1">
-                  <a:lumMod val="50000"/>
-                </a:schemeClr>
-              </a:solidFill>
-            </a:ln>
-          </p:spPr>
-          <p:style>
-            <a:lnRef idx="2">
-              <a:schemeClr val="accent1">
-                <a:shade val="50000"/>
-              </a:schemeClr>
-            </a:lnRef>
-            <a:fillRef idx="1">
-              <a:schemeClr val="accent1"/>
-            </a:fillRef>
-            <a:effectRef idx="0">
-              <a:schemeClr val="accent1"/>
-            </a:effectRef>
-            <a:fontRef idx="minor">
-              <a:schemeClr val="lt1"/>
-            </a:fontRef>
-          </p:style>
-          <p:txBody>
-            <a:bodyPr rtlCol="0" anchor="ctr"/>
-            <a:lstStyle/>
-            <a:p>
-              <a:pPr algn="ctr"/>
-              <a:endParaRPr kumimoji="1" lang="ja-JP" altLang="en-US"/>
-            </a:p>
-          </p:txBody>
-        </p:sp>
-        <p:sp>
-          <p:nvSpPr>
-            <p:cNvPr id="47" name="テキスト ボックス 46">
-              <a:extLst>
-                <a:ext uri="{FF2B5EF4-FFF2-40B4-BE49-F238E27FC236}">
-                  <a16:creationId xmlns:a16="http://schemas.microsoft.com/office/drawing/2014/main" id="{9965B988-FBE7-4499-AB3F-67BB501DE761}"/>
-                </a:ext>
-              </a:extLst>
-            </p:cNvPr>
-            <p:cNvSpPr txBox="1"/>
-            <p:nvPr/>
-          </p:nvSpPr>
-          <p:spPr>
-            <a:xfrm>
-              <a:off x="955939" y="2255585"/>
-              <a:ext cx="441146" cy="246221"/>
-            </a:xfrm>
-            <a:prstGeom prst="rect">
-              <a:avLst/>
-            </a:prstGeom>
-            <a:noFill/>
-          </p:spPr>
-          <p:txBody>
-            <a:bodyPr wrap="none" rtlCol="0">
-              <a:spAutoFit/>
-            </a:bodyPr>
-            <a:lstStyle/>
-            <a:p>
-              <a:r>
-                <a:rPr kumimoji="1" lang="ja-JP" altLang="en-US" sz="1000" dirty="0"/>
-                <a:t>営業</a:t>
-              </a:r>
-            </a:p>
-          </p:txBody>
-        </p:sp>
-      </p:grpSp>
-      <p:grpSp>
-        <p:nvGrpSpPr>
-          <p:cNvPr id="48" name="グループ化 47">
-            <a:extLst>
-              <a:ext uri="{FF2B5EF4-FFF2-40B4-BE49-F238E27FC236}">
-                <a16:creationId xmlns:a16="http://schemas.microsoft.com/office/drawing/2014/main" id="{D23490A2-1745-403B-A2BB-34C7C618CBE6}"/>
-              </a:ext>
-            </a:extLst>
-          </p:cNvPr>
-          <p:cNvGrpSpPr/>
-          <p:nvPr/>
-        </p:nvGrpSpPr>
-        <p:grpSpPr>
-          <a:xfrm>
-            <a:off x="851746" y="2956409"/>
-            <a:ext cx="540899" cy="246221"/>
-            <a:chOff x="856186" y="2255585"/>
-            <a:chExt cx="540899" cy="246221"/>
-          </a:xfrm>
-        </p:grpSpPr>
-        <p:sp>
-          <p:nvSpPr>
-            <p:cNvPr id="49" name="正方形/長方形 48">
-              <a:extLst>
-                <a:ext uri="{FF2B5EF4-FFF2-40B4-BE49-F238E27FC236}">
-                  <a16:creationId xmlns:a16="http://schemas.microsoft.com/office/drawing/2014/main" id="{6AE6A572-07CD-4F10-9F5C-09A967DD68B2}"/>
-                </a:ext>
-              </a:extLst>
-            </p:cNvPr>
-            <p:cNvSpPr/>
-            <p:nvPr/>
-          </p:nvSpPr>
-          <p:spPr>
-            <a:xfrm>
-              <a:off x="856186" y="2321917"/>
-              <a:ext cx="99753" cy="99753"/>
-            </a:xfrm>
-            <a:prstGeom prst="rect">
-              <a:avLst/>
-            </a:prstGeom>
-            <a:solidFill>
-              <a:schemeClr val="bg1"/>
-            </a:solidFill>
-            <a:ln>
-              <a:solidFill>
-                <a:schemeClr val="accent1">
-                  <a:lumMod val="50000"/>
-                </a:schemeClr>
-              </a:solidFill>
-            </a:ln>
-          </p:spPr>
-          <p:style>
-            <a:lnRef idx="2">
-              <a:schemeClr val="accent1">
-                <a:shade val="50000"/>
-              </a:schemeClr>
-            </a:lnRef>
-            <a:fillRef idx="1">
-              <a:schemeClr val="accent1"/>
-            </a:fillRef>
-            <a:effectRef idx="0">
-              <a:schemeClr val="accent1"/>
-            </a:effectRef>
-            <a:fontRef idx="minor">
-              <a:schemeClr val="lt1"/>
-            </a:fontRef>
-          </p:style>
-          <p:txBody>
-            <a:bodyPr rtlCol="0" anchor="ctr"/>
-            <a:lstStyle/>
-            <a:p>
-              <a:pPr algn="ctr"/>
-              <a:endParaRPr kumimoji="1" lang="ja-JP" altLang="en-US"/>
-            </a:p>
-          </p:txBody>
-        </p:sp>
-        <p:sp>
-          <p:nvSpPr>
-            <p:cNvPr id="50" name="テキスト ボックス 49">
-              <a:extLst>
-                <a:ext uri="{FF2B5EF4-FFF2-40B4-BE49-F238E27FC236}">
-                  <a16:creationId xmlns:a16="http://schemas.microsoft.com/office/drawing/2014/main" id="{ECBBE3AD-83A2-4580-BD0E-1F8E52E7B1AB}"/>
-                </a:ext>
-              </a:extLst>
-            </p:cNvPr>
-            <p:cNvSpPr txBox="1"/>
-            <p:nvPr/>
-          </p:nvSpPr>
-          <p:spPr>
-            <a:xfrm>
-              <a:off x="955939" y="2255585"/>
-              <a:ext cx="441146" cy="246221"/>
-            </a:xfrm>
-            <a:prstGeom prst="rect">
-              <a:avLst/>
-            </a:prstGeom>
-            <a:noFill/>
-          </p:spPr>
-          <p:txBody>
-            <a:bodyPr wrap="none" rtlCol="0">
-              <a:spAutoFit/>
-            </a:bodyPr>
-            <a:lstStyle/>
-            <a:p>
-              <a:r>
-                <a:rPr lang="ja-JP" altLang="en-US" sz="1000" dirty="0"/>
-                <a:t>製造</a:t>
-              </a:r>
-              <a:endParaRPr kumimoji="1" lang="ja-JP" altLang="en-US" sz="1000" dirty="0"/>
-            </a:p>
-          </p:txBody>
-        </p:sp>
-      </p:grpSp>
-      <p:grpSp>
-        <p:nvGrpSpPr>
-          <p:cNvPr id="51" name="グループ化 50">
-            <a:extLst>
-              <a:ext uri="{FF2B5EF4-FFF2-40B4-BE49-F238E27FC236}">
-                <a16:creationId xmlns:a16="http://schemas.microsoft.com/office/drawing/2014/main" id="{7882C6BC-F4CC-44B2-A992-5F022E6DF197}"/>
-              </a:ext>
-            </a:extLst>
-          </p:cNvPr>
-          <p:cNvGrpSpPr/>
-          <p:nvPr/>
-        </p:nvGrpSpPr>
-        <p:grpSpPr>
-          <a:xfrm>
-            <a:off x="851746" y="2705916"/>
-            <a:ext cx="540899" cy="246221"/>
-            <a:chOff x="856186" y="2255585"/>
-            <a:chExt cx="540899" cy="246221"/>
-          </a:xfrm>
-        </p:grpSpPr>
-        <p:sp>
-          <p:nvSpPr>
-            <p:cNvPr id="52" name="正方形/長方形 51">
-              <a:extLst>
-                <a:ext uri="{FF2B5EF4-FFF2-40B4-BE49-F238E27FC236}">
-                  <a16:creationId xmlns:a16="http://schemas.microsoft.com/office/drawing/2014/main" id="{337B8340-04EE-481D-ABCD-0167869FD8C6}"/>
-                </a:ext>
-              </a:extLst>
-            </p:cNvPr>
-            <p:cNvSpPr/>
-            <p:nvPr/>
-          </p:nvSpPr>
-          <p:spPr>
-            <a:xfrm>
-              <a:off x="856186" y="2321917"/>
-              <a:ext cx="99753" cy="99753"/>
-            </a:xfrm>
-            <a:prstGeom prst="rect">
-              <a:avLst/>
-            </a:prstGeom>
-            <a:solidFill>
-              <a:schemeClr val="bg1"/>
-            </a:solidFill>
-            <a:ln>
-              <a:solidFill>
-                <a:schemeClr val="accent1">
-                  <a:lumMod val="50000"/>
-                </a:schemeClr>
-              </a:solidFill>
-            </a:ln>
-          </p:spPr>
-          <p:style>
-            <a:lnRef idx="2">
-              <a:schemeClr val="accent1">
-                <a:shade val="50000"/>
-              </a:schemeClr>
-            </a:lnRef>
-            <a:fillRef idx="1">
-              <a:schemeClr val="accent1"/>
-            </a:fillRef>
-            <a:effectRef idx="0">
-              <a:schemeClr val="accent1"/>
-            </a:effectRef>
-            <a:fontRef idx="minor">
-              <a:schemeClr val="lt1"/>
-            </a:fontRef>
-          </p:style>
-          <p:txBody>
-            <a:bodyPr rtlCol="0" anchor="ctr"/>
-            <a:lstStyle/>
-            <a:p>
-              <a:pPr algn="ctr"/>
-              <a:endParaRPr kumimoji="1" lang="ja-JP" altLang="en-US"/>
-            </a:p>
-          </p:txBody>
-        </p:sp>
-        <p:sp>
-          <p:nvSpPr>
-            <p:cNvPr id="53" name="テキスト ボックス 52">
-              <a:extLst>
-                <a:ext uri="{FF2B5EF4-FFF2-40B4-BE49-F238E27FC236}">
-                  <a16:creationId xmlns:a16="http://schemas.microsoft.com/office/drawing/2014/main" id="{02F5F342-8B11-4FFE-B27A-FB015106E537}"/>
-                </a:ext>
-              </a:extLst>
-            </p:cNvPr>
-            <p:cNvSpPr txBox="1"/>
-            <p:nvPr/>
-          </p:nvSpPr>
-          <p:spPr>
-            <a:xfrm>
-              <a:off x="955939" y="2255585"/>
-              <a:ext cx="441146" cy="246221"/>
-            </a:xfrm>
-            <a:prstGeom prst="rect">
-              <a:avLst/>
-            </a:prstGeom>
-            <a:noFill/>
-          </p:spPr>
-          <p:txBody>
-            <a:bodyPr wrap="none" rtlCol="0">
-              <a:spAutoFit/>
-            </a:bodyPr>
-            <a:lstStyle/>
-            <a:p>
-              <a:r>
-                <a:rPr kumimoji="1" lang="ja-JP" altLang="en-US" sz="1000" dirty="0"/>
-                <a:t>広報</a:t>
-              </a:r>
-            </a:p>
-          </p:txBody>
-        </p:sp>
-      </p:grpSp>
-      <p:grpSp>
-        <p:nvGrpSpPr>
-          <p:cNvPr id="54" name="グループ化 53">
-            <a:extLst>
-              <a:ext uri="{FF2B5EF4-FFF2-40B4-BE49-F238E27FC236}">
-                <a16:creationId xmlns:a16="http://schemas.microsoft.com/office/drawing/2014/main" id="{CF7FE8C3-1A16-4B15-B6F0-EF8D3B241943}"/>
-              </a:ext>
-            </a:extLst>
-          </p:cNvPr>
-          <p:cNvGrpSpPr/>
-          <p:nvPr/>
-        </p:nvGrpSpPr>
-        <p:grpSpPr>
-          <a:xfrm>
-            <a:off x="859839" y="3173394"/>
-            <a:ext cx="1053860" cy="246221"/>
-            <a:chOff x="856186" y="2255585"/>
-            <a:chExt cx="1053860" cy="246221"/>
-          </a:xfrm>
-        </p:grpSpPr>
-        <p:sp>
-          <p:nvSpPr>
-            <p:cNvPr id="55" name="正方形/長方形 54">
-              <a:extLst>
-                <a:ext uri="{FF2B5EF4-FFF2-40B4-BE49-F238E27FC236}">
-                  <a16:creationId xmlns:a16="http://schemas.microsoft.com/office/drawing/2014/main" id="{1482300B-A1E7-4BBE-8035-9693537A3608}"/>
-                </a:ext>
-              </a:extLst>
-            </p:cNvPr>
-            <p:cNvSpPr/>
-            <p:nvPr/>
-          </p:nvSpPr>
-          <p:spPr>
-            <a:xfrm>
-              <a:off x="856186" y="2321917"/>
-              <a:ext cx="99753" cy="99753"/>
-            </a:xfrm>
-            <a:prstGeom prst="rect">
-              <a:avLst/>
-            </a:prstGeom>
-            <a:solidFill>
-              <a:schemeClr val="bg1"/>
-            </a:solidFill>
-            <a:ln>
-              <a:solidFill>
-                <a:schemeClr val="accent1">
-                  <a:lumMod val="50000"/>
-                </a:schemeClr>
-              </a:solidFill>
-            </a:ln>
-          </p:spPr>
-          <p:style>
-            <a:lnRef idx="2">
-              <a:schemeClr val="accent1">
-                <a:shade val="50000"/>
-              </a:schemeClr>
-            </a:lnRef>
-            <a:fillRef idx="1">
-              <a:schemeClr val="accent1"/>
-            </a:fillRef>
-            <a:effectRef idx="0">
-              <a:schemeClr val="accent1"/>
-            </a:effectRef>
-            <a:fontRef idx="minor">
-              <a:schemeClr val="lt1"/>
-            </a:fontRef>
-          </p:style>
-          <p:txBody>
-            <a:bodyPr rtlCol="0" anchor="ctr"/>
-            <a:lstStyle/>
-            <a:p>
-              <a:pPr algn="ctr"/>
-              <a:endParaRPr kumimoji="1" lang="ja-JP" altLang="en-US"/>
-            </a:p>
-          </p:txBody>
-        </p:sp>
-        <p:sp>
-          <p:nvSpPr>
-            <p:cNvPr id="56" name="テキスト ボックス 55">
-              <a:extLst>
-                <a:ext uri="{FF2B5EF4-FFF2-40B4-BE49-F238E27FC236}">
-                  <a16:creationId xmlns:a16="http://schemas.microsoft.com/office/drawing/2014/main" id="{2ADB957E-DEDE-4337-A352-4CA6D86AE1C1}"/>
-                </a:ext>
-              </a:extLst>
-            </p:cNvPr>
-            <p:cNvSpPr txBox="1"/>
-            <p:nvPr/>
-          </p:nvSpPr>
-          <p:spPr>
-            <a:xfrm>
-              <a:off x="955939" y="2255585"/>
-              <a:ext cx="954107" cy="246221"/>
-            </a:xfrm>
-            <a:prstGeom prst="rect">
-              <a:avLst/>
-            </a:prstGeom>
-            <a:noFill/>
-          </p:spPr>
-          <p:txBody>
-            <a:bodyPr wrap="none" rtlCol="0">
-              <a:spAutoFit/>
-            </a:bodyPr>
-            <a:lstStyle/>
-            <a:p>
-              <a:r>
-                <a:rPr lang="ja-JP" altLang="en-US" sz="1000" dirty="0"/>
-                <a:t>システム開発</a:t>
-              </a:r>
-              <a:endParaRPr kumimoji="1" lang="ja-JP" altLang="en-US" sz="1000" dirty="0"/>
-            </a:p>
-          </p:txBody>
-        </p:sp>
-      </p:grpSp>
-      <p:grpSp>
-        <p:nvGrpSpPr>
-          <p:cNvPr id="57" name="グループ化 56">
-            <a:extLst>
-              <a:ext uri="{FF2B5EF4-FFF2-40B4-BE49-F238E27FC236}">
-                <a16:creationId xmlns:a16="http://schemas.microsoft.com/office/drawing/2014/main" id="{0EE18DCF-901E-44E5-AEF1-C25538A6FFBA}"/>
-              </a:ext>
-            </a:extLst>
-          </p:cNvPr>
-          <p:cNvGrpSpPr/>
-          <p:nvPr/>
-        </p:nvGrpSpPr>
-        <p:grpSpPr>
-          <a:xfrm>
-            <a:off x="855399" y="3397849"/>
-            <a:ext cx="540899" cy="246221"/>
-            <a:chOff x="856186" y="2255585"/>
-            <a:chExt cx="540899" cy="246221"/>
-          </a:xfrm>
-        </p:grpSpPr>
-        <p:sp>
-          <p:nvSpPr>
-            <p:cNvPr id="58" name="正方形/長方形 57">
-              <a:extLst>
-                <a:ext uri="{FF2B5EF4-FFF2-40B4-BE49-F238E27FC236}">
-                  <a16:creationId xmlns:a16="http://schemas.microsoft.com/office/drawing/2014/main" id="{7A4ACA72-B2DB-4DC3-965F-27C2368CD0B7}"/>
-                </a:ext>
-              </a:extLst>
-            </p:cNvPr>
-            <p:cNvSpPr/>
-            <p:nvPr/>
-          </p:nvSpPr>
-          <p:spPr>
-            <a:xfrm>
-              <a:off x="856186" y="2321917"/>
-              <a:ext cx="99753" cy="99753"/>
-            </a:xfrm>
-            <a:prstGeom prst="rect">
-              <a:avLst/>
-            </a:prstGeom>
-            <a:solidFill>
-              <a:schemeClr val="bg1"/>
-            </a:solidFill>
-            <a:ln>
-              <a:solidFill>
-                <a:schemeClr val="accent1">
-                  <a:lumMod val="50000"/>
-                </a:schemeClr>
-              </a:solidFill>
-            </a:ln>
-          </p:spPr>
-          <p:style>
-            <a:lnRef idx="2">
-              <a:schemeClr val="accent1">
-                <a:shade val="50000"/>
-              </a:schemeClr>
-            </a:lnRef>
-            <a:fillRef idx="1">
-              <a:schemeClr val="accent1"/>
-            </a:fillRef>
-            <a:effectRef idx="0">
-              <a:schemeClr val="accent1"/>
-            </a:effectRef>
-            <a:fontRef idx="minor">
-              <a:schemeClr val="lt1"/>
-            </a:fontRef>
-          </p:style>
-          <p:txBody>
-            <a:bodyPr rtlCol="0" anchor="ctr"/>
-            <a:lstStyle/>
-            <a:p>
-              <a:pPr algn="ctr"/>
-              <a:endParaRPr kumimoji="1" lang="ja-JP" altLang="en-US"/>
-            </a:p>
-          </p:txBody>
-        </p:sp>
-        <p:sp>
-          <p:nvSpPr>
-            <p:cNvPr id="59" name="テキスト ボックス 58">
-              <a:extLst>
-                <a:ext uri="{FF2B5EF4-FFF2-40B4-BE49-F238E27FC236}">
-                  <a16:creationId xmlns:a16="http://schemas.microsoft.com/office/drawing/2014/main" id="{50F6264A-ED01-4837-A752-71A58523A064}"/>
-                </a:ext>
-              </a:extLst>
-            </p:cNvPr>
-            <p:cNvSpPr txBox="1"/>
-            <p:nvPr/>
-          </p:nvSpPr>
-          <p:spPr>
-            <a:xfrm>
-              <a:off x="955939" y="2255585"/>
-              <a:ext cx="441146" cy="246221"/>
-            </a:xfrm>
-            <a:prstGeom prst="rect">
-              <a:avLst/>
-            </a:prstGeom>
-            <a:noFill/>
-          </p:spPr>
-          <p:txBody>
-            <a:bodyPr wrap="none" rtlCol="0">
-              <a:spAutoFit/>
-            </a:bodyPr>
-            <a:lstStyle/>
-            <a:p>
-              <a:r>
-                <a:rPr lang="ja-JP" altLang="en-US" sz="1000" dirty="0"/>
-                <a:t>広告</a:t>
-              </a:r>
-              <a:endParaRPr kumimoji="1" lang="ja-JP" altLang="en-US" sz="1000" dirty="0"/>
-            </a:p>
-          </p:txBody>
-        </p:sp>
-      </p:grpSp>
-      <p:grpSp>
-        <p:nvGrpSpPr>
-          <p:cNvPr id="60" name="グループ化 59">
-            <a:extLst>
-              <a:ext uri="{FF2B5EF4-FFF2-40B4-BE49-F238E27FC236}">
-                <a16:creationId xmlns:a16="http://schemas.microsoft.com/office/drawing/2014/main" id="{D3D1B453-7F83-4BB3-AD8B-232223EFE84C}"/>
-              </a:ext>
-            </a:extLst>
-          </p:cNvPr>
-          <p:cNvGrpSpPr/>
-          <p:nvPr/>
-        </p:nvGrpSpPr>
-        <p:grpSpPr>
-          <a:xfrm>
-            <a:off x="855399" y="3874218"/>
-            <a:ext cx="797380" cy="246221"/>
-            <a:chOff x="856186" y="2255585"/>
-            <a:chExt cx="797380" cy="246221"/>
-          </a:xfrm>
-        </p:grpSpPr>
-        <p:sp>
-          <p:nvSpPr>
-            <p:cNvPr id="61" name="正方形/長方形 60">
-              <a:extLst>
-                <a:ext uri="{FF2B5EF4-FFF2-40B4-BE49-F238E27FC236}">
-                  <a16:creationId xmlns:a16="http://schemas.microsoft.com/office/drawing/2014/main" id="{3B1F28AF-0BE6-4C59-A862-6545736E01A6}"/>
-                </a:ext>
-              </a:extLst>
-            </p:cNvPr>
-            <p:cNvSpPr/>
-            <p:nvPr/>
-          </p:nvSpPr>
-          <p:spPr>
-            <a:xfrm>
-              <a:off x="856186" y="2321917"/>
-              <a:ext cx="99753" cy="99753"/>
-            </a:xfrm>
-            <a:prstGeom prst="rect">
-              <a:avLst/>
-            </a:prstGeom>
-            <a:solidFill>
-              <a:schemeClr val="bg1"/>
-            </a:solidFill>
-            <a:ln>
-              <a:solidFill>
-                <a:schemeClr val="accent1">
-                  <a:lumMod val="50000"/>
-                </a:schemeClr>
-              </a:solidFill>
-            </a:ln>
-          </p:spPr>
-          <p:style>
-            <a:lnRef idx="2">
-              <a:schemeClr val="accent1">
-                <a:shade val="50000"/>
-              </a:schemeClr>
-            </a:lnRef>
-            <a:fillRef idx="1">
-              <a:schemeClr val="accent1"/>
-            </a:fillRef>
-            <a:effectRef idx="0">
-              <a:schemeClr val="accent1"/>
-            </a:effectRef>
-            <a:fontRef idx="minor">
-              <a:schemeClr val="lt1"/>
-            </a:fontRef>
-          </p:style>
-          <p:txBody>
-            <a:bodyPr rtlCol="0" anchor="ctr"/>
-            <a:lstStyle/>
-            <a:p>
-              <a:pPr algn="ctr"/>
-              <a:endParaRPr kumimoji="1" lang="ja-JP" altLang="en-US"/>
-            </a:p>
-          </p:txBody>
-        </p:sp>
-        <p:sp>
-          <p:nvSpPr>
-            <p:cNvPr id="62" name="テキスト ボックス 61">
-              <a:extLst>
-                <a:ext uri="{FF2B5EF4-FFF2-40B4-BE49-F238E27FC236}">
-                  <a16:creationId xmlns:a16="http://schemas.microsoft.com/office/drawing/2014/main" id="{AED3315B-E348-4110-A131-E8D81ED09E6C}"/>
-                </a:ext>
-              </a:extLst>
-            </p:cNvPr>
-            <p:cNvSpPr txBox="1"/>
-            <p:nvPr/>
-          </p:nvSpPr>
-          <p:spPr>
-            <a:xfrm>
-              <a:off x="955939" y="2255585"/>
-              <a:ext cx="697627" cy="246221"/>
-            </a:xfrm>
-            <a:prstGeom prst="rect">
-              <a:avLst/>
-            </a:prstGeom>
-            <a:noFill/>
-          </p:spPr>
-          <p:txBody>
-            <a:bodyPr wrap="none" rtlCol="0">
-              <a:spAutoFit/>
-            </a:bodyPr>
-            <a:lstStyle/>
-            <a:p>
-              <a:r>
-                <a:rPr kumimoji="1" lang="ja-JP" altLang="en-US" sz="1000" dirty="0"/>
-                <a:t>テキスト</a:t>
-              </a:r>
-            </a:p>
-          </p:txBody>
-        </p:sp>
-      </p:grpSp>
-      <p:grpSp>
-        <p:nvGrpSpPr>
-          <p:cNvPr id="63" name="グループ化 62">
-            <a:extLst>
-              <a:ext uri="{FF2B5EF4-FFF2-40B4-BE49-F238E27FC236}">
-                <a16:creationId xmlns:a16="http://schemas.microsoft.com/office/drawing/2014/main" id="{78E3921D-AAD9-47AC-9F8B-1A4B93600673}"/>
-              </a:ext>
-            </a:extLst>
-          </p:cNvPr>
-          <p:cNvGrpSpPr/>
-          <p:nvPr/>
-        </p:nvGrpSpPr>
-        <p:grpSpPr>
-          <a:xfrm>
-            <a:off x="855399" y="3623725"/>
-            <a:ext cx="797380" cy="246221"/>
-            <a:chOff x="856186" y="2255585"/>
-            <a:chExt cx="797380" cy="246221"/>
-          </a:xfrm>
-        </p:grpSpPr>
-        <p:sp>
-          <p:nvSpPr>
-            <p:cNvPr id="64" name="正方形/長方形 63">
-              <a:extLst>
-                <a:ext uri="{FF2B5EF4-FFF2-40B4-BE49-F238E27FC236}">
-                  <a16:creationId xmlns:a16="http://schemas.microsoft.com/office/drawing/2014/main" id="{EF142D10-81DB-4E37-B9E9-85C242F4CD79}"/>
-                </a:ext>
-              </a:extLst>
-            </p:cNvPr>
-            <p:cNvSpPr/>
-            <p:nvPr/>
-          </p:nvSpPr>
-          <p:spPr>
-            <a:xfrm>
-              <a:off x="856186" y="2321917"/>
-              <a:ext cx="99753" cy="99753"/>
-            </a:xfrm>
-            <a:prstGeom prst="rect">
-              <a:avLst/>
-            </a:prstGeom>
-            <a:solidFill>
-              <a:schemeClr val="bg1"/>
-            </a:solidFill>
-            <a:ln>
-              <a:solidFill>
-                <a:schemeClr val="accent1">
-                  <a:lumMod val="50000"/>
-                </a:schemeClr>
-              </a:solidFill>
-            </a:ln>
-          </p:spPr>
-          <p:style>
-            <a:lnRef idx="2">
-              <a:schemeClr val="accent1">
-                <a:shade val="50000"/>
-              </a:schemeClr>
-            </a:lnRef>
-            <a:fillRef idx="1">
-              <a:schemeClr val="accent1"/>
-            </a:fillRef>
-            <a:effectRef idx="0">
-              <a:schemeClr val="accent1"/>
-            </a:effectRef>
-            <a:fontRef idx="minor">
-              <a:schemeClr val="lt1"/>
-            </a:fontRef>
-          </p:style>
-          <p:txBody>
-            <a:bodyPr rtlCol="0" anchor="ctr"/>
-            <a:lstStyle/>
-            <a:p>
-              <a:pPr algn="ctr"/>
-              <a:endParaRPr kumimoji="1" lang="ja-JP" altLang="en-US"/>
-            </a:p>
-          </p:txBody>
-        </p:sp>
-        <p:sp>
-          <p:nvSpPr>
-            <p:cNvPr id="65" name="テキスト ボックス 64">
-              <a:extLst>
-                <a:ext uri="{FF2B5EF4-FFF2-40B4-BE49-F238E27FC236}">
-                  <a16:creationId xmlns:a16="http://schemas.microsoft.com/office/drawing/2014/main" id="{6B45F4D4-4296-4DB5-A65F-00EB75F1578E}"/>
-                </a:ext>
-              </a:extLst>
-            </p:cNvPr>
-            <p:cNvSpPr txBox="1"/>
-            <p:nvPr/>
-          </p:nvSpPr>
-          <p:spPr>
-            <a:xfrm>
-              <a:off x="955939" y="2255585"/>
-              <a:ext cx="697627" cy="246221"/>
-            </a:xfrm>
-            <a:prstGeom prst="rect">
-              <a:avLst/>
-            </a:prstGeom>
-            <a:noFill/>
-          </p:spPr>
-          <p:txBody>
-            <a:bodyPr wrap="none" rtlCol="0">
-              <a:spAutoFit/>
-            </a:bodyPr>
-            <a:lstStyle/>
-            <a:p>
-              <a:r>
-                <a:rPr lang="ja-JP" altLang="en-US" sz="1000" dirty="0"/>
-                <a:t>テキスト</a:t>
-              </a:r>
-              <a:endParaRPr kumimoji="1" lang="ja-JP" altLang="en-US" sz="1000" dirty="0"/>
-            </a:p>
-          </p:txBody>
-        </p:sp>
-      </p:grpSp>
-      <p:sp>
-        <p:nvSpPr>
-          <p:cNvPr id="123" name="正方形/長方形 122">
-            <a:extLst>
-              <a:ext uri="{FF2B5EF4-FFF2-40B4-BE49-F238E27FC236}">
-                <a16:creationId xmlns:a16="http://schemas.microsoft.com/office/drawing/2014/main" id="{10ACD6F4-5C74-4A53-A074-471E17F22670}"/>
-              </a:ext>
-            </a:extLst>
-          </p:cNvPr>
-          <p:cNvSpPr/>
-          <p:nvPr/>
-        </p:nvSpPr>
-        <p:spPr>
-          <a:xfrm>
-            <a:off x="6347038" y="971866"/>
-            <a:ext cx="5372793" cy="5794693"/>
-          </a:xfrm>
-          <a:prstGeom prst="rect">
-            <a:avLst/>
-          </a:prstGeom>
-          <a:noFill/>
-          <a:ln w="3175">
-            <a:solidFill>
-              <a:schemeClr val="tx1"/>
-            </a:solidFill>
-          </a:ln>
-        </p:spPr>
-        <p:style>
-          <a:lnRef idx="2">
-            <a:schemeClr val="accent1">
-              <a:shade val="50000"/>
-            </a:schemeClr>
-          </a:lnRef>
-          <a:fillRef idx="1">
-            <a:schemeClr val="accent1"/>
-          </a:fillRef>
-          <a:effectRef idx="0">
-            <a:schemeClr val="accent1"/>
-          </a:effectRef>
-          <a:fontRef idx="minor">
-            <a:schemeClr val="lt1"/>
-          </a:fontRef>
-        </p:style>
-        <p:txBody>
-          <a:bodyPr rtlCol="0" anchor="ctr"/>
-          <a:lstStyle/>
-          <a:p>
-            <a:pPr algn="ctr"/>
-            <a:endParaRPr kumimoji="1" lang="ja-JP" altLang="en-US" dirty="0"/>
-          </a:p>
-        </p:txBody>
-      </p:sp>
-      <p:sp>
-        <p:nvSpPr>
-          <p:cNvPr id="124" name="正方形/長方形 123">
-            <a:extLst>
-              <a:ext uri="{FF2B5EF4-FFF2-40B4-BE49-F238E27FC236}">
-                <a16:creationId xmlns:a16="http://schemas.microsoft.com/office/drawing/2014/main" id="{7D1F1DF3-8DD0-4C63-AA38-25CEA1B440F2}"/>
-              </a:ext>
-            </a:extLst>
-          </p:cNvPr>
-          <p:cNvSpPr/>
-          <p:nvPr/>
-        </p:nvSpPr>
-        <p:spPr>
-          <a:xfrm>
-            <a:off x="6410772" y="1055715"/>
-            <a:ext cx="914400" cy="282634"/>
-          </a:xfrm>
-          <a:prstGeom prst="rect">
-            <a:avLst/>
-          </a:prstGeom>
-          <a:solidFill>
-            <a:schemeClr val="tx1"/>
-          </a:solidFill>
-        </p:spPr>
-        <p:style>
-          <a:lnRef idx="2">
-            <a:schemeClr val="accent1">
-              <a:shade val="50000"/>
-            </a:schemeClr>
-          </a:lnRef>
-          <a:fillRef idx="1">
-            <a:schemeClr val="accent1"/>
-          </a:fillRef>
-          <a:effectRef idx="0">
-            <a:schemeClr val="accent1"/>
-          </a:effectRef>
-          <a:fontRef idx="minor">
-            <a:schemeClr val="lt1"/>
-          </a:fontRef>
-        </p:style>
-        <p:txBody>
-          <a:bodyPr rtlCol="0" anchor="ctr"/>
-          <a:lstStyle/>
-          <a:p>
-            <a:pPr algn="ctr"/>
-            <a:r>
-              <a:rPr kumimoji="1" lang="ja-JP" altLang="en-US" sz="1400" dirty="0"/>
-              <a:t>ロゴ</a:t>
-            </a:r>
-          </a:p>
-        </p:txBody>
-      </p:sp>
-      <p:sp>
-        <p:nvSpPr>
-          <p:cNvPr id="125" name="テキスト ボックス 124">
-            <a:extLst>
-              <a:ext uri="{FF2B5EF4-FFF2-40B4-BE49-F238E27FC236}">
-                <a16:creationId xmlns:a16="http://schemas.microsoft.com/office/drawing/2014/main" id="{BD8CA218-0109-45BB-93F5-9C7172E69075}"/>
-              </a:ext>
-            </a:extLst>
-          </p:cNvPr>
-          <p:cNvSpPr txBox="1"/>
-          <p:nvPr/>
-        </p:nvSpPr>
-        <p:spPr>
-          <a:xfrm>
-            <a:off x="9033434" y="1079622"/>
-            <a:ext cx="2646878" cy="276999"/>
-          </a:xfrm>
-          <a:prstGeom prst="rect">
-            <a:avLst/>
-          </a:prstGeom>
-          <a:noFill/>
-        </p:spPr>
-        <p:txBody>
-          <a:bodyPr wrap="none" rtlCol="0">
-            <a:spAutoFit/>
-          </a:bodyPr>
-          <a:lstStyle/>
-          <a:p>
-            <a:r>
-              <a:rPr kumimoji="1" lang="ja-JP" altLang="en-US" sz="1200" dirty="0"/>
-              <a:t>マッチング　</a:t>
-            </a:r>
-            <a:r>
-              <a:rPr kumimoji="1" lang="ja-JP" altLang="en-US" sz="1200" u="sng" dirty="0"/>
-              <a:t>チャット</a:t>
-            </a:r>
-            <a:r>
-              <a:rPr kumimoji="1" lang="ja-JP" altLang="en-US" sz="1200" dirty="0"/>
-              <a:t>　マイページ</a:t>
-            </a:r>
-          </a:p>
-        </p:txBody>
-      </p:sp>
-      <p:sp>
-        <p:nvSpPr>
-          <p:cNvPr id="67" name="正方形/長方形 66">
-            <a:extLst>
-              <a:ext uri="{FF2B5EF4-FFF2-40B4-BE49-F238E27FC236}">
-                <a16:creationId xmlns:a16="http://schemas.microsoft.com/office/drawing/2014/main" id="{0F57F21D-D377-4AD3-AB1A-2139B6BD29F2}"/>
-              </a:ext>
-            </a:extLst>
-          </p:cNvPr>
-          <p:cNvSpPr/>
-          <p:nvPr/>
-        </p:nvSpPr>
-        <p:spPr>
-          <a:xfrm>
-            <a:off x="6472590" y="1728430"/>
-            <a:ext cx="5090413" cy="4713934"/>
-          </a:xfrm>
-          <a:prstGeom prst="rect">
-            <a:avLst/>
-          </a:prstGeom>
-          <a:solidFill>
-            <a:schemeClr val="bg1"/>
-          </a:solidFill>
-        </p:spPr>
-        <p:style>
-          <a:lnRef idx="2">
-            <a:schemeClr val="accent1">
-              <a:shade val="50000"/>
-            </a:schemeClr>
-          </a:lnRef>
-          <a:fillRef idx="1">
-            <a:schemeClr val="accent1"/>
-          </a:fillRef>
-          <a:effectRef idx="0">
-            <a:schemeClr val="accent1"/>
-          </a:effectRef>
-          <a:fontRef idx="minor">
-            <a:schemeClr val="lt1"/>
-          </a:fontRef>
-        </p:style>
-        <p:txBody>
-          <a:bodyPr rtlCol="0" anchor="ctr"/>
-          <a:lstStyle/>
-          <a:p>
-            <a:pPr algn="ctr"/>
-            <a:r>
-              <a:rPr kumimoji="1" lang="ja-JP" altLang="en-US" dirty="0">
-                <a:solidFill>
-                  <a:schemeClr val="tx1"/>
-                </a:solidFill>
-              </a:rPr>
-              <a:t>チャット画面</a:t>
-            </a:r>
-          </a:p>
-        </p:txBody>
-      </p:sp>
-    </p:spTree>
-    <p:extLst>
-      <p:ext uri="{BB962C8B-B14F-4D97-AF65-F5344CB8AC3E}">
-        <p14:creationId xmlns:p14="http://schemas.microsoft.com/office/powerpoint/2010/main" val="777080748"/>
-      </p:ext>
-    </p:extLst>
-  </p:cSld>
-  <p:clrMapOvr>
-    <a:masterClrMapping/>
-  </p:clrMapOvr>
-</p:sld>
-</file>
-
-<file path=ppt/slides/slide9.xml><?xml version="1.0" encoding="utf-8"?>
-<p:sld xmlns:a="http://schemas.openxmlformats.org/drawingml/2006/main" xmlns:r="http://schemas.openxmlformats.org/officeDocument/2006/relationships" xmlns:p="http://schemas.openxmlformats.org/presentationml/2006/main">
-  <p:cSld>
-    <p:spTree>
-      <p:nvGrpSpPr>
-        <p:cNvPr id="1" name=""/>
-        <p:cNvGrpSpPr/>
-        <p:nvPr/>
-      </p:nvGrpSpPr>
-      <p:grpSpPr>
-        <a:xfrm>
-          <a:off x="0" y="0"/>
-          <a:ext cx="0" cy="0"/>
-          <a:chOff x="0" y="0"/>
-          <a:chExt cx="0" cy="0"/>
-        </a:xfrm>
-      </p:grpSpPr>
-      <p:sp>
-        <p:nvSpPr>
-          <p:cNvPr id="2" name="タイトル 1">
-            <a:extLst>
-              <a:ext uri="{FF2B5EF4-FFF2-40B4-BE49-F238E27FC236}">
-                <a16:creationId xmlns:a16="http://schemas.microsoft.com/office/drawing/2014/main" id="{D1FDFCA5-0E05-42A6-9669-97150A68CD32}"/>
-              </a:ext>
-            </a:extLst>
-          </p:cNvPr>
-          <p:cNvSpPr>
-            <a:spLocks noGrp="1"/>
-          </p:cNvSpPr>
-          <p:nvPr>
-            <p:ph type="title"/>
-          </p:nvPr>
-        </p:nvSpPr>
-        <p:spPr>
-          <a:xfrm>
-            <a:off x="630381" y="223809"/>
-            <a:ext cx="10515600" cy="748058"/>
-          </a:xfrm>
-        </p:spPr>
-        <p:txBody>
-          <a:bodyPr>
-            <a:normAutofit/>
-          </a:bodyPr>
-          <a:lstStyle/>
-          <a:p>
-            <a:r>
-              <a:rPr lang="ja-JP" altLang="en-US" sz="3200" b="1" dirty="0"/>
-              <a:t>モック</a:t>
-            </a:r>
-            <a:endParaRPr kumimoji="1" lang="ja-JP" altLang="en-US" sz="3200" b="1" dirty="0"/>
-          </a:p>
-        </p:txBody>
-      </p:sp>
-      <p:sp>
-        <p:nvSpPr>
-          <p:cNvPr id="3" name="正方形/長方形 2">
-            <a:extLst>
-              <a:ext uri="{FF2B5EF4-FFF2-40B4-BE49-F238E27FC236}">
-                <a16:creationId xmlns:a16="http://schemas.microsoft.com/office/drawing/2014/main" id="{F1679E86-3B9D-47A0-8B77-74D610B63900}"/>
-              </a:ext>
-            </a:extLst>
-          </p:cNvPr>
-          <p:cNvSpPr/>
-          <p:nvPr/>
-        </p:nvSpPr>
-        <p:spPr>
-          <a:xfrm>
-            <a:off x="723207" y="971866"/>
-            <a:ext cx="5372793" cy="5794693"/>
-          </a:xfrm>
-          <a:prstGeom prst="rect">
-            <a:avLst/>
-          </a:prstGeom>
-          <a:noFill/>
-          <a:ln w="3175">
-            <a:solidFill>
-              <a:schemeClr val="tx1"/>
-            </a:solidFill>
-          </a:ln>
-        </p:spPr>
-        <p:style>
-          <a:lnRef idx="2">
-            <a:schemeClr val="accent1">
-              <a:shade val="50000"/>
-            </a:schemeClr>
-          </a:lnRef>
-          <a:fillRef idx="1">
-            <a:schemeClr val="accent1"/>
-          </a:fillRef>
-          <a:effectRef idx="0">
-            <a:schemeClr val="accent1"/>
-          </a:effectRef>
-          <a:fontRef idx="minor">
-            <a:schemeClr val="lt1"/>
-          </a:fontRef>
-        </p:style>
-        <p:txBody>
-          <a:bodyPr rtlCol="0" anchor="ctr"/>
-          <a:lstStyle/>
-          <a:p>
-            <a:pPr algn="ctr"/>
-            <a:endParaRPr kumimoji="1" lang="ja-JP" altLang="en-US" dirty="0"/>
-          </a:p>
-        </p:txBody>
-      </p:sp>
-      <p:sp>
-        <p:nvSpPr>
-          <p:cNvPr id="4" name="正方形/長方形 3">
-            <a:extLst>
-              <a:ext uri="{FF2B5EF4-FFF2-40B4-BE49-F238E27FC236}">
-                <a16:creationId xmlns:a16="http://schemas.microsoft.com/office/drawing/2014/main" id="{C5C4DF17-89CD-47A3-A019-5488313167F6}"/>
-              </a:ext>
-            </a:extLst>
-          </p:cNvPr>
-          <p:cNvSpPr/>
-          <p:nvPr/>
-        </p:nvSpPr>
-        <p:spPr>
-          <a:xfrm>
-            <a:off x="786941" y="1055715"/>
-            <a:ext cx="914400" cy="282634"/>
-          </a:xfrm>
-          <a:prstGeom prst="rect">
-            <a:avLst/>
-          </a:prstGeom>
-          <a:solidFill>
-            <a:schemeClr val="tx1"/>
-          </a:solidFill>
-        </p:spPr>
-        <p:style>
-          <a:lnRef idx="2">
-            <a:schemeClr val="accent1">
-              <a:shade val="50000"/>
-            </a:schemeClr>
-          </a:lnRef>
-          <a:fillRef idx="1">
-            <a:schemeClr val="accent1"/>
-          </a:fillRef>
-          <a:effectRef idx="0">
-            <a:schemeClr val="accent1"/>
-          </a:effectRef>
-          <a:fontRef idx="minor">
-            <a:schemeClr val="lt1"/>
-          </a:fontRef>
-        </p:style>
-        <p:txBody>
-          <a:bodyPr rtlCol="0" anchor="ctr"/>
-          <a:lstStyle/>
-          <a:p>
-            <a:pPr algn="ctr"/>
-            <a:r>
-              <a:rPr kumimoji="1" lang="ja-JP" altLang="en-US" sz="1400" dirty="0"/>
-              <a:t>ロゴ</a:t>
-            </a:r>
-          </a:p>
-        </p:txBody>
-      </p:sp>
-      <p:sp>
-        <p:nvSpPr>
-          <p:cNvPr id="5" name="テキスト ボックス 4">
-            <a:extLst>
-              <a:ext uri="{FF2B5EF4-FFF2-40B4-BE49-F238E27FC236}">
-                <a16:creationId xmlns:a16="http://schemas.microsoft.com/office/drawing/2014/main" id="{C7D548B0-1E98-46DE-B7D4-DC653D0DE8D3}"/>
-              </a:ext>
-            </a:extLst>
-          </p:cNvPr>
-          <p:cNvSpPr txBox="1"/>
-          <p:nvPr/>
-        </p:nvSpPr>
-        <p:spPr>
-          <a:xfrm>
-            <a:off x="3409603" y="1079622"/>
-            <a:ext cx="2646878" cy="276999"/>
-          </a:xfrm>
-          <a:prstGeom prst="rect">
-            <a:avLst/>
-          </a:prstGeom>
-          <a:noFill/>
-        </p:spPr>
-        <p:txBody>
-          <a:bodyPr wrap="none" rtlCol="0">
-            <a:spAutoFit/>
-          </a:bodyPr>
-          <a:lstStyle/>
-          <a:p>
-            <a:r>
-              <a:rPr kumimoji="1" lang="ja-JP" altLang="en-US" sz="1200" dirty="0"/>
-              <a:t>マッチング　チャット　</a:t>
-            </a:r>
-            <a:r>
-              <a:rPr kumimoji="1" lang="ja-JP" altLang="en-US" sz="1200" u="sng" dirty="0"/>
-              <a:t>マイページ</a:t>
-            </a:r>
-          </a:p>
-        </p:txBody>
-      </p:sp>
-      <p:sp>
-        <p:nvSpPr>
-          <p:cNvPr id="68" name="正方形/長方形 67">
-            <a:extLst>
-              <a:ext uri="{FF2B5EF4-FFF2-40B4-BE49-F238E27FC236}">
-                <a16:creationId xmlns:a16="http://schemas.microsoft.com/office/drawing/2014/main" id="{02FAA597-742E-4072-800D-DF36EDB8C123}"/>
-              </a:ext>
-            </a:extLst>
-          </p:cNvPr>
-          <p:cNvSpPr/>
-          <p:nvPr/>
-        </p:nvSpPr>
-        <p:spPr>
-          <a:xfrm>
-            <a:off x="1701341" y="1940064"/>
-            <a:ext cx="3219794" cy="4206507"/>
-          </a:xfrm>
-          <a:prstGeom prst="rect">
-            <a:avLst/>
-          </a:prstGeom>
-          <a:solidFill>
-            <a:schemeClr val="bg1"/>
-          </a:solidFill>
-        </p:spPr>
-        <p:style>
-          <a:lnRef idx="2">
-            <a:schemeClr val="accent1">
-              <a:shade val="50000"/>
-            </a:schemeClr>
-          </a:lnRef>
-          <a:fillRef idx="1">
-            <a:schemeClr val="accent1"/>
-          </a:fillRef>
-          <a:effectRef idx="0">
-            <a:schemeClr val="accent1"/>
-          </a:effectRef>
-          <a:fontRef idx="minor">
-            <a:schemeClr val="lt1"/>
-          </a:fontRef>
-        </p:style>
-        <p:txBody>
-          <a:bodyPr rtlCol="0" anchor="ctr"/>
-          <a:lstStyle/>
-          <a:p>
-            <a:pPr algn="ctr"/>
-            <a:endParaRPr kumimoji="1" lang="ja-JP" altLang="en-US"/>
-          </a:p>
-        </p:txBody>
-      </p:sp>
-      <p:sp>
-        <p:nvSpPr>
-          <p:cNvPr id="69" name="正方形/長方形 68">
-            <a:extLst>
-              <a:ext uri="{FF2B5EF4-FFF2-40B4-BE49-F238E27FC236}">
-                <a16:creationId xmlns:a16="http://schemas.microsoft.com/office/drawing/2014/main" id="{F18BA168-310F-4FF2-8128-E5ABD65261A9}"/>
-              </a:ext>
-            </a:extLst>
-          </p:cNvPr>
-          <p:cNvSpPr/>
-          <p:nvPr/>
-        </p:nvSpPr>
-        <p:spPr>
-          <a:xfrm>
-            <a:off x="2763558" y="5215802"/>
-            <a:ext cx="1162399" cy="293318"/>
-          </a:xfrm>
-          <a:prstGeom prst="rect">
-            <a:avLst/>
-          </a:prstGeom>
-          <a:solidFill>
-            <a:schemeClr val="accent1">
-              <a:lumMod val="50000"/>
-            </a:schemeClr>
-          </a:solidFill>
-        </p:spPr>
-        <p:style>
-          <a:lnRef idx="2">
-            <a:schemeClr val="accent1">
-              <a:shade val="50000"/>
-            </a:schemeClr>
-          </a:lnRef>
-          <a:fillRef idx="1">
-            <a:schemeClr val="accent1"/>
-          </a:fillRef>
-          <a:effectRef idx="0">
-            <a:schemeClr val="accent1"/>
-          </a:effectRef>
-          <a:fontRef idx="minor">
-            <a:schemeClr val="lt1"/>
-          </a:fontRef>
-        </p:style>
-        <p:txBody>
-          <a:bodyPr rtlCol="0" anchor="ctr"/>
-          <a:lstStyle/>
-          <a:p>
-            <a:pPr algn="ctr"/>
-            <a:r>
-              <a:rPr lang="ja-JP" altLang="en-US" sz="1000" b="1" dirty="0">
-                <a:solidFill>
-                  <a:schemeClr val="bg1"/>
-                </a:solidFill>
-              </a:rPr>
-              <a:t>登録</a:t>
-            </a:r>
-            <a:endParaRPr kumimoji="1" lang="ja-JP" altLang="en-US" sz="1000" b="1" dirty="0">
-              <a:solidFill>
-                <a:schemeClr val="bg1"/>
-              </a:solidFill>
-            </a:endParaRPr>
-          </a:p>
-        </p:txBody>
-      </p:sp>
-      <p:grpSp>
-        <p:nvGrpSpPr>
-          <p:cNvPr id="70" name="グループ化 69">
-            <a:extLst>
-              <a:ext uri="{FF2B5EF4-FFF2-40B4-BE49-F238E27FC236}">
-                <a16:creationId xmlns:a16="http://schemas.microsoft.com/office/drawing/2014/main" id="{E4807EC1-A241-4AA7-8973-A925789AB63A}"/>
-              </a:ext>
-            </a:extLst>
-          </p:cNvPr>
-          <p:cNvGrpSpPr/>
-          <p:nvPr/>
-        </p:nvGrpSpPr>
-        <p:grpSpPr>
-          <a:xfrm>
-            <a:off x="2225328" y="2436461"/>
-            <a:ext cx="2247953" cy="293318"/>
-            <a:chOff x="2264663" y="2058919"/>
-            <a:chExt cx="2247953" cy="293318"/>
-          </a:xfrm>
-        </p:grpSpPr>
-        <p:sp>
-          <p:nvSpPr>
-            <p:cNvPr id="71" name="テキスト ボックス 70">
-              <a:extLst>
-                <a:ext uri="{FF2B5EF4-FFF2-40B4-BE49-F238E27FC236}">
-                  <a16:creationId xmlns:a16="http://schemas.microsoft.com/office/drawing/2014/main" id="{712CD896-D60F-466E-A855-4EBA3DDE450A}"/>
-                </a:ext>
-              </a:extLst>
-            </p:cNvPr>
-            <p:cNvSpPr txBox="1"/>
-            <p:nvPr/>
-          </p:nvSpPr>
-          <p:spPr>
-            <a:xfrm>
-              <a:off x="2264663" y="2073446"/>
-              <a:ext cx="697627" cy="246221"/>
-            </a:xfrm>
-            <a:prstGeom prst="rect">
-              <a:avLst/>
-            </a:prstGeom>
-            <a:noFill/>
-          </p:spPr>
-          <p:txBody>
-            <a:bodyPr wrap="none" rtlCol="0">
-              <a:spAutoFit/>
-            </a:bodyPr>
-            <a:lstStyle/>
-            <a:p>
-              <a:r>
-                <a:rPr kumimoji="1" lang="ja-JP" altLang="en-US" sz="1000" dirty="0"/>
-                <a:t>事業内容</a:t>
-              </a:r>
-            </a:p>
-          </p:txBody>
-        </p:sp>
-        <p:sp>
-          <p:nvSpPr>
-            <p:cNvPr id="72" name="正方形/長方形 71">
-              <a:extLst>
-                <a:ext uri="{FF2B5EF4-FFF2-40B4-BE49-F238E27FC236}">
-                  <a16:creationId xmlns:a16="http://schemas.microsoft.com/office/drawing/2014/main" id="{3B5DF9FC-82BD-4906-9117-B850F78339A4}"/>
-                </a:ext>
-              </a:extLst>
-            </p:cNvPr>
-            <p:cNvSpPr/>
-            <p:nvPr/>
-          </p:nvSpPr>
-          <p:spPr>
-            <a:xfrm>
-              <a:off x="2962290" y="2058919"/>
-              <a:ext cx="1550326" cy="293318"/>
-            </a:xfrm>
-            <a:prstGeom prst="rect">
-              <a:avLst/>
-            </a:prstGeom>
-            <a:solidFill>
-              <a:schemeClr val="bg1"/>
-            </a:solidFill>
-          </p:spPr>
-          <p:style>
-            <a:lnRef idx="2">
-              <a:schemeClr val="accent1">
-                <a:shade val="50000"/>
-              </a:schemeClr>
-            </a:lnRef>
-            <a:fillRef idx="1">
-              <a:schemeClr val="accent1"/>
-            </a:fillRef>
-            <a:effectRef idx="0">
-              <a:schemeClr val="accent1"/>
-            </a:effectRef>
-            <a:fontRef idx="minor">
-              <a:schemeClr val="lt1"/>
-            </a:fontRef>
-          </p:style>
-          <p:txBody>
-            <a:bodyPr rtlCol="0" anchor="ctr"/>
-            <a:lstStyle/>
-            <a:p>
-              <a:pPr algn="ctr"/>
-              <a:endParaRPr kumimoji="1" lang="ja-JP" altLang="en-US"/>
-            </a:p>
-          </p:txBody>
-        </p:sp>
-      </p:grpSp>
-      <p:grpSp>
-        <p:nvGrpSpPr>
-          <p:cNvPr id="73" name="グループ化 72">
-            <a:extLst>
-              <a:ext uri="{FF2B5EF4-FFF2-40B4-BE49-F238E27FC236}">
-                <a16:creationId xmlns:a16="http://schemas.microsoft.com/office/drawing/2014/main" id="{92506772-249C-4E81-B366-EF6C323250C2}"/>
-              </a:ext>
-            </a:extLst>
-          </p:cNvPr>
-          <p:cNvGrpSpPr/>
-          <p:nvPr/>
-        </p:nvGrpSpPr>
-        <p:grpSpPr>
-          <a:xfrm>
-            <a:off x="2353568" y="2886472"/>
-            <a:ext cx="2119713" cy="293318"/>
-            <a:chOff x="2392903" y="2058919"/>
-            <a:chExt cx="2119713" cy="293318"/>
-          </a:xfrm>
-        </p:grpSpPr>
-        <p:sp>
-          <p:nvSpPr>
-            <p:cNvPr id="74" name="テキスト ボックス 73">
-              <a:extLst>
-                <a:ext uri="{FF2B5EF4-FFF2-40B4-BE49-F238E27FC236}">
-                  <a16:creationId xmlns:a16="http://schemas.microsoft.com/office/drawing/2014/main" id="{E24424E0-89DD-4496-B7E8-60D744DD2968}"/>
-                </a:ext>
-              </a:extLst>
-            </p:cNvPr>
-            <p:cNvSpPr txBox="1"/>
-            <p:nvPr/>
-          </p:nvSpPr>
-          <p:spPr>
-            <a:xfrm>
-              <a:off x="2392903" y="2102775"/>
-              <a:ext cx="569387" cy="246221"/>
-            </a:xfrm>
-            <a:prstGeom prst="rect">
-              <a:avLst/>
-            </a:prstGeom>
-            <a:noFill/>
-          </p:spPr>
-          <p:txBody>
-            <a:bodyPr wrap="none" rtlCol="0">
-              <a:spAutoFit/>
-            </a:bodyPr>
-            <a:lstStyle/>
-            <a:p>
-              <a:r>
-                <a:rPr kumimoji="1" lang="ja-JP" altLang="en-US" sz="1000" dirty="0"/>
-                <a:t>資本金</a:t>
-              </a:r>
-            </a:p>
-          </p:txBody>
-        </p:sp>
-        <p:sp>
-          <p:nvSpPr>
-            <p:cNvPr id="75" name="正方形/長方形 74">
-              <a:extLst>
-                <a:ext uri="{FF2B5EF4-FFF2-40B4-BE49-F238E27FC236}">
-                  <a16:creationId xmlns:a16="http://schemas.microsoft.com/office/drawing/2014/main" id="{AA405CFB-7421-4B74-8410-C9C330DC5FBB}"/>
-                </a:ext>
-              </a:extLst>
-            </p:cNvPr>
-            <p:cNvSpPr/>
-            <p:nvPr/>
-          </p:nvSpPr>
-          <p:spPr>
-            <a:xfrm>
-              <a:off x="2962290" y="2058919"/>
-              <a:ext cx="1550326" cy="293318"/>
-            </a:xfrm>
-            <a:prstGeom prst="rect">
-              <a:avLst/>
-            </a:prstGeom>
-            <a:solidFill>
-              <a:schemeClr val="bg1"/>
-            </a:solidFill>
-          </p:spPr>
-          <p:style>
-            <a:lnRef idx="2">
-              <a:schemeClr val="accent1">
-                <a:shade val="50000"/>
-              </a:schemeClr>
-            </a:lnRef>
-            <a:fillRef idx="1">
-              <a:schemeClr val="accent1"/>
-            </a:fillRef>
-            <a:effectRef idx="0">
-              <a:schemeClr val="accent1"/>
-            </a:effectRef>
-            <a:fontRef idx="minor">
-              <a:schemeClr val="lt1"/>
-            </a:fontRef>
-          </p:style>
-          <p:txBody>
-            <a:bodyPr rtlCol="0" anchor="ctr"/>
-            <a:lstStyle/>
-            <a:p>
-              <a:pPr algn="ctr"/>
-              <a:endParaRPr kumimoji="1" lang="ja-JP" altLang="en-US"/>
-            </a:p>
-          </p:txBody>
-        </p:sp>
-      </p:grpSp>
-      <p:grpSp>
-        <p:nvGrpSpPr>
-          <p:cNvPr id="76" name="グループ化 75">
-            <a:extLst>
-              <a:ext uri="{FF2B5EF4-FFF2-40B4-BE49-F238E27FC236}">
-                <a16:creationId xmlns:a16="http://schemas.microsoft.com/office/drawing/2014/main" id="{49FFC1F9-DA40-4B0C-8A9B-D98BA6F2158D}"/>
-              </a:ext>
-            </a:extLst>
-          </p:cNvPr>
-          <p:cNvGrpSpPr/>
-          <p:nvPr/>
-        </p:nvGrpSpPr>
-        <p:grpSpPr>
-          <a:xfrm>
-            <a:off x="2241528" y="3336483"/>
-            <a:ext cx="2231753" cy="293318"/>
-            <a:chOff x="2280863" y="2058919"/>
-            <a:chExt cx="2231753" cy="293318"/>
-          </a:xfrm>
-        </p:grpSpPr>
-        <p:sp>
-          <p:nvSpPr>
-            <p:cNvPr id="77" name="テキスト ボックス 76">
-              <a:extLst>
-                <a:ext uri="{FF2B5EF4-FFF2-40B4-BE49-F238E27FC236}">
-                  <a16:creationId xmlns:a16="http://schemas.microsoft.com/office/drawing/2014/main" id="{36F3AFDB-CF5D-4919-8A8E-639C2CD8A5B3}"/>
-                </a:ext>
-              </a:extLst>
-            </p:cNvPr>
-            <p:cNvSpPr txBox="1"/>
-            <p:nvPr/>
-          </p:nvSpPr>
-          <p:spPr>
-            <a:xfrm>
-              <a:off x="2280863" y="2080746"/>
-              <a:ext cx="697627" cy="246221"/>
-            </a:xfrm>
-            <a:prstGeom prst="rect">
-              <a:avLst/>
-            </a:prstGeom>
-            <a:noFill/>
-          </p:spPr>
-          <p:txBody>
-            <a:bodyPr wrap="none" rtlCol="0">
-              <a:spAutoFit/>
-            </a:bodyPr>
-            <a:lstStyle/>
-            <a:p>
-              <a:r>
-                <a:rPr kumimoji="1" lang="ja-JP" altLang="en-US" sz="1000" dirty="0"/>
-                <a:t>売り上げ</a:t>
-              </a:r>
-            </a:p>
-          </p:txBody>
-        </p:sp>
-        <p:sp>
-          <p:nvSpPr>
-            <p:cNvPr id="78" name="正方形/長方形 77">
-              <a:extLst>
-                <a:ext uri="{FF2B5EF4-FFF2-40B4-BE49-F238E27FC236}">
-                  <a16:creationId xmlns:a16="http://schemas.microsoft.com/office/drawing/2014/main" id="{E40CED4C-727A-4437-AF71-FB5090303BE3}"/>
-                </a:ext>
-              </a:extLst>
-            </p:cNvPr>
-            <p:cNvSpPr/>
-            <p:nvPr/>
-          </p:nvSpPr>
-          <p:spPr>
-            <a:xfrm>
-              <a:off x="2962290" y="2058919"/>
-              <a:ext cx="1550326" cy="293318"/>
-            </a:xfrm>
-            <a:prstGeom prst="rect">
-              <a:avLst/>
-            </a:prstGeom>
-            <a:solidFill>
-              <a:schemeClr val="bg1"/>
-            </a:solidFill>
-          </p:spPr>
-          <p:style>
-            <a:lnRef idx="2">
-              <a:schemeClr val="accent1">
-                <a:shade val="50000"/>
-              </a:schemeClr>
-            </a:lnRef>
-            <a:fillRef idx="1">
-              <a:schemeClr val="accent1"/>
-            </a:fillRef>
-            <a:effectRef idx="0">
-              <a:schemeClr val="accent1"/>
-            </a:effectRef>
-            <a:fontRef idx="minor">
-              <a:schemeClr val="lt1"/>
-            </a:fontRef>
-          </p:style>
-          <p:txBody>
-            <a:bodyPr rtlCol="0" anchor="ctr"/>
-            <a:lstStyle/>
-            <a:p>
-              <a:pPr algn="ctr"/>
-              <a:endParaRPr kumimoji="1" lang="ja-JP" altLang="en-US"/>
-            </a:p>
-          </p:txBody>
-        </p:sp>
-      </p:grpSp>
-      <p:grpSp>
-        <p:nvGrpSpPr>
-          <p:cNvPr id="79" name="グループ化 78">
-            <a:extLst>
-              <a:ext uri="{FF2B5EF4-FFF2-40B4-BE49-F238E27FC236}">
-                <a16:creationId xmlns:a16="http://schemas.microsoft.com/office/drawing/2014/main" id="{E9496441-83AC-4E81-80EF-8706BD04B42D}"/>
-              </a:ext>
-            </a:extLst>
-          </p:cNvPr>
-          <p:cNvGrpSpPr/>
-          <p:nvPr/>
-        </p:nvGrpSpPr>
-        <p:grpSpPr>
-          <a:xfrm>
-            <a:off x="2350325" y="3811731"/>
-            <a:ext cx="2122956" cy="293318"/>
-            <a:chOff x="2389660" y="2058919"/>
-            <a:chExt cx="2122956" cy="293318"/>
-          </a:xfrm>
-        </p:grpSpPr>
-        <p:sp>
-          <p:nvSpPr>
-            <p:cNvPr id="80" name="テキスト ボックス 79">
-              <a:extLst>
-                <a:ext uri="{FF2B5EF4-FFF2-40B4-BE49-F238E27FC236}">
-                  <a16:creationId xmlns:a16="http://schemas.microsoft.com/office/drawing/2014/main" id="{A3815645-759A-4D88-89CD-34CA9BD9E100}"/>
-                </a:ext>
-              </a:extLst>
-            </p:cNvPr>
-            <p:cNvSpPr txBox="1"/>
-            <p:nvPr/>
-          </p:nvSpPr>
-          <p:spPr>
-            <a:xfrm>
-              <a:off x="2389660" y="2090710"/>
-              <a:ext cx="569387" cy="246221"/>
-            </a:xfrm>
-            <a:prstGeom prst="rect">
-              <a:avLst/>
-            </a:prstGeom>
-            <a:noFill/>
-          </p:spPr>
-          <p:txBody>
-            <a:bodyPr wrap="none" rtlCol="0">
-              <a:spAutoFit/>
-            </a:bodyPr>
-            <a:lstStyle/>
-            <a:p>
-              <a:r>
-                <a:rPr lang="ja-JP" altLang="en-US" sz="1000" dirty="0"/>
-                <a:t>社員数</a:t>
-              </a:r>
-              <a:endParaRPr kumimoji="1" lang="ja-JP" altLang="en-US" sz="1000" dirty="0"/>
-            </a:p>
-          </p:txBody>
-        </p:sp>
-        <p:sp>
-          <p:nvSpPr>
-            <p:cNvPr id="81" name="正方形/長方形 80">
-              <a:extLst>
-                <a:ext uri="{FF2B5EF4-FFF2-40B4-BE49-F238E27FC236}">
-                  <a16:creationId xmlns:a16="http://schemas.microsoft.com/office/drawing/2014/main" id="{79B8B58F-7040-4216-A8DA-63926EEAB1D4}"/>
-                </a:ext>
-              </a:extLst>
-            </p:cNvPr>
-            <p:cNvSpPr/>
-            <p:nvPr/>
-          </p:nvSpPr>
-          <p:spPr>
-            <a:xfrm>
-              <a:off x="2962290" y="2058919"/>
-              <a:ext cx="1550326" cy="293318"/>
-            </a:xfrm>
-            <a:prstGeom prst="rect">
-              <a:avLst/>
-            </a:prstGeom>
-            <a:solidFill>
-              <a:schemeClr val="bg1"/>
-            </a:solidFill>
-          </p:spPr>
-          <p:style>
-            <a:lnRef idx="2">
-              <a:schemeClr val="accent1">
-                <a:shade val="50000"/>
-              </a:schemeClr>
-            </a:lnRef>
-            <a:fillRef idx="1">
-              <a:schemeClr val="accent1"/>
-            </a:fillRef>
-            <a:effectRef idx="0">
-              <a:schemeClr val="accent1"/>
-            </a:effectRef>
-            <a:fontRef idx="minor">
-              <a:schemeClr val="lt1"/>
-            </a:fontRef>
-          </p:style>
-          <p:txBody>
-            <a:bodyPr rtlCol="0" anchor="ctr"/>
-            <a:lstStyle/>
-            <a:p>
-              <a:pPr algn="ctr"/>
-              <a:endParaRPr kumimoji="1" lang="ja-JP" altLang="en-US"/>
-            </a:p>
-          </p:txBody>
-        </p:sp>
-      </p:grpSp>
-      <p:grpSp>
-        <p:nvGrpSpPr>
-          <p:cNvPr id="82" name="グループ化 81">
-            <a:extLst>
-              <a:ext uri="{FF2B5EF4-FFF2-40B4-BE49-F238E27FC236}">
-                <a16:creationId xmlns:a16="http://schemas.microsoft.com/office/drawing/2014/main" id="{43560AD9-CAEF-470D-8560-E8DDCF19A32F}"/>
-              </a:ext>
-            </a:extLst>
-          </p:cNvPr>
-          <p:cNvGrpSpPr/>
-          <p:nvPr/>
-        </p:nvGrpSpPr>
-        <p:grpSpPr>
-          <a:xfrm>
-            <a:off x="2475101" y="4262999"/>
-            <a:ext cx="1998180" cy="293318"/>
-            <a:chOff x="2514436" y="2058919"/>
-            <a:chExt cx="1998180" cy="293318"/>
-          </a:xfrm>
-        </p:grpSpPr>
-        <p:sp>
-          <p:nvSpPr>
-            <p:cNvPr id="83" name="テキスト ボックス 82">
-              <a:extLst>
-                <a:ext uri="{FF2B5EF4-FFF2-40B4-BE49-F238E27FC236}">
-                  <a16:creationId xmlns:a16="http://schemas.microsoft.com/office/drawing/2014/main" id="{8B1AB545-44E8-429D-BE7D-CF3A17EC59B5}"/>
-                </a:ext>
-              </a:extLst>
-            </p:cNvPr>
-            <p:cNvSpPr txBox="1"/>
-            <p:nvPr/>
-          </p:nvSpPr>
-          <p:spPr>
-            <a:xfrm>
-              <a:off x="2514436" y="2074170"/>
-              <a:ext cx="441146" cy="246221"/>
-            </a:xfrm>
-            <a:prstGeom prst="rect">
-              <a:avLst/>
-            </a:prstGeom>
-            <a:noFill/>
-          </p:spPr>
-          <p:txBody>
-            <a:bodyPr wrap="none" rtlCol="0">
-              <a:spAutoFit/>
-            </a:bodyPr>
-            <a:lstStyle/>
-            <a:p>
-              <a:r>
-                <a:rPr lang="ja-JP" altLang="en-US" sz="1000" dirty="0"/>
-                <a:t>強み</a:t>
-              </a:r>
-              <a:endParaRPr kumimoji="1" lang="ja-JP" altLang="en-US" sz="1000" dirty="0"/>
-            </a:p>
-          </p:txBody>
-        </p:sp>
-        <p:sp>
-          <p:nvSpPr>
-            <p:cNvPr id="84" name="正方形/長方形 83">
-              <a:extLst>
-                <a:ext uri="{FF2B5EF4-FFF2-40B4-BE49-F238E27FC236}">
-                  <a16:creationId xmlns:a16="http://schemas.microsoft.com/office/drawing/2014/main" id="{9CD30BE2-4C78-4239-B7EC-A1BE6D9DADCB}"/>
-                </a:ext>
-              </a:extLst>
-            </p:cNvPr>
-            <p:cNvSpPr/>
-            <p:nvPr/>
-          </p:nvSpPr>
-          <p:spPr>
-            <a:xfrm>
-              <a:off x="2962290" y="2058919"/>
-              <a:ext cx="1550326" cy="293318"/>
-            </a:xfrm>
-            <a:prstGeom prst="rect">
-              <a:avLst/>
-            </a:prstGeom>
-            <a:solidFill>
-              <a:schemeClr val="bg1"/>
-            </a:solidFill>
-          </p:spPr>
-          <p:style>
-            <a:lnRef idx="2">
-              <a:schemeClr val="accent1">
-                <a:shade val="50000"/>
-              </a:schemeClr>
-            </a:lnRef>
-            <a:fillRef idx="1">
-              <a:schemeClr val="accent1"/>
-            </a:fillRef>
-            <a:effectRef idx="0">
-              <a:schemeClr val="accent1"/>
-            </a:effectRef>
-            <a:fontRef idx="minor">
-              <a:schemeClr val="lt1"/>
-            </a:fontRef>
-          </p:style>
-          <p:txBody>
-            <a:bodyPr rtlCol="0" anchor="ctr"/>
-            <a:lstStyle/>
-            <a:p>
-              <a:pPr algn="ctr"/>
-              <a:endParaRPr kumimoji="1" lang="ja-JP" altLang="en-US"/>
-            </a:p>
-          </p:txBody>
-        </p:sp>
-      </p:grpSp>
-      <p:grpSp>
-        <p:nvGrpSpPr>
-          <p:cNvPr id="85" name="グループ化 84">
-            <a:extLst>
-              <a:ext uri="{FF2B5EF4-FFF2-40B4-BE49-F238E27FC236}">
-                <a16:creationId xmlns:a16="http://schemas.microsoft.com/office/drawing/2014/main" id="{B2D1C2AF-2ACE-4420-83A6-4DCA6B3AD7F2}"/>
-              </a:ext>
-            </a:extLst>
-          </p:cNvPr>
-          <p:cNvGrpSpPr/>
-          <p:nvPr/>
-        </p:nvGrpSpPr>
-        <p:grpSpPr>
-          <a:xfrm>
-            <a:off x="2461130" y="4738247"/>
-            <a:ext cx="2012151" cy="293318"/>
-            <a:chOff x="2500465" y="2058919"/>
-            <a:chExt cx="2012151" cy="293318"/>
-          </a:xfrm>
-        </p:grpSpPr>
-        <p:sp>
-          <p:nvSpPr>
-            <p:cNvPr id="86" name="テキスト ボックス 85">
-              <a:extLst>
-                <a:ext uri="{FF2B5EF4-FFF2-40B4-BE49-F238E27FC236}">
-                  <a16:creationId xmlns:a16="http://schemas.microsoft.com/office/drawing/2014/main" id="{56574CA2-ECD3-4416-BD61-7690EAD519E1}"/>
-                </a:ext>
-              </a:extLst>
-            </p:cNvPr>
-            <p:cNvSpPr txBox="1"/>
-            <p:nvPr/>
-          </p:nvSpPr>
-          <p:spPr>
-            <a:xfrm>
-              <a:off x="2500465" y="2082467"/>
-              <a:ext cx="441146" cy="246221"/>
-            </a:xfrm>
-            <a:prstGeom prst="rect">
-              <a:avLst/>
-            </a:prstGeom>
-            <a:noFill/>
-          </p:spPr>
-          <p:txBody>
-            <a:bodyPr wrap="none" rtlCol="0">
-              <a:spAutoFit/>
-            </a:bodyPr>
-            <a:lstStyle/>
-            <a:p>
-              <a:r>
-                <a:rPr kumimoji="1" lang="ja-JP" altLang="en-US" sz="1000" dirty="0"/>
-                <a:t>弱み</a:t>
-              </a:r>
-            </a:p>
-          </p:txBody>
-        </p:sp>
-        <p:sp>
-          <p:nvSpPr>
-            <p:cNvPr id="87" name="正方形/長方形 86">
-              <a:extLst>
-                <a:ext uri="{FF2B5EF4-FFF2-40B4-BE49-F238E27FC236}">
-                  <a16:creationId xmlns:a16="http://schemas.microsoft.com/office/drawing/2014/main" id="{63F6AAF6-C1F4-4DC9-8343-997E28BC53EB}"/>
-                </a:ext>
-              </a:extLst>
-            </p:cNvPr>
-            <p:cNvSpPr/>
-            <p:nvPr/>
-          </p:nvSpPr>
-          <p:spPr>
-            <a:xfrm>
-              <a:off x="2962290" y="2058919"/>
-              <a:ext cx="1550326" cy="293318"/>
-            </a:xfrm>
-            <a:prstGeom prst="rect">
-              <a:avLst/>
-            </a:prstGeom>
-            <a:solidFill>
-              <a:schemeClr val="bg1"/>
-            </a:solidFill>
-          </p:spPr>
-          <p:style>
-            <a:lnRef idx="2">
-              <a:schemeClr val="accent1">
-                <a:shade val="50000"/>
-              </a:schemeClr>
-            </a:lnRef>
-            <a:fillRef idx="1">
-              <a:schemeClr val="accent1"/>
-            </a:fillRef>
-            <a:effectRef idx="0">
-              <a:schemeClr val="accent1"/>
-            </a:effectRef>
-            <a:fontRef idx="minor">
-              <a:schemeClr val="lt1"/>
-            </a:fontRef>
-          </p:style>
-          <p:txBody>
-            <a:bodyPr rtlCol="0" anchor="ctr"/>
-            <a:lstStyle/>
-            <a:p>
-              <a:pPr algn="ctr"/>
-              <a:endParaRPr kumimoji="1" lang="ja-JP" altLang="en-US"/>
-            </a:p>
-          </p:txBody>
-        </p:sp>
-      </p:grpSp>
-    </p:spTree>
-    <p:extLst>
-      <p:ext uri="{BB962C8B-B14F-4D97-AF65-F5344CB8AC3E}">
-        <p14:creationId xmlns:p14="http://schemas.microsoft.com/office/powerpoint/2010/main" val="2210792081"/>
+        <p14:creationId xmlns:p14="http://schemas.microsoft.com/office/powerpoint/2010/main" val="3434230261"/>
       </p:ext>
     </p:extLst>
   </p:cSld>
